--- a/PPT/Css-v6.pptx
+++ b/PPT/Css-v6.pptx
@@ -5,7 +5,7 @@
     <p:sldMasterId id="2147483660" r:id="rId1"/>
   </p:sldMasterIdLst>
   <p:notesMasterIdLst>
-    <p:notesMasterId r:id="rId98"/>
+    <p:notesMasterId r:id="rId100"/>
   </p:notesMasterIdLst>
   <p:sldIdLst>
     <p:sldId id="256" r:id="rId2"/>
@@ -103,7 +103,9 @@
     <p:sldId id="456" r:id="rId94"/>
     <p:sldId id="457" r:id="rId95"/>
     <p:sldId id="458" r:id="rId96"/>
-    <p:sldId id="268" r:id="rId97"/>
+    <p:sldId id="459" r:id="rId97"/>
+    <p:sldId id="460" r:id="rId98"/>
+    <p:sldId id="268" r:id="rId99"/>
   </p:sldIdLst>
   <p:sldSz cx="12192000" cy="6858000"/>
   <p:notesSz cx="6858000" cy="9144000"/>
@@ -292,7 +294,7 @@
           <a:p>
             <a:fld id="{39CD3BCA-8732-46CA-ADDD-C24F968DBEAF}" type="datetimeFigureOut">
               <a:rPr lang="en-GB" smtClean="0"/>
-              <a:t>08/12/2020</a:t>
+              <a:t>10/12/2020</a:t>
             </a:fld>
             <a:endParaRPr lang="en-GB"/>
           </a:p>
@@ -6078,6 +6080,235 @@
     <p:extLst>
       <p:ext uri="{BB962C8B-B14F-4D97-AF65-F5344CB8AC3E}">
         <p14:creationId xmlns:p14="http://schemas.microsoft.com/office/powerpoint/2010/main" val="602270349"/>
+      </p:ext>
+    </p:extLst>
+  </p:cSld>
+  <p:clrMapOvr>
+    <a:masterClrMapping/>
+  </p:clrMapOvr>
+</p:notes>
+</file>
+
+<file path=ppt/notesSlides/notesSlide50.xml><?xml version="1.0" encoding="utf-8"?>
+<p:notes xmlns:a="http://schemas.openxmlformats.org/drawingml/2006/main" xmlns:r="http://schemas.openxmlformats.org/officeDocument/2006/relationships" xmlns:p="http://schemas.openxmlformats.org/presentationml/2006/main">
+  <p:cSld>
+    <p:spTree>
+      <p:nvGrpSpPr>
+        <p:cNvPr id="1" name=""/>
+        <p:cNvGrpSpPr/>
+        <p:nvPr/>
+      </p:nvGrpSpPr>
+      <p:grpSpPr>
+        <a:xfrm>
+          <a:off x="0" y="0"/>
+          <a:ext cx="0" cy="0"/>
+          <a:chOff x="0" y="0"/>
+          <a:chExt cx="0" cy="0"/>
+        </a:xfrm>
+      </p:grpSpPr>
+      <p:sp>
+        <p:nvSpPr>
+          <p:cNvPr id="2" name="Slide Image Placeholder 1"/>
+          <p:cNvSpPr>
+            <a:spLocks noGrp="1" noRot="1" noChangeAspect="1"/>
+          </p:cNvSpPr>
+          <p:nvPr>
+            <p:ph type="sldImg"/>
+          </p:nvPr>
+        </p:nvSpPr>
+        <p:spPr/>
+      </p:sp>
+      <p:sp>
+        <p:nvSpPr>
+          <p:cNvPr id="3" name="Notes Placeholder 2"/>
+          <p:cNvSpPr>
+            <a:spLocks noGrp="1"/>
+          </p:cNvSpPr>
+          <p:nvPr>
+            <p:ph type="body" idx="1"/>
+          </p:nvPr>
+        </p:nvSpPr>
+        <p:spPr/>
+        <p:txBody>
+          <a:bodyPr/>
+          <a:lstStyle/>
+          <a:p>
+            <a:r>
+              <a:rPr lang="en-IN" dirty="0" smtClean="0"/>
+              <a:t>Branch :</a:t>
+            </a:r>
+            <a:r>
+              <a:rPr lang="en-IN" sz="1200" kern="1200" dirty="0" smtClean="0">
+                <a:solidFill>
+                  <a:schemeClr val="tx1"/>
+                </a:solidFill>
+                <a:latin typeface="+mn-lt"/>
+                <a:ea typeface="+mn-ea"/>
+                <a:cs typeface="+mn-cs"/>
+              </a:rPr>
+              <a:t>Positioning</a:t>
+            </a:r>
+            <a:endParaRPr lang="en-IN" dirty="0" smtClean="0"/>
+          </a:p>
+          <a:p>
+            <a:r>
+              <a:rPr lang="en-IN" dirty="0" smtClean="0"/>
+              <a:t>Commit : </a:t>
+            </a:r>
+            <a:r>
+              <a:rPr lang="en-IN" dirty="0" err="1" smtClean="0"/>
+              <a:t>WorkingWithFixedValue</a:t>
+            </a:r>
+            <a:endParaRPr lang="en-IN" dirty="0" smtClean="0"/>
+          </a:p>
+          <a:p>
+            <a:endParaRPr lang="en-GB" dirty="0"/>
+          </a:p>
+        </p:txBody>
+      </p:sp>
+      <p:sp>
+        <p:nvSpPr>
+          <p:cNvPr id="4" name="Slide Number Placeholder 3"/>
+          <p:cNvSpPr>
+            <a:spLocks noGrp="1"/>
+          </p:cNvSpPr>
+          <p:nvPr>
+            <p:ph type="sldNum" sz="quarter" idx="10"/>
+          </p:nvPr>
+        </p:nvSpPr>
+        <p:spPr/>
+        <p:txBody>
+          <a:bodyPr/>
+          <a:lstStyle/>
+          <a:p>
+            <a:fld id="{D3B79ED6-4970-4D84-B25C-F520A9D9210C}" type="slidenum">
+              <a:rPr lang="en-GB" smtClean="0"/>
+              <a:t>96</a:t>
+            </a:fld>
+            <a:endParaRPr lang="en-GB"/>
+          </a:p>
+        </p:txBody>
+      </p:sp>
+    </p:spTree>
+    <p:extLst>
+      <p:ext uri="{BB962C8B-B14F-4D97-AF65-F5344CB8AC3E}">
+        <p14:creationId xmlns:p14="http://schemas.microsoft.com/office/powerpoint/2010/main" val="2794288752"/>
+      </p:ext>
+    </p:extLst>
+  </p:cSld>
+  <p:clrMapOvr>
+    <a:masterClrMapping/>
+  </p:clrMapOvr>
+</p:notes>
+</file>
+
+<file path=ppt/notesSlides/notesSlide51.xml><?xml version="1.0" encoding="utf-8"?>
+<p:notes xmlns:a="http://schemas.openxmlformats.org/drawingml/2006/main" xmlns:r="http://schemas.openxmlformats.org/officeDocument/2006/relationships" xmlns:p="http://schemas.openxmlformats.org/presentationml/2006/main">
+  <p:cSld>
+    <p:spTree>
+      <p:nvGrpSpPr>
+        <p:cNvPr id="1" name=""/>
+        <p:cNvGrpSpPr/>
+        <p:nvPr/>
+      </p:nvGrpSpPr>
+      <p:grpSpPr>
+        <a:xfrm>
+          <a:off x="0" y="0"/>
+          <a:ext cx="0" cy="0"/>
+          <a:chOff x="0" y="0"/>
+          <a:chExt cx="0" cy="0"/>
+        </a:xfrm>
+      </p:grpSpPr>
+      <p:sp>
+        <p:nvSpPr>
+          <p:cNvPr id="2" name="Slide Image Placeholder 1"/>
+          <p:cNvSpPr>
+            <a:spLocks noGrp="1" noRot="1" noChangeAspect="1"/>
+          </p:cNvSpPr>
+          <p:nvPr>
+            <p:ph type="sldImg"/>
+          </p:nvPr>
+        </p:nvSpPr>
+        <p:spPr/>
+      </p:sp>
+      <p:sp>
+        <p:nvSpPr>
+          <p:cNvPr id="3" name="Notes Placeholder 2"/>
+          <p:cNvSpPr>
+            <a:spLocks noGrp="1"/>
+          </p:cNvSpPr>
+          <p:nvPr>
+            <p:ph type="body" idx="1"/>
+          </p:nvPr>
+        </p:nvSpPr>
+        <p:spPr/>
+        <p:txBody>
+          <a:bodyPr/>
+          <a:lstStyle/>
+          <a:p>
+            <a:r>
+              <a:rPr lang="en-IN" dirty="0" smtClean="0"/>
+              <a:t>Branch :</a:t>
+            </a:r>
+            <a:r>
+              <a:rPr lang="en-IN" sz="1200" kern="1200" dirty="0" smtClean="0">
+                <a:solidFill>
+                  <a:schemeClr val="tx1"/>
+                </a:solidFill>
+                <a:latin typeface="+mn-lt"/>
+                <a:ea typeface="+mn-ea"/>
+                <a:cs typeface="+mn-cs"/>
+              </a:rPr>
+              <a:t>Positioning</a:t>
+            </a:r>
+            <a:endParaRPr lang="en-IN" dirty="0" smtClean="0"/>
+          </a:p>
+          <a:p>
+            <a:r>
+              <a:rPr lang="en-IN" dirty="0" smtClean="0"/>
+              <a:t>Commit : </a:t>
+            </a:r>
+            <a:r>
+              <a:rPr lang="en-IN" dirty="0" err="1" smtClean="0"/>
+              <a:t>WorkingWithFixedValue</a:t>
+            </a:r>
+            <a:endParaRPr lang="en-IN" dirty="0" smtClean="0"/>
+          </a:p>
+          <a:p>
+            <a:endParaRPr lang="en-GB" dirty="0" smtClean="0"/>
+          </a:p>
+          <a:p>
+            <a:endParaRPr lang="en-GB" dirty="0"/>
+          </a:p>
+        </p:txBody>
+      </p:sp>
+      <p:sp>
+        <p:nvSpPr>
+          <p:cNvPr id="4" name="Slide Number Placeholder 3"/>
+          <p:cNvSpPr>
+            <a:spLocks noGrp="1"/>
+          </p:cNvSpPr>
+          <p:nvPr>
+            <p:ph type="sldNum" sz="quarter" idx="10"/>
+          </p:nvPr>
+        </p:nvSpPr>
+        <p:spPr/>
+        <p:txBody>
+          <a:bodyPr/>
+          <a:lstStyle/>
+          <a:p>
+            <a:fld id="{D3B79ED6-4970-4D84-B25C-F520A9D9210C}" type="slidenum">
+              <a:rPr lang="en-GB" smtClean="0"/>
+              <a:t>97</a:t>
+            </a:fld>
+            <a:endParaRPr lang="en-GB"/>
+          </a:p>
+        </p:txBody>
+      </p:sp>
+    </p:spTree>
+    <p:extLst>
+      <p:ext uri="{BB962C8B-B14F-4D97-AF65-F5344CB8AC3E}">
+        <p14:creationId xmlns:p14="http://schemas.microsoft.com/office/powerpoint/2010/main" val="1162512420"/>
       </p:ext>
     </p:extLst>
   </p:cSld>
@@ -7440,7 +7671,7 @@
           <a:p>
             <a:fld id="{D4BA8270-C9CF-44CA-BE5A-02C2BDCCEDE4}" type="datetimeFigureOut">
               <a:rPr lang="en-GB" smtClean="0"/>
-              <a:t>08/12/2020</a:t>
+              <a:t>10/12/2020</a:t>
             </a:fld>
             <a:endParaRPr lang="en-GB"/>
           </a:p>
@@ -7691,7 +7922,7 @@
           <a:p>
             <a:fld id="{D4BA8270-C9CF-44CA-BE5A-02C2BDCCEDE4}" type="datetimeFigureOut">
               <a:rPr lang="en-GB" smtClean="0"/>
-              <a:t>08/12/2020</a:t>
+              <a:t>10/12/2020</a:t>
             </a:fld>
             <a:endParaRPr lang="en-GB"/>
           </a:p>
@@ -8005,7 +8236,7 @@
           <a:p>
             <a:fld id="{D4BA8270-C9CF-44CA-BE5A-02C2BDCCEDE4}" type="datetimeFigureOut">
               <a:rPr lang="en-GB" smtClean="0"/>
-              <a:t>08/12/2020</a:t>
+              <a:t>10/12/2020</a:t>
             </a:fld>
             <a:endParaRPr lang="en-GB"/>
           </a:p>
@@ -8346,7 +8577,7 @@
           <a:p>
             <a:fld id="{D4BA8270-C9CF-44CA-BE5A-02C2BDCCEDE4}" type="datetimeFigureOut">
               <a:rPr lang="en-GB" smtClean="0"/>
-              <a:t>08/12/2020</a:t>
+              <a:t>10/12/2020</a:t>
             </a:fld>
             <a:endParaRPr lang="en-GB"/>
           </a:p>
@@ -8660,7 +8891,7 @@
           <a:p>
             <a:fld id="{D4BA8270-C9CF-44CA-BE5A-02C2BDCCEDE4}" type="datetimeFigureOut">
               <a:rPr lang="en-GB" smtClean="0"/>
-              <a:t>08/12/2020</a:t>
+              <a:t>10/12/2020</a:t>
             </a:fld>
             <a:endParaRPr lang="en-GB"/>
           </a:p>
@@ -9053,7 +9284,7 @@
           <a:p>
             <a:fld id="{D4BA8270-C9CF-44CA-BE5A-02C2BDCCEDE4}" type="datetimeFigureOut">
               <a:rPr lang="en-GB" smtClean="0"/>
-              <a:t>08/12/2020</a:t>
+              <a:t>10/12/2020</a:t>
             </a:fld>
             <a:endParaRPr lang="en-GB"/>
           </a:p>
@@ -9223,7 +9454,7 @@
           <a:p>
             <a:fld id="{D4BA8270-C9CF-44CA-BE5A-02C2BDCCEDE4}" type="datetimeFigureOut">
               <a:rPr lang="en-GB" smtClean="0"/>
-              <a:t>08/12/2020</a:t>
+              <a:t>10/12/2020</a:t>
             </a:fld>
             <a:endParaRPr lang="en-GB"/>
           </a:p>
@@ -9403,7 +9634,7 @@
           <a:p>
             <a:fld id="{D4BA8270-C9CF-44CA-BE5A-02C2BDCCEDE4}" type="datetimeFigureOut">
               <a:rPr lang="en-GB" smtClean="0"/>
-              <a:t>08/12/2020</a:t>
+              <a:t>10/12/2020</a:t>
             </a:fld>
             <a:endParaRPr lang="en-GB"/>
           </a:p>
@@ -9579,7 +9810,7 @@
           <a:p>
             <a:fld id="{D4BA8270-C9CF-44CA-BE5A-02C2BDCCEDE4}" type="datetimeFigureOut">
               <a:rPr lang="en-GB" smtClean="0"/>
-              <a:t>08/12/2020</a:t>
+              <a:t>10/12/2020</a:t>
             </a:fld>
             <a:endParaRPr lang="en-GB"/>
           </a:p>
@@ -9826,7 +10057,7 @@
           <a:p>
             <a:fld id="{D4BA8270-C9CF-44CA-BE5A-02C2BDCCEDE4}" type="datetimeFigureOut">
               <a:rPr lang="en-GB" smtClean="0"/>
-              <a:t>08/12/2020</a:t>
+              <a:t>10/12/2020</a:t>
             </a:fld>
             <a:endParaRPr lang="en-GB"/>
           </a:p>
@@ -10058,7 +10289,7 @@
           <a:p>
             <a:fld id="{D4BA8270-C9CF-44CA-BE5A-02C2BDCCEDE4}" type="datetimeFigureOut">
               <a:rPr lang="en-GB" smtClean="0"/>
-              <a:t>08/12/2020</a:t>
+              <a:t>10/12/2020</a:t>
             </a:fld>
             <a:endParaRPr lang="en-GB"/>
           </a:p>
@@ -10432,7 +10663,7 @@
           <a:p>
             <a:fld id="{D4BA8270-C9CF-44CA-BE5A-02C2BDCCEDE4}" type="datetimeFigureOut">
               <a:rPr lang="en-GB" smtClean="0"/>
-              <a:t>08/12/2020</a:t>
+              <a:t>10/12/2020</a:t>
             </a:fld>
             <a:endParaRPr lang="en-GB"/>
           </a:p>
@@ -10555,7 +10786,7 @@
           <a:p>
             <a:fld id="{D4BA8270-C9CF-44CA-BE5A-02C2BDCCEDE4}" type="datetimeFigureOut">
               <a:rPr lang="en-GB" smtClean="0"/>
-              <a:t>08/12/2020</a:t>
+              <a:t>10/12/2020</a:t>
             </a:fld>
             <a:endParaRPr lang="en-GB"/>
           </a:p>
@@ -10650,7 +10881,7 @@
           <a:p>
             <a:fld id="{D4BA8270-C9CF-44CA-BE5A-02C2BDCCEDE4}" type="datetimeFigureOut">
               <a:rPr lang="en-GB" smtClean="0"/>
-              <a:t>08/12/2020</a:t>
+              <a:t>10/12/2020</a:t>
             </a:fld>
             <a:endParaRPr lang="en-GB"/>
           </a:p>
@@ -10905,7 +11136,7 @@
           <a:p>
             <a:fld id="{D4BA8270-C9CF-44CA-BE5A-02C2BDCCEDE4}" type="datetimeFigureOut">
               <a:rPr lang="en-GB" smtClean="0"/>
-              <a:t>08/12/2020</a:t>
+              <a:t>10/12/2020</a:t>
             </a:fld>
             <a:endParaRPr lang="en-GB"/>
           </a:p>
@@ -11168,7 +11399,7 @@
           <a:p>
             <a:fld id="{D4BA8270-C9CF-44CA-BE5A-02C2BDCCEDE4}" type="datetimeFigureOut">
               <a:rPr lang="en-GB" smtClean="0"/>
-              <a:t>08/12/2020</a:t>
+              <a:t>10/12/2020</a:t>
             </a:fld>
             <a:endParaRPr lang="en-GB"/>
           </a:p>
@@ -11911,7 +12142,7 @@
           <a:p>
             <a:fld id="{D4BA8270-C9CF-44CA-BE5A-02C2BDCCEDE4}" type="datetimeFigureOut">
               <a:rPr lang="en-GB" smtClean="0"/>
-              <a:t>08/12/2020</a:t>
+              <a:t>10/12/2020</a:t>
             </a:fld>
             <a:endParaRPr lang="en-GB"/>
           </a:p>
@@ -41211,11 +41442,7 @@
           <a:p>
             <a:r>
               <a:rPr lang="en-IN" dirty="0" smtClean="0"/>
-              <a:t>Section </a:t>
-            </a:r>
-            <a:r>
-              <a:rPr lang="en-IN" dirty="0" smtClean="0"/>
-              <a:t>-6 -:Positioning</a:t>
+              <a:t>Section -6 -:Positioning</a:t>
             </a:r>
             <a:endParaRPr lang="en-GB" dirty="0"/>
           </a:p>
@@ -41427,7 +41654,6 @@
               <a:rPr lang="en-GB" dirty="0"/>
               <a:t>Understanding Positioning - The Theory</a:t>
             </a:r>
-            <a:endParaRPr lang="en-GB" dirty="0"/>
           </a:p>
         </p:txBody>
       </p:sp>
@@ -45644,6 +45870,446 @@
 </file>
 
 <file path=ppt/slides/slide96.xml><?xml version="1.0" encoding="utf-8"?>
+<p:sld xmlns:a="http://schemas.openxmlformats.org/drawingml/2006/main" xmlns:r="http://schemas.openxmlformats.org/officeDocument/2006/relationships" xmlns:p="http://schemas.openxmlformats.org/presentationml/2006/main">
+  <p:cSld>
+    <p:spTree>
+      <p:nvGrpSpPr>
+        <p:cNvPr id="1" name=""/>
+        <p:cNvGrpSpPr/>
+        <p:nvPr/>
+      </p:nvGrpSpPr>
+      <p:grpSpPr>
+        <a:xfrm>
+          <a:off x="0" y="0"/>
+          <a:ext cx="0" cy="0"/>
+          <a:chOff x="0" y="0"/>
+          <a:chExt cx="0" cy="0"/>
+        </a:xfrm>
+      </p:grpSpPr>
+      <p:sp>
+        <p:nvSpPr>
+          <p:cNvPr id="2" name="Title 1"/>
+          <p:cNvSpPr>
+            <a:spLocks noGrp="1"/>
+          </p:cNvSpPr>
+          <p:nvPr>
+            <p:ph type="title"/>
+          </p:nvPr>
+        </p:nvSpPr>
+        <p:spPr>
+          <a:xfrm>
+            <a:off x="677334" y="110837"/>
+            <a:ext cx="8596668" cy="626918"/>
+          </a:xfrm>
+        </p:spPr>
+        <p:txBody>
+          <a:bodyPr>
+            <a:normAutofit fontScale="90000"/>
+          </a:bodyPr>
+          <a:lstStyle/>
+          <a:p>
+            <a:r>
+              <a:rPr lang="en-IN" dirty="0"/>
+              <a:t>Working with the "fixed" Value</a:t>
+            </a:r>
+            <a:endParaRPr lang="en-GB" dirty="0"/>
+          </a:p>
+        </p:txBody>
+      </p:sp>
+      <p:sp>
+        <p:nvSpPr>
+          <p:cNvPr id="3" name="Content Placeholder 2"/>
+          <p:cNvSpPr>
+            <a:spLocks noGrp="1"/>
+          </p:cNvSpPr>
+          <p:nvPr>
+            <p:ph idx="1"/>
+          </p:nvPr>
+        </p:nvSpPr>
+        <p:spPr>
+          <a:xfrm>
+            <a:off x="677334" y="904009"/>
+            <a:ext cx="11209866" cy="5704609"/>
+          </a:xfrm>
+        </p:spPr>
+        <p:txBody>
+          <a:bodyPr>
+            <a:normAutofit lnSpcReduction="10000"/>
+          </a:bodyPr>
+          <a:lstStyle/>
+          <a:p>
+            <a:r>
+              <a:rPr lang="en-GB" dirty="0" smtClean="0"/>
+              <a:t>For this demo I have temporarily changed the code for our index.html and main.css file.</a:t>
+            </a:r>
+          </a:p>
+          <a:p>
+            <a:r>
+              <a:rPr lang="en-GB" dirty="0" smtClean="0"/>
+              <a:t>The index.html contains 3&lt;div&gt; tags representing a navigation </a:t>
+            </a:r>
+            <a:r>
+              <a:rPr lang="en-GB" dirty="0" err="1" smtClean="0"/>
+              <a:t>bar,background</a:t>
+            </a:r>
+            <a:r>
+              <a:rPr lang="en-GB" dirty="0" smtClean="0"/>
+              <a:t> image and Features inside a parent &lt;div&gt;</a:t>
+            </a:r>
+          </a:p>
+          <a:p>
+            <a:r>
+              <a:rPr lang="en-GB" dirty="0" smtClean="0"/>
+              <a:t>In our </a:t>
+            </a:r>
+            <a:r>
+              <a:rPr lang="en-GB" dirty="0" err="1" smtClean="0"/>
+              <a:t>css</a:t>
+            </a:r>
+            <a:r>
+              <a:rPr lang="en-GB" dirty="0" smtClean="0"/>
+              <a:t> I have just </a:t>
+            </a:r>
+            <a:r>
+              <a:rPr lang="en-IN" dirty="0" smtClean="0"/>
+              <a:t>added a few basic styles like margin ,</a:t>
+            </a:r>
+            <a:r>
+              <a:rPr lang="en-IN" dirty="0" err="1" smtClean="0"/>
+              <a:t>padding,border</a:t>
+            </a:r>
+            <a:r>
+              <a:rPr lang="en-IN" dirty="0" smtClean="0"/>
+              <a:t> background , </a:t>
+            </a:r>
+            <a:r>
+              <a:rPr lang="en-IN" dirty="0" err="1" smtClean="0"/>
+              <a:t>color</a:t>
+            </a:r>
+            <a:r>
+              <a:rPr lang="en-IN" dirty="0" smtClean="0"/>
+              <a:t> </a:t>
+            </a:r>
+            <a:r>
+              <a:rPr lang="en-IN" dirty="0" err="1" smtClean="0"/>
+              <a:t>etc</a:t>
+            </a:r>
+            <a:r>
+              <a:rPr lang="en-IN" dirty="0" smtClean="0"/>
+              <a:t> to all the </a:t>
+            </a:r>
+            <a:r>
+              <a:rPr lang="en-IN" dirty="0" err="1" smtClean="0"/>
+              <a:t>elements.You</a:t>
+            </a:r>
+            <a:r>
+              <a:rPr lang="en-IN" dirty="0" smtClean="0"/>
+              <a:t> will notice that I have a  height also for the html element  that is only to get a scroll bar on the page .Also notice I also have a margin around my html element too</a:t>
+            </a:r>
+          </a:p>
+          <a:p>
+            <a:r>
+              <a:rPr lang="en-IN" dirty="0" smtClean="0"/>
+              <a:t>Nothing in the </a:t>
+            </a:r>
+            <a:r>
+              <a:rPr lang="en-IN" dirty="0" err="1" smtClean="0"/>
+              <a:t>css</a:t>
+            </a:r>
+            <a:r>
+              <a:rPr lang="en-IN" dirty="0" smtClean="0"/>
+              <a:t> right now has anything to do with the position property lets change that.</a:t>
+            </a:r>
+          </a:p>
+          <a:p>
+            <a:r>
+              <a:rPr lang="en-IN" dirty="0" smtClean="0"/>
+              <a:t>We will focus on the three child &lt;div&gt; tags .Keep in mind right now we have the default position </a:t>
+            </a:r>
+            <a:r>
+              <a:rPr lang="en-IN" dirty="0" err="1" smtClean="0"/>
+              <a:t>i.e</a:t>
+            </a:r>
+            <a:r>
+              <a:rPr lang="en-IN" dirty="0" smtClean="0"/>
+              <a:t> static.</a:t>
+            </a:r>
+          </a:p>
+          <a:p>
+            <a:r>
+              <a:rPr lang="en-IN" dirty="0" smtClean="0"/>
+              <a:t>Before focussing on position lets just add a new selector to select the first child &lt;div&gt; using a </a:t>
+            </a:r>
+            <a:r>
+              <a:rPr lang="en-IN" dirty="0" err="1" smtClean="0"/>
+              <a:t>combinator</a:t>
+            </a:r>
+            <a:r>
+              <a:rPr lang="en-IN" dirty="0" smtClean="0"/>
+              <a:t> .parent .child-1{ } lets add top:100px; to </a:t>
+            </a:r>
+            <a:r>
+              <a:rPr lang="en-IN" dirty="0" err="1" smtClean="0"/>
+              <a:t>it.We</a:t>
+            </a:r>
+            <a:r>
+              <a:rPr lang="en-IN" dirty="0" smtClean="0"/>
+              <a:t> will see there is no change as we know all this works if position is not static</a:t>
+            </a:r>
+          </a:p>
+          <a:p>
+            <a:r>
+              <a:rPr lang="en-IN" dirty="0" smtClean="0"/>
+              <a:t>Lets remove top and add </a:t>
+            </a:r>
+            <a:r>
+              <a:rPr lang="en-IN" dirty="0" err="1" smtClean="0"/>
+              <a:t>position:fixed</a:t>
+            </a:r>
+            <a:r>
+              <a:rPr lang="en-IN" dirty="0" smtClean="0"/>
+              <a:t>; We will notice that firstly the width of the element decreased </a:t>
+            </a:r>
+            <a:r>
+              <a:rPr lang="en-IN" dirty="0" err="1" smtClean="0"/>
+              <a:t>significantlt</a:t>
+            </a:r>
+            <a:r>
+              <a:rPr lang="en-IN" dirty="0" smtClean="0"/>
+              <a:t> it almost looks like an inline element </a:t>
+            </a:r>
+            <a:r>
+              <a:rPr lang="en-IN" dirty="0" err="1" smtClean="0"/>
+              <a:t>now.Secondly</a:t>
+            </a:r>
+            <a:r>
+              <a:rPr lang="en-IN" dirty="0" smtClean="0"/>
+              <a:t> the second div took its place and it is kind of overlapping as we already studied changing value of position removes it from the document flow this simply means that for all the other elements </a:t>
+            </a:r>
+            <a:r>
+              <a:rPr lang="en-IN" dirty="0" smtClean="0"/>
+              <a:t>the navigation bar div doesn’t exist.</a:t>
+            </a:r>
+          </a:p>
+          <a:p>
+            <a:r>
+              <a:rPr lang="en-IN" dirty="0" smtClean="0"/>
+              <a:t>Now what about the width that decreased did we create an inline element </a:t>
+            </a:r>
+            <a:r>
+              <a:rPr lang="en-IN" dirty="0" err="1" smtClean="0"/>
+              <a:t>here?.We</a:t>
+            </a:r>
+            <a:r>
+              <a:rPr lang="en-IN" dirty="0" smtClean="0"/>
+              <a:t> learned earlier that for inline elements changing the width doesn’t have an effect but if we add width:400px; to the selector created above we will notice it increases in width</a:t>
+            </a:r>
+            <a:endParaRPr lang="en-GB" dirty="0"/>
+          </a:p>
+        </p:txBody>
+      </p:sp>
+    </p:spTree>
+    <p:extLst>
+      <p:ext uri="{BB962C8B-B14F-4D97-AF65-F5344CB8AC3E}">
+        <p14:creationId xmlns:p14="http://schemas.microsoft.com/office/powerpoint/2010/main" val="3712996807"/>
+      </p:ext>
+    </p:extLst>
+  </p:cSld>
+  <p:clrMapOvr>
+    <a:masterClrMapping/>
+  </p:clrMapOvr>
+</p:sld>
+</file>
+
+<file path=ppt/slides/slide97.xml><?xml version="1.0" encoding="utf-8"?>
+<p:sld xmlns:a="http://schemas.openxmlformats.org/drawingml/2006/main" xmlns:r="http://schemas.openxmlformats.org/officeDocument/2006/relationships" xmlns:p="http://schemas.openxmlformats.org/presentationml/2006/main">
+  <p:cSld>
+    <p:spTree>
+      <p:nvGrpSpPr>
+        <p:cNvPr id="1" name=""/>
+        <p:cNvGrpSpPr/>
+        <p:nvPr/>
+      </p:nvGrpSpPr>
+      <p:grpSpPr>
+        <a:xfrm>
+          <a:off x="0" y="0"/>
+          <a:ext cx="0" cy="0"/>
+          <a:chOff x="0" y="0"/>
+          <a:chExt cx="0" cy="0"/>
+        </a:xfrm>
+      </p:grpSpPr>
+      <p:sp>
+        <p:nvSpPr>
+          <p:cNvPr id="2" name="Title 1"/>
+          <p:cNvSpPr>
+            <a:spLocks noGrp="1"/>
+          </p:cNvSpPr>
+          <p:nvPr>
+            <p:ph type="title"/>
+          </p:nvPr>
+        </p:nvSpPr>
+        <p:spPr>
+          <a:xfrm>
+            <a:off x="677334" y="110837"/>
+            <a:ext cx="8596668" cy="626918"/>
+          </a:xfrm>
+        </p:spPr>
+        <p:txBody>
+          <a:bodyPr>
+            <a:normAutofit fontScale="90000"/>
+          </a:bodyPr>
+          <a:lstStyle/>
+          <a:p>
+            <a:r>
+              <a:rPr lang="en-IN" dirty="0"/>
+              <a:t>Working with the "fixed" Value</a:t>
+            </a:r>
+            <a:endParaRPr lang="en-GB" dirty="0"/>
+          </a:p>
+        </p:txBody>
+      </p:sp>
+      <p:sp>
+        <p:nvSpPr>
+          <p:cNvPr id="3" name="Content Placeholder 2"/>
+          <p:cNvSpPr>
+            <a:spLocks noGrp="1"/>
+          </p:cNvSpPr>
+          <p:nvPr>
+            <p:ph idx="1"/>
+          </p:nvPr>
+        </p:nvSpPr>
+        <p:spPr>
+          <a:xfrm>
+            <a:off x="677334" y="904009"/>
+            <a:ext cx="11209866" cy="5704609"/>
+          </a:xfrm>
+        </p:spPr>
+        <p:txBody>
+          <a:bodyPr>
+            <a:normAutofit lnSpcReduction="10000"/>
+          </a:bodyPr>
+          <a:lstStyle/>
+          <a:p>
+            <a:r>
+              <a:rPr lang="en-IN" dirty="0" smtClean="0"/>
+              <a:t>So we actually didn’t create an inline element we basically have an </a:t>
+            </a:r>
+            <a:r>
+              <a:rPr lang="en-IN" dirty="0" err="1" smtClean="0"/>
+              <a:t>elemnt</a:t>
+            </a:r>
+            <a:r>
+              <a:rPr lang="en-IN" dirty="0" smtClean="0"/>
+              <a:t> that behaves like an inline block element.</a:t>
+            </a:r>
+          </a:p>
+          <a:p>
+            <a:r>
+              <a:rPr lang="en-IN" dirty="0" smtClean="0"/>
+              <a:t>Ok now lets get back to the fact that this div actually represents a navigation bar so how can we create a navigation bar with </a:t>
+            </a:r>
+            <a:r>
+              <a:rPr lang="en-IN" dirty="0" err="1" smtClean="0"/>
+              <a:t>position:fixed</a:t>
+            </a:r>
+            <a:r>
+              <a:rPr lang="en-IN" dirty="0" smtClean="0"/>
+              <a:t>;</a:t>
+            </a:r>
+          </a:p>
+          <a:p>
+            <a:r>
+              <a:rPr lang="en-IN" dirty="0" smtClean="0"/>
+              <a:t>Lets add top:100px; we will notice the element moves a bit down but sill it is not clear as to what it refers to in the positioning context </a:t>
+            </a:r>
+            <a:r>
+              <a:rPr lang="en-IN" dirty="0" err="1" smtClean="0"/>
+              <a:t>ie</a:t>
+            </a:r>
+            <a:r>
+              <a:rPr lang="en-IN" dirty="0" smtClean="0"/>
+              <a:t> 100px from top from what element.</a:t>
+            </a:r>
+          </a:p>
+          <a:p>
+            <a:r>
+              <a:rPr lang="en-IN" dirty="0" smtClean="0"/>
+              <a:t>Lets change to top:0; we will see the element is now stuck to kind of the border of html element but it doesn’t exactly fit now lets remove the margin from our element using marin:0; we will notice now it sticks to the top of the page even if we scroll down it is stuck to the top of viewport </a:t>
+            </a:r>
+            <a:r>
+              <a:rPr lang="en-IN" dirty="0" err="1" smtClean="0"/>
+              <a:t>i.e</a:t>
+            </a:r>
+            <a:r>
+              <a:rPr lang="en-IN" dirty="0" smtClean="0"/>
+              <a:t> 0px from the top of viewport.</a:t>
+            </a:r>
+          </a:p>
+          <a:p>
+            <a:r>
+              <a:rPr lang="en-IN" dirty="0" smtClean="0"/>
+              <a:t>If we change top to bottom or left or right it will stick to that part of the viewport</a:t>
+            </a:r>
+          </a:p>
+          <a:p>
+            <a:r>
+              <a:rPr lang="en-IN" dirty="0" smtClean="0"/>
+              <a:t>If we use this   knowledge now and add left0; and top 0; both the navigation bar is now fixed at top left of the viewport.</a:t>
+            </a:r>
+          </a:p>
+          <a:p>
+            <a:r>
+              <a:rPr lang="en-IN" dirty="0" smtClean="0"/>
+              <a:t>If we now increase the width :100% as we would like </a:t>
+            </a:r>
+            <a:r>
+              <a:rPr lang="en-IN" dirty="0" err="1" smtClean="0"/>
+              <a:t>the.span</a:t>
+            </a:r>
+            <a:r>
+              <a:rPr lang="en-IN" dirty="0" smtClean="0"/>
+              <a:t> to the whole width we will see a nice fixed navigation </a:t>
+            </a:r>
+            <a:r>
+              <a:rPr lang="en-IN" dirty="0" err="1" smtClean="0"/>
+              <a:t>bar.Although</a:t>
+            </a:r>
+            <a:r>
+              <a:rPr lang="en-IN" dirty="0" smtClean="0"/>
+              <a:t> we will notice that the right border is located out of our viewport we already know this can be solved by </a:t>
+            </a:r>
+            <a:r>
+              <a:rPr lang="en-IN" dirty="0" err="1" smtClean="0"/>
+              <a:t>box-sizing:border-box</a:t>
+            </a:r>
+            <a:r>
+              <a:rPr lang="en-IN" dirty="0" smtClean="0"/>
+              <a:t>;</a:t>
+            </a:r>
+          </a:p>
+          <a:p>
+            <a:r>
+              <a:rPr lang="en-IN" dirty="0" smtClean="0"/>
+              <a:t>We will also notice that even if we change the div(block level element) to a span(inline element) it still retains its position so positioning can be applied on all kind of elements.</a:t>
+            </a:r>
+            <a:endParaRPr lang="en-GB" dirty="0"/>
+          </a:p>
+        </p:txBody>
+      </p:sp>
+    </p:spTree>
+    <p:extLst>
+      <p:ext uri="{BB962C8B-B14F-4D97-AF65-F5344CB8AC3E}">
+        <p14:creationId xmlns:p14="http://schemas.microsoft.com/office/powerpoint/2010/main" val="3311448728"/>
+      </p:ext>
+    </p:extLst>
+  </p:cSld>
+  <p:clrMapOvr>
+    <a:masterClrMapping/>
+  </p:clrMapOvr>
+</p:sld>
+</file>
+
+<file path=ppt/slides/slide98.xml><?xml version="1.0" encoding="utf-8"?>
 <p:sld xmlns:a="http://schemas.openxmlformats.org/drawingml/2006/main" xmlns:r="http://schemas.openxmlformats.org/officeDocument/2006/relationships" xmlns:p="http://schemas.openxmlformats.org/presentationml/2006/main" showMasterSp="0">
   <p:cSld>
     <p:spTree>

--- a/PPT/Css-v6.pptx
+++ b/PPT/Css-v6.pptx
@@ -5,7 +5,7 @@
     <p:sldMasterId id="2147483660" r:id="rId1"/>
   </p:sldMasterIdLst>
   <p:notesMasterIdLst>
-    <p:notesMasterId r:id="rId100"/>
+    <p:notesMasterId r:id="rId101"/>
   </p:notesMasterIdLst>
   <p:sldIdLst>
     <p:sldId id="256" r:id="rId2"/>
@@ -105,7 +105,8 @@
     <p:sldId id="458" r:id="rId96"/>
     <p:sldId id="459" r:id="rId97"/>
     <p:sldId id="460" r:id="rId98"/>
-    <p:sldId id="268" r:id="rId99"/>
+    <p:sldId id="461" r:id="rId99"/>
+    <p:sldId id="268" r:id="rId100"/>
   </p:sldIdLst>
   <p:sldSz cx="12192000" cy="6858000"/>
   <p:notesSz cx="6858000" cy="9144000"/>
@@ -6309,6 +6310,119 @@
     <p:extLst>
       <p:ext uri="{BB962C8B-B14F-4D97-AF65-F5344CB8AC3E}">
         <p14:creationId xmlns:p14="http://schemas.microsoft.com/office/powerpoint/2010/main" val="1162512420"/>
+      </p:ext>
+    </p:extLst>
+  </p:cSld>
+  <p:clrMapOvr>
+    <a:masterClrMapping/>
+  </p:clrMapOvr>
+</p:notes>
+</file>
+
+<file path=ppt/notesSlides/notesSlide52.xml><?xml version="1.0" encoding="utf-8"?>
+<p:notes xmlns:a="http://schemas.openxmlformats.org/drawingml/2006/main" xmlns:r="http://schemas.openxmlformats.org/officeDocument/2006/relationships" xmlns:p="http://schemas.openxmlformats.org/presentationml/2006/main">
+  <p:cSld>
+    <p:spTree>
+      <p:nvGrpSpPr>
+        <p:cNvPr id="1" name=""/>
+        <p:cNvGrpSpPr/>
+        <p:nvPr/>
+      </p:nvGrpSpPr>
+      <p:grpSpPr>
+        <a:xfrm>
+          <a:off x="0" y="0"/>
+          <a:ext cx="0" cy="0"/>
+          <a:chOff x="0" y="0"/>
+          <a:chExt cx="0" cy="0"/>
+        </a:xfrm>
+      </p:grpSpPr>
+      <p:sp>
+        <p:nvSpPr>
+          <p:cNvPr id="2" name="Slide Image Placeholder 1"/>
+          <p:cNvSpPr>
+            <a:spLocks noGrp="1" noRot="1" noChangeAspect="1"/>
+          </p:cNvSpPr>
+          <p:nvPr>
+            <p:ph type="sldImg"/>
+          </p:nvPr>
+        </p:nvSpPr>
+        <p:spPr/>
+      </p:sp>
+      <p:sp>
+        <p:nvSpPr>
+          <p:cNvPr id="3" name="Notes Placeholder 2"/>
+          <p:cNvSpPr>
+            <a:spLocks noGrp="1"/>
+          </p:cNvSpPr>
+          <p:nvPr>
+            <p:ph type="body" idx="1"/>
+          </p:nvPr>
+        </p:nvSpPr>
+        <p:spPr/>
+        <p:txBody>
+          <a:bodyPr/>
+          <a:lstStyle/>
+          <a:p>
+            <a:r>
+              <a:rPr lang="en-IN" dirty="0" smtClean="0"/>
+              <a:t>Branch :</a:t>
+            </a:r>
+            <a:r>
+              <a:rPr lang="en-IN" sz="1200" kern="1200" dirty="0" smtClean="0">
+                <a:solidFill>
+                  <a:schemeClr val="tx1"/>
+                </a:solidFill>
+                <a:latin typeface="+mn-lt"/>
+                <a:ea typeface="+mn-ea"/>
+                <a:cs typeface="+mn-cs"/>
+              </a:rPr>
+              <a:t>Positioning</a:t>
+            </a:r>
+            <a:endParaRPr lang="en-IN" dirty="0" smtClean="0"/>
+          </a:p>
+          <a:p>
+            <a:r>
+              <a:rPr lang="en-IN" dirty="0" smtClean="0"/>
+              <a:t>Commit : </a:t>
+            </a:r>
+            <a:r>
+              <a:rPr lang="en-IN" smtClean="0"/>
+              <a:t>FixedNavBar</a:t>
+            </a:r>
+            <a:endParaRPr lang="en-IN" dirty="0" smtClean="0"/>
+          </a:p>
+          <a:p>
+            <a:endParaRPr lang="en-GB" dirty="0"/>
+          </a:p>
+        </p:txBody>
+      </p:sp>
+      <p:sp>
+        <p:nvSpPr>
+          <p:cNvPr id="4" name="Slide Number Placeholder 3"/>
+          <p:cNvSpPr>
+            <a:spLocks noGrp="1"/>
+          </p:cNvSpPr>
+          <p:nvPr>
+            <p:ph type="sldNum" sz="quarter" idx="10"/>
+          </p:nvPr>
+        </p:nvSpPr>
+        <p:spPr/>
+        <p:txBody>
+          <a:bodyPr/>
+          <a:lstStyle/>
+          <a:p>
+            <a:fld id="{D3B79ED6-4970-4D84-B25C-F520A9D9210C}" type="slidenum">
+              <a:rPr lang="en-GB" smtClean="0"/>
+              <a:t>98</a:t>
+            </a:fld>
+            <a:endParaRPr lang="en-GB"/>
+          </a:p>
+        </p:txBody>
+      </p:sp>
+    </p:spTree>
+    <p:extLst>
+      <p:ext uri="{BB962C8B-B14F-4D97-AF65-F5344CB8AC3E}">
+        <p14:creationId xmlns:p14="http://schemas.microsoft.com/office/powerpoint/2010/main" val="3954688051"/>
       </p:ext>
     </p:extLst>
   </p:cSld>
@@ -46084,11 +46198,7 @@
             </a:r>
             <a:r>
               <a:rPr lang="en-IN" dirty="0" smtClean="0"/>
-              <a:t> the second div took its place and it is kind of overlapping as we already studied changing value of position removes it from the document flow this simply means that for all the other elements </a:t>
-            </a:r>
-            <a:r>
-              <a:rPr lang="en-IN" dirty="0" smtClean="0"/>
-              <a:t>the navigation bar div doesn’t exist.</a:t>
+              <a:t> the second div took its place and it is kind of overlapping as we already studied changing value of position removes it from the document flow this simply means that for all the other elements the navigation bar div doesn’t exist.</a:t>
             </a:r>
           </a:p>
           <a:p>
@@ -46310,6 +46420,184 @@
 </file>
 
 <file path=ppt/slides/slide98.xml><?xml version="1.0" encoding="utf-8"?>
+<p:sld xmlns:a="http://schemas.openxmlformats.org/drawingml/2006/main" xmlns:r="http://schemas.openxmlformats.org/officeDocument/2006/relationships" xmlns:p="http://schemas.openxmlformats.org/presentationml/2006/main">
+  <p:cSld>
+    <p:spTree>
+      <p:nvGrpSpPr>
+        <p:cNvPr id="1" name=""/>
+        <p:cNvGrpSpPr/>
+        <p:nvPr/>
+      </p:nvGrpSpPr>
+      <p:grpSpPr>
+        <a:xfrm>
+          <a:off x="0" y="0"/>
+          <a:ext cx="0" cy="0"/>
+          <a:chOff x="0" y="0"/>
+          <a:chExt cx="0" cy="0"/>
+        </a:xfrm>
+      </p:grpSpPr>
+      <p:sp>
+        <p:nvSpPr>
+          <p:cNvPr id="2" name="Title 1"/>
+          <p:cNvSpPr>
+            <a:spLocks noGrp="1"/>
+          </p:cNvSpPr>
+          <p:nvPr>
+            <p:ph type="title"/>
+          </p:nvPr>
+        </p:nvSpPr>
+        <p:spPr>
+          <a:xfrm>
+            <a:off x="594207" y="90054"/>
+            <a:ext cx="8596668" cy="616527"/>
+          </a:xfrm>
+        </p:spPr>
+        <p:txBody>
+          <a:bodyPr>
+            <a:normAutofit fontScale="90000"/>
+          </a:bodyPr>
+          <a:lstStyle/>
+          <a:p>
+            <a:r>
+              <a:rPr lang="en-IN" dirty="0"/>
+              <a:t>Creating a Fixed Navigation Bar</a:t>
+            </a:r>
+            <a:endParaRPr lang="en-GB" dirty="0"/>
+          </a:p>
+        </p:txBody>
+      </p:sp>
+      <p:sp>
+        <p:nvSpPr>
+          <p:cNvPr id="3" name="Content Placeholder 2"/>
+          <p:cNvSpPr>
+            <a:spLocks noGrp="1"/>
+          </p:cNvSpPr>
+          <p:nvPr>
+            <p:ph idx="1"/>
+          </p:nvPr>
+        </p:nvSpPr>
+        <p:spPr>
+          <a:xfrm>
+            <a:off x="384463" y="914400"/>
+            <a:ext cx="11533909" cy="5756563"/>
+          </a:xfrm>
+        </p:spPr>
+        <p:txBody>
+          <a:bodyPr/>
+          <a:lstStyle/>
+          <a:p>
+            <a:r>
+              <a:rPr lang="en-GB" dirty="0" smtClean="0"/>
+              <a:t>Lets now move back to our </a:t>
+            </a:r>
+            <a:r>
+              <a:rPr lang="en-GB" dirty="0" err="1" smtClean="0"/>
+              <a:t>uhost</a:t>
+            </a:r>
+            <a:r>
+              <a:rPr lang="en-GB" dirty="0" smtClean="0"/>
+              <a:t> website and create a fixed navigation bar for it.</a:t>
+            </a:r>
+          </a:p>
+          <a:p>
+            <a:r>
+              <a:rPr lang="en-GB" dirty="0" smtClean="0"/>
+              <a:t>The </a:t>
+            </a:r>
+            <a:r>
+              <a:rPr lang="en-GB" dirty="0" err="1" smtClean="0"/>
+              <a:t>nav</a:t>
+            </a:r>
+            <a:r>
+              <a:rPr lang="en-GB" dirty="0" smtClean="0"/>
+              <a:t> bar is in a &lt;header&gt; tag that has a class main-</a:t>
+            </a:r>
+            <a:r>
+              <a:rPr lang="en-GB" dirty="0" err="1" smtClean="0"/>
+              <a:t>header.we</a:t>
+            </a:r>
+            <a:r>
+              <a:rPr lang="en-GB" dirty="0" smtClean="0"/>
+              <a:t> already have a selector for this in our shared.css</a:t>
+            </a:r>
+          </a:p>
+          <a:p>
+            <a:r>
+              <a:rPr lang="en-GB" dirty="0" smtClean="0"/>
+              <a:t>Open shared.css and add </a:t>
+            </a:r>
+            <a:r>
+              <a:rPr lang="en-GB" dirty="0" err="1" smtClean="0"/>
+              <a:t>position:fixed</a:t>
+            </a:r>
+            <a:r>
+              <a:rPr lang="en-GB" dirty="0" smtClean="0"/>
+              <a:t>; to it .</a:t>
+            </a:r>
+          </a:p>
+          <a:p>
+            <a:r>
+              <a:rPr lang="en-GB" dirty="0" smtClean="0"/>
+              <a:t>We will notice that with just this we have a working fixed navigation </a:t>
+            </a:r>
+            <a:r>
+              <a:rPr lang="en-GB" dirty="0" err="1" smtClean="0"/>
+              <a:t>bar.We</a:t>
+            </a:r>
+            <a:r>
+              <a:rPr lang="en-GB" dirty="0" smtClean="0"/>
+              <a:t> did not have to set top:0,left:0; because here we don’t have any margin on any of the parent of our header so it is already on top left.</a:t>
+            </a:r>
+          </a:p>
+          <a:p>
+            <a:r>
+              <a:rPr lang="en-GB" dirty="0" smtClean="0"/>
+              <a:t>We will although notice that the </a:t>
+            </a:r>
+            <a:r>
+              <a:rPr lang="en-GB" dirty="0" err="1" smtClean="0"/>
+              <a:t>nav</a:t>
+            </a:r>
+            <a:r>
+              <a:rPr lang="en-GB" dirty="0" smtClean="0"/>
+              <a:t> bar now hides some portion of our background image as now the </a:t>
+            </a:r>
+            <a:r>
+              <a:rPr lang="en-GB" dirty="0" err="1" smtClean="0"/>
+              <a:t>nav</a:t>
+            </a:r>
+            <a:r>
+              <a:rPr lang="en-GB" dirty="0" smtClean="0"/>
+              <a:t> bar is removed from the document flow and </a:t>
+            </a:r>
+            <a:r>
+              <a:rPr lang="en-GB" dirty="0"/>
+              <a:t> </a:t>
+            </a:r>
+            <a:r>
+              <a:rPr lang="en-GB" dirty="0" smtClean="0"/>
+              <a:t>our background image moves up to take its place we will deal with this later</a:t>
+            </a:r>
+          </a:p>
+          <a:p>
+            <a:endParaRPr lang="en-GB" dirty="0"/>
+          </a:p>
+        </p:txBody>
+      </p:sp>
+    </p:spTree>
+    <p:extLst>
+      <p:ext uri="{BB962C8B-B14F-4D97-AF65-F5344CB8AC3E}">
+        <p14:creationId xmlns:p14="http://schemas.microsoft.com/office/powerpoint/2010/main" val="2659313489"/>
+      </p:ext>
+    </p:extLst>
+  </p:cSld>
+  <p:clrMapOvr>
+    <a:masterClrMapping/>
+  </p:clrMapOvr>
+</p:sld>
+</file>
+
+<file path=ppt/slides/slide99.xml><?xml version="1.0" encoding="utf-8"?>
 <p:sld xmlns:a="http://schemas.openxmlformats.org/drawingml/2006/main" xmlns:r="http://schemas.openxmlformats.org/officeDocument/2006/relationships" xmlns:p="http://schemas.openxmlformats.org/presentationml/2006/main" showMasterSp="0">
   <p:cSld>
     <p:spTree>

--- a/PPT/Css-v6.pptx
+++ b/PPT/Css-v6.pptx
@@ -5,7 +5,7 @@
     <p:sldMasterId id="2147483660" r:id="rId1"/>
   </p:sldMasterIdLst>
   <p:notesMasterIdLst>
-    <p:notesMasterId r:id="rId101"/>
+    <p:notesMasterId r:id="rId102"/>
   </p:notesMasterIdLst>
   <p:sldIdLst>
     <p:sldId id="256" r:id="rId2"/>
@@ -106,7 +106,8 @@
     <p:sldId id="459" r:id="rId97"/>
     <p:sldId id="460" r:id="rId98"/>
     <p:sldId id="461" r:id="rId99"/>
-    <p:sldId id="268" r:id="rId100"/>
+    <p:sldId id="462" r:id="rId100"/>
+    <p:sldId id="268" r:id="rId101"/>
   </p:sldIdLst>
   <p:sldSz cx="12192000" cy="6858000"/>
   <p:notesSz cx="6858000" cy="9144000"/>
@@ -295,7 +296,7 @@
           <a:p>
             <a:fld id="{39CD3BCA-8732-46CA-ADDD-C24F968DBEAF}" type="datetimeFigureOut">
               <a:rPr lang="en-GB" smtClean="0"/>
-              <a:t>10/12/2020</a:t>
+              <a:t>11/12/2020</a:t>
             </a:fld>
             <a:endParaRPr lang="en-GB"/>
           </a:p>
@@ -6386,7 +6387,7 @@
               <a:t>Commit : </a:t>
             </a:r>
             <a:r>
-              <a:rPr lang="en-IN" smtClean="0"/>
+              <a:rPr lang="en-IN" dirty="0" err="1" smtClean="0"/>
               <a:t>FixedNavBar</a:t>
             </a:r>
             <a:endParaRPr lang="en-IN" dirty="0" smtClean="0"/>
@@ -6423,6 +6424,119 @@
     <p:extLst>
       <p:ext uri="{BB962C8B-B14F-4D97-AF65-F5344CB8AC3E}">
         <p14:creationId xmlns:p14="http://schemas.microsoft.com/office/powerpoint/2010/main" val="3954688051"/>
+      </p:ext>
+    </p:extLst>
+  </p:cSld>
+  <p:clrMapOvr>
+    <a:masterClrMapping/>
+  </p:clrMapOvr>
+</p:notes>
+</file>
+
+<file path=ppt/notesSlides/notesSlide53.xml><?xml version="1.0" encoding="utf-8"?>
+<p:notes xmlns:a="http://schemas.openxmlformats.org/drawingml/2006/main" xmlns:r="http://schemas.openxmlformats.org/officeDocument/2006/relationships" xmlns:p="http://schemas.openxmlformats.org/presentationml/2006/main">
+  <p:cSld>
+    <p:spTree>
+      <p:nvGrpSpPr>
+        <p:cNvPr id="1" name=""/>
+        <p:cNvGrpSpPr/>
+        <p:nvPr/>
+      </p:nvGrpSpPr>
+      <p:grpSpPr>
+        <a:xfrm>
+          <a:off x="0" y="0"/>
+          <a:ext cx="0" cy="0"/>
+          <a:chOff x="0" y="0"/>
+          <a:chExt cx="0" cy="0"/>
+        </a:xfrm>
+      </p:grpSpPr>
+      <p:sp>
+        <p:nvSpPr>
+          <p:cNvPr id="2" name="Slide Image Placeholder 1"/>
+          <p:cNvSpPr>
+            <a:spLocks noGrp="1" noRot="1" noChangeAspect="1"/>
+          </p:cNvSpPr>
+          <p:nvPr>
+            <p:ph type="sldImg"/>
+          </p:nvPr>
+        </p:nvSpPr>
+        <p:spPr/>
+      </p:sp>
+      <p:sp>
+        <p:nvSpPr>
+          <p:cNvPr id="3" name="Notes Placeholder 2"/>
+          <p:cNvSpPr>
+            <a:spLocks noGrp="1"/>
+          </p:cNvSpPr>
+          <p:nvPr>
+            <p:ph type="body" idx="1"/>
+          </p:nvPr>
+        </p:nvSpPr>
+        <p:spPr/>
+        <p:txBody>
+          <a:bodyPr/>
+          <a:lstStyle/>
+          <a:p>
+            <a:r>
+              <a:rPr lang="en-IN" dirty="0" smtClean="0"/>
+              <a:t>Branch :</a:t>
+            </a:r>
+            <a:r>
+              <a:rPr lang="en-IN" sz="1200" kern="1200" dirty="0" smtClean="0">
+                <a:solidFill>
+                  <a:schemeClr val="tx1"/>
+                </a:solidFill>
+                <a:latin typeface="+mn-lt"/>
+                <a:ea typeface="+mn-ea"/>
+                <a:cs typeface="+mn-cs"/>
+              </a:rPr>
+              <a:t>Positioning</a:t>
+            </a:r>
+            <a:endParaRPr lang="en-IN" dirty="0" smtClean="0"/>
+          </a:p>
+          <a:p>
+            <a:r>
+              <a:rPr lang="en-IN" dirty="0" smtClean="0"/>
+              <a:t>Commit : </a:t>
+            </a:r>
+            <a:r>
+              <a:rPr lang="en-IN" dirty="0" err="1" smtClean="0"/>
+              <a:t>AddBackgroundImage</a:t>
+            </a:r>
+            <a:endParaRPr lang="en-IN" dirty="0" smtClean="0"/>
+          </a:p>
+          <a:p>
+            <a:endParaRPr lang="en-GB" dirty="0"/>
+          </a:p>
+        </p:txBody>
+      </p:sp>
+      <p:sp>
+        <p:nvSpPr>
+          <p:cNvPr id="4" name="Slide Number Placeholder 3"/>
+          <p:cNvSpPr>
+            <a:spLocks noGrp="1"/>
+          </p:cNvSpPr>
+          <p:nvPr>
+            <p:ph type="sldNum" sz="quarter" idx="10"/>
+          </p:nvPr>
+        </p:nvSpPr>
+        <p:spPr/>
+        <p:txBody>
+          <a:bodyPr/>
+          <a:lstStyle/>
+          <a:p>
+            <a:fld id="{D3B79ED6-4970-4D84-B25C-F520A9D9210C}" type="slidenum">
+              <a:rPr lang="en-GB" smtClean="0"/>
+              <a:t>99</a:t>
+            </a:fld>
+            <a:endParaRPr lang="en-GB"/>
+          </a:p>
+        </p:txBody>
+      </p:sp>
+    </p:spTree>
+    <p:extLst>
+      <p:ext uri="{BB962C8B-B14F-4D97-AF65-F5344CB8AC3E}">
+        <p14:creationId xmlns:p14="http://schemas.microsoft.com/office/powerpoint/2010/main" val="1505939153"/>
       </p:ext>
     </p:extLst>
   </p:cSld>
@@ -7785,7 +7899,7 @@
           <a:p>
             <a:fld id="{D4BA8270-C9CF-44CA-BE5A-02C2BDCCEDE4}" type="datetimeFigureOut">
               <a:rPr lang="en-GB" smtClean="0"/>
-              <a:t>10/12/2020</a:t>
+              <a:t>11/12/2020</a:t>
             </a:fld>
             <a:endParaRPr lang="en-GB"/>
           </a:p>
@@ -8036,7 +8150,7 @@
           <a:p>
             <a:fld id="{D4BA8270-C9CF-44CA-BE5A-02C2BDCCEDE4}" type="datetimeFigureOut">
               <a:rPr lang="en-GB" smtClean="0"/>
-              <a:t>10/12/2020</a:t>
+              <a:t>11/12/2020</a:t>
             </a:fld>
             <a:endParaRPr lang="en-GB"/>
           </a:p>
@@ -8350,7 +8464,7 @@
           <a:p>
             <a:fld id="{D4BA8270-C9CF-44CA-BE5A-02C2BDCCEDE4}" type="datetimeFigureOut">
               <a:rPr lang="en-GB" smtClean="0"/>
-              <a:t>10/12/2020</a:t>
+              <a:t>11/12/2020</a:t>
             </a:fld>
             <a:endParaRPr lang="en-GB"/>
           </a:p>
@@ -8691,7 +8805,7 @@
           <a:p>
             <a:fld id="{D4BA8270-C9CF-44CA-BE5A-02C2BDCCEDE4}" type="datetimeFigureOut">
               <a:rPr lang="en-GB" smtClean="0"/>
-              <a:t>10/12/2020</a:t>
+              <a:t>11/12/2020</a:t>
             </a:fld>
             <a:endParaRPr lang="en-GB"/>
           </a:p>
@@ -9005,7 +9119,7 @@
           <a:p>
             <a:fld id="{D4BA8270-C9CF-44CA-BE5A-02C2BDCCEDE4}" type="datetimeFigureOut">
               <a:rPr lang="en-GB" smtClean="0"/>
-              <a:t>10/12/2020</a:t>
+              <a:t>11/12/2020</a:t>
             </a:fld>
             <a:endParaRPr lang="en-GB"/>
           </a:p>
@@ -9398,7 +9512,7 @@
           <a:p>
             <a:fld id="{D4BA8270-C9CF-44CA-BE5A-02C2BDCCEDE4}" type="datetimeFigureOut">
               <a:rPr lang="en-GB" smtClean="0"/>
-              <a:t>10/12/2020</a:t>
+              <a:t>11/12/2020</a:t>
             </a:fld>
             <a:endParaRPr lang="en-GB"/>
           </a:p>
@@ -9568,7 +9682,7 @@
           <a:p>
             <a:fld id="{D4BA8270-C9CF-44CA-BE5A-02C2BDCCEDE4}" type="datetimeFigureOut">
               <a:rPr lang="en-GB" smtClean="0"/>
-              <a:t>10/12/2020</a:t>
+              <a:t>11/12/2020</a:t>
             </a:fld>
             <a:endParaRPr lang="en-GB"/>
           </a:p>
@@ -9748,7 +9862,7 @@
           <a:p>
             <a:fld id="{D4BA8270-C9CF-44CA-BE5A-02C2BDCCEDE4}" type="datetimeFigureOut">
               <a:rPr lang="en-GB" smtClean="0"/>
-              <a:t>10/12/2020</a:t>
+              <a:t>11/12/2020</a:t>
             </a:fld>
             <a:endParaRPr lang="en-GB"/>
           </a:p>
@@ -9924,7 +10038,7 @@
           <a:p>
             <a:fld id="{D4BA8270-C9CF-44CA-BE5A-02C2BDCCEDE4}" type="datetimeFigureOut">
               <a:rPr lang="en-GB" smtClean="0"/>
-              <a:t>10/12/2020</a:t>
+              <a:t>11/12/2020</a:t>
             </a:fld>
             <a:endParaRPr lang="en-GB"/>
           </a:p>
@@ -10171,7 +10285,7 @@
           <a:p>
             <a:fld id="{D4BA8270-C9CF-44CA-BE5A-02C2BDCCEDE4}" type="datetimeFigureOut">
               <a:rPr lang="en-GB" smtClean="0"/>
-              <a:t>10/12/2020</a:t>
+              <a:t>11/12/2020</a:t>
             </a:fld>
             <a:endParaRPr lang="en-GB"/>
           </a:p>
@@ -10403,7 +10517,7 @@
           <a:p>
             <a:fld id="{D4BA8270-C9CF-44CA-BE5A-02C2BDCCEDE4}" type="datetimeFigureOut">
               <a:rPr lang="en-GB" smtClean="0"/>
-              <a:t>10/12/2020</a:t>
+              <a:t>11/12/2020</a:t>
             </a:fld>
             <a:endParaRPr lang="en-GB"/>
           </a:p>
@@ -10777,7 +10891,7 @@
           <a:p>
             <a:fld id="{D4BA8270-C9CF-44CA-BE5A-02C2BDCCEDE4}" type="datetimeFigureOut">
               <a:rPr lang="en-GB" smtClean="0"/>
-              <a:t>10/12/2020</a:t>
+              <a:t>11/12/2020</a:t>
             </a:fld>
             <a:endParaRPr lang="en-GB"/>
           </a:p>
@@ -10900,7 +11014,7 @@
           <a:p>
             <a:fld id="{D4BA8270-C9CF-44CA-BE5A-02C2BDCCEDE4}" type="datetimeFigureOut">
               <a:rPr lang="en-GB" smtClean="0"/>
-              <a:t>10/12/2020</a:t>
+              <a:t>11/12/2020</a:t>
             </a:fld>
             <a:endParaRPr lang="en-GB"/>
           </a:p>
@@ -10995,7 +11109,7 @@
           <a:p>
             <a:fld id="{D4BA8270-C9CF-44CA-BE5A-02C2BDCCEDE4}" type="datetimeFigureOut">
               <a:rPr lang="en-GB" smtClean="0"/>
-              <a:t>10/12/2020</a:t>
+              <a:t>11/12/2020</a:t>
             </a:fld>
             <a:endParaRPr lang="en-GB"/>
           </a:p>
@@ -11250,7 +11364,7 @@
           <a:p>
             <a:fld id="{D4BA8270-C9CF-44CA-BE5A-02C2BDCCEDE4}" type="datetimeFigureOut">
               <a:rPr lang="en-GB" smtClean="0"/>
-              <a:t>10/12/2020</a:t>
+              <a:t>11/12/2020</a:t>
             </a:fld>
             <a:endParaRPr lang="en-GB"/>
           </a:p>
@@ -11513,7 +11627,7 @@
           <a:p>
             <a:fld id="{D4BA8270-C9CF-44CA-BE5A-02C2BDCCEDE4}" type="datetimeFigureOut">
               <a:rPr lang="en-GB" smtClean="0"/>
-              <a:t>10/12/2020</a:t>
+              <a:t>11/12/2020</a:t>
             </a:fld>
             <a:endParaRPr lang="en-GB"/>
           </a:p>
@@ -12256,7 +12370,7 @@
           <a:p>
             <a:fld id="{D4BA8270-C9CF-44CA-BE5A-02C2BDCCEDE4}" type="datetimeFigureOut">
               <a:rPr lang="en-GB" smtClean="0"/>
-              <a:t>10/12/2020</a:t>
+              <a:t>11/12/2020</a:t>
             </a:fld>
             <a:endParaRPr lang="en-GB"/>
           </a:p>
@@ -13010,6 +13124,76 @@
     <p:extLst>
       <p:ext uri="{BB962C8B-B14F-4D97-AF65-F5344CB8AC3E}">
         <p14:creationId xmlns:p14="http://schemas.microsoft.com/office/powerpoint/2010/main" val="4273824466"/>
+      </p:ext>
+    </p:extLst>
+  </p:cSld>
+  <p:clrMapOvr>
+    <a:masterClrMapping/>
+  </p:clrMapOvr>
+  <p:timing>
+    <p:tnLst>
+      <p:par>
+        <p:cTn id="1" dur="indefinite" restart="never" nodeType="tmRoot"/>
+      </p:par>
+    </p:tnLst>
+  </p:timing>
+</p:sld>
+</file>
+
+<file path=ppt/slides/slide100.xml><?xml version="1.0" encoding="utf-8"?>
+<p:sld xmlns:a="http://schemas.openxmlformats.org/drawingml/2006/main" xmlns:r="http://schemas.openxmlformats.org/officeDocument/2006/relationships" xmlns:p="http://schemas.openxmlformats.org/presentationml/2006/main" showMasterSp="0">
+  <p:cSld>
+    <p:spTree>
+      <p:nvGrpSpPr>
+        <p:cNvPr id="1" name=""/>
+        <p:cNvGrpSpPr/>
+        <p:nvPr/>
+      </p:nvGrpSpPr>
+      <p:grpSpPr>
+        <a:xfrm>
+          <a:off x="0" y="0"/>
+          <a:ext cx="0" cy="0"/>
+          <a:chOff x="0" y="0"/>
+          <a:chExt cx="0" cy="0"/>
+        </a:xfrm>
+      </p:grpSpPr>
+      <p:sp>
+        <p:nvSpPr>
+          <p:cNvPr id="3" name="Content Placeholder 2"/>
+          <p:cNvSpPr>
+            <a:spLocks noGrp="1"/>
+          </p:cNvSpPr>
+          <p:nvPr>
+            <p:ph idx="1"/>
+          </p:nvPr>
+        </p:nvSpPr>
+        <p:spPr>
+          <a:xfrm>
+            <a:off x="3163860" y="2754147"/>
+            <a:ext cx="8596668" cy="3880773"/>
+          </a:xfrm>
+        </p:spPr>
+        <p:txBody>
+          <a:bodyPr>
+            <a:normAutofit/>
+          </a:bodyPr>
+          <a:lstStyle/>
+          <a:p>
+            <a:pPr marL="0" indent="0">
+              <a:buNone/>
+            </a:pPr>
+            <a:r>
+              <a:rPr lang="en-IN" sz="5400" b="1" smtClean="0"/>
+              <a:t>Thanks!!!!!</a:t>
+            </a:r>
+            <a:endParaRPr lang="en-GB" sz="5400" b="1" dirty="0"/>
+          </a:p>
+        </p:txBody>
+      </p:sp>
+    </p:spTree>
+    <p:extLst>
+      <p:ext uri="{BB962C8B-B14F-4D97-AF65-F5344CB8AC3E}">
+        <p14:creationId xmlns:p14="http://schemas.microsoft.com/office/powerpoint/2010/main" val="3977684842"/>
       </p:ext>
     </p:extLst>
   </p:cSld>
@@ -46598,7 +46782,7 @@
 </file>
 
 <file path=ppt/slides/slide99.xml><?xml version="1.0" encoding="utf-8"?>
-<p:sld xmlns:a="http://schemas.openxmlformats.org/drawingml/2006/main" xmlns:r="http://schemas.openxmlformats.org/officeDocument/2006/relationships" xmlns:p="http://schemas.openxmlformats.org/presentationml/2006/main" showMasterSp="0">
+<p:sld xmlns:a="http://schemas.openxmlformats.org/drawingml/2006/main" xmlns:r="http://schemas.openxmlformats.org/officeDocument/2006/relationships" xmlns:p="http://schemas.openxmlformats.org/presentationml/2006/main">
   <p:cSld>
     <p:spTree>
       <p:nvGrpSpPr>
@@ -46616,6 +46800,36 @@
       </p:grpSpPr>
       <p:sp>
         <p:nvSpPr>
+          <p:cNvPr id="2" name="Title 1"/>
+          <p:cNvSpPr>
+            <a:spLocks noGrp="1"/>
+          </p:cNvSpPr>
+          <p:nvPr>
+            <p:ph type="title"/>
+          </p:nvPr>
+        </p:nvSpPr>
+        <p:spPr>
+          <a:xfrm>
+            <a:off x="490297" y="90054"/>
+            <a:ext cx="9162857" cy="543791"/>
+          </a:xfrm>
+        </p:spPr>
+        <p:txBody>
+          <a:bodyPr>
+            <a:normAutofit fontScale="90000"/>
+          </a:bodyPr>
+          <a:lstStyle/>
+          <a:p>
+            <a:r>
+              <a:rPr lang="en-IN" dirty="0"/>
+              <a:t>Using "position" to Add a Background Image</a:t>
+            </a:r>
+            <a:endParaRPr lang="en-GB" dirty="0"/>
+          </a:p>
+        </p:txBody>
+      </p:sp>
+      <p:sp>
+        <p:nvSpPr>
           <p:cNvPr id="3" name="Content Placeholder 2"/>
           <p:cNvSpPr>
             <a:spLocks noGrp="1"/>
@@ -46626,44 +46840,184 @@
         </p:nvSpPr>
         <p:spPr>
           <a:xfrm>
-            <a:off x="3163860" y="2754147"/>
-            <a:ext cx="8596668" cy="3880773"/>
+            <a:off x="259773" y="862445"/>
+            <a:ext cx="11752118" cy="5850082"/>
           </a:xfrm>
         </p:spPr>
         <p:txBody>
           <a:bodyPr>
-            <a:normAutofit/>
+            <a:normAutofit fontScale="92500" lnSpcReduction="10000"/>
           </a:bodyPr>
           <a:lstStyle/>
           <a:p>
-            <a:pPr marL="0" indent="0">
-              <a:buNone/>
-            </a:pPr>
-            <a:r>
-              <a:rPr lang="en-IN" sz="5400" b="1" smtClean="0"/>
-              <a:t>Thanks!!!!!</a:t>
-            </a:r>
-            <a:endParaRPr lang="en-GB" sz="5400" b="1" dirty="0"/>
+            <a:r>
+              <a:rPr lang="en-GB" dirty="0" smtClean="0"/>
+              <a:t>Now lets add a background image to our packages page.</a:t>
+            </a:r>
+          </a:p>
+          <a:p>
+            <a:r>
+              <a:rPr lang="en-GB" dirty="0" smtClean="0"/>
+              <a:t>Open the index.html file inside the packages </a:t>
+            </a:r>
+            <a:r>
+              <a:rPr lang="en-GB" dirty="0" err="1" smtClean="0"/>
+              <a:t>folder.To</a:t>
+            </a:r>
+            <a:r>
+              <a:rPr lang="en-GB" dirty="0" smtClean="0"/>
+              <a:t> add a background image we will first need an html tag that will hold the image.so just below the </a:t>
+            </a:r>
+            <a:r>
+              <a:rPr lang="en-GB" dirty="0" err="1" smtClean="0"/>
+              <a:t>hearder</a:t>
+            </a:r>
+            <a:r>
+              <a:rPr lang="en-GB" dirty="0" smtClean="0"/>
+              <a:t> just add a simple &lt;div&gt; with a class background.</a:t>
+            </a:r>
+          </a:p>
+          <a:p>
+            <a:r>
+              <a:rPr lang="en-GB" dirty="0" smtClean="0"/>
+              <a:t>Now add a folder images inside our </a:t>
+            </a:r>
+            <a:r>
+              <a:rPr lang="en-GB" dirty="0"/>
+              <a:t>Section6 folder and add the file </a:t>
+            </a:r>
+            <a:r>
+              <a:rPr lang="en-GB" dirty="0" smtClean="0"/>
+              <a:t>plans-background.jpg to this folder</a:t>
+            </a:r>
+          </a:p>
+          <a:p>
+            <a:r>
+              <a:rPr lang="en-GB" dirty="0" smtClean="0"/>
+              <a:t>Open packages.css file and add a selector for the .background{}</a:t>
+            </a:r>
+          </a:p>
+          <a:p>
+            <a:r>
+              <a:rPr lang="en-GB" dirty="0" smtClean="0"/>
+              <a:t>In this selector add a background property and the value would be </a:t>
+            </a:r>
+            <a:r>
+              <a:rPr lang="en-GB" dirty="0" err="1" smtClean="0"/>
+              <a:t>url</a:t>
+            </a:r>
+            <a:r>
+              <a:rPr lang="en-GB" dirty="0" smtClean="0"/>
+              <a:t>(</a:t>
+            </a:r>
+            <a:r>
+              <a:rPr lang="en-IN" dirty="0" smtClean="0"/>
+              <a:t>“../images/</a:t>
+            </a:r>
+            <a:r>
+              <a:rPr lang="en-GB" dirty="0" smtClean="0"/>
+              <a:t>plans-background.jpg</a:t>
+            </a:r>
+            <a:r>
+              <a:rPr lang="en-IN" dirty="0" smtClean="0"/>
+              <a:t>”</a:t>
+            </a:r>
+            <a:r>
+              <a:rPr lang="en-GB" dirty="0" smtClean="0"/>
+              <a:t>);</a:t>
+            </a:r>
+          </a:p>
+          <a:p>
+            <a:r>
+              <a:rPr lang="en-IN" dirty="0" smtClean="0"/>
+              <a:t>Now if we save and visit our packages page we will notice nothing </a:t>
+            </a:r>
+            <a:r>
+              <a:rPr lang="en-IN" dirty="0" err="1" smtClean="0"/>
+              <a:t>changed.lets</a:t>
+            </a:r>
+            <a:r>
+              <a:rPr lang="en-IN" dirty="0" smtClean="0"/>
+              <a:t> add a width:100% and height:100% to the background </a:t>
+            </a:r>
+            <a:r>
+              <a:rPr lang="en-IN" dirty="0" err="1" smtClean="0"/>
+              <a:t>selector.We</a:t>
+            </a:r>
+            <a:r>
+              <a:rPr lang="en-IN" dirty="0" smtClean="0"/>
+              <a:t> will still notice nothing changes.</a:t>
+            </a:r>
+          </a:p>
+          <a:p>
+            <a:r>
+              <a:rPr lang="en-IN" dirty="0" smtClean="0"/>
+              <a:t>If we change the width and height to 500px each we will notice that an image is displayed but we have issues with percentage values and the image is not displayed completely. And it has pushed our plans down</a:t>
+            </a:r>
+          </a:p>
+          <a:p>
+            <a:r>
+              <a:rPr lang="en-IN" dirty="0" smtClean="0"/>
+              <a:t>To fix this lets add a </a:t>
+            </a:r>
+            <a:r>
+              <a:rPr lang="en-IN" dirty="0" err="1" smtClean="0"/>
+              <a:t>position:fixed</a:t>
+            </a:r>
+            <a:r>
+              <a:rPr lang="en-IN" dirty="0" smtClean="0"/>
+              <a:t>; by doing this it is moved out of document flow and other elements come back to its original position and image is displayed above it but still small</a:t>
+            </a:r>
+          </a:p>
+          <a:p>
+            <a:r>
+              <a:rPr lang="en-IN" dirty="0" smtClean="0"/>
+              <a:t>Now if we change width and height again to 100% we will see that the image is now displayed covering the whole page.</a:t>
+            </a:r>
+          </a:p>
+          <a:p>
+            <a:r>
+              <a:rPr lang="en-IN" dirty="0" smtClean="0"/>
+              <a:t>So why does the % not work without position fixed and how did it work </a:t>
+            </a:r>
+            <a:r>
+              <a:rPr lang="en-IN" dirty="0" err="1" smtClean="0"/>
+              <a:t>later.This</a:t>
+            </a:r>
+            <a:r>
+              <a:rPr lang="en-IN" dirty="0" smtClean="0"/>
+              <a:t> is because earlier it was taking 100% of the height and width of the container </a:t>
+            </a:r>
+            <a:r>
+              <a:rPr lang="en-IN" dirty="0" err="1" smtClean="0"/>
+              <a:t>i.e</a:t>
+            </a:r>
+            <a:r>
+              <a:rPr lang="en-IN" dirty="0" smtClean="0"/>
+              <a:t> div but since div had no content the width was 0 but after position fixed it takes 100% of height and width of view port.</a:t>
+            </a:r>
+          </a:p>
+          <a:p>
+            <a:r>
+              <a:rPr lang="en-IN" dirty="0" smtClean="0"/>
+              <a:t>Now we just have one issue the image is above the content not in the background we will fix that in upcoming slides</a:t>
+            </a:r>
+          </a:p>
+          <a:p>
+            <a:endParaRPr lang="en-GB" dirty="0"/>
           </a:p>
         </p:txBody>
       </p:sp>
     </p:spTree>
     <p:extLst>
       <p:ext uri="{BB962C8B-B14F-4D97-AF65-F5344CB8AC3E}">
-        <p14:creationId xmlns:p14="http://schemas.microsoft.com/office/powerpoint/2010/main" val="3977684842"/>
+        <p14:creationId xmlns:p14="http://schemas.microsoft.com/office/powerpoint/2010/main" val="3333893930"/>
       </p:ext>
     </p:extLst>
   </p:cSld>
   <p:clrMapOvr>
     <a:masterClrMapping/>
   </p:clrMapOvr>
-  <p:timing>
-    <p:tnLst>
-      <p:par>
-        <p:cTn id="1" dur="indefinite" restart="never" nodeType="tmRoot"/>
-      </p:par>
-    </p:tnLst>
-  </p:timing>
 </p:sld>
 </file>
 

--- a/PPT/Css-v6.pptx
+++ b/PPT/Css-v6.pptx
@@ -5,7 +5,7 @@
     <p:sldMasterId id="2147483660" r:id="rId1"/>
   </p:sldMasterIdLst>
   <p:notesMasterIdLst>
-    <p:notesMasterId r:id="rId102"/>
+    <p:notesMasterId r:id="rId103"/>
   </p:notesMasterIdLst>
   <p:sldIdLst>
     <p:sldId id="256" r:id="rId2"/>
@@ -107,7 +107,8 @@
     <p:sldId id="460" r:id="rId98"/>
     <p:sldId id="461" r:id="rId99"/>
     <p:sldId id="462" r:id="rId100"/>
-    <p:sldId id="268" r:id="rId101"/>
+    <p:sldId id="463" r:id="rId101"/>
+    <p:sldId id="268" r:id="rId102"/>
   </p:sldIdLst>
   <p:sldSz cx="12192000" cy="6858000"/>
   <p:notesSz cx="6858000" cy="9144000"/>
@@ -296,7 +297,7 @@
           <a:p>
             <a:fld id="{39CD3BCA-8732-46CA-ADDD-C24F968DBEAF}" type="datetimeFigureOut">
               <a:rPr lang="en-GB" smtClean="0"/>
-              <a:t>11/12/2020</a:t>
+              <a:t>12/12/2020</a:t>
             </a:fld>
             <a:endParaRPr lang="en-GB"/>
           </a:p>
@@ -6537,6 +6538,119 @@
     <p:extLst>
       <p:ext uri="{BB962C8B-B14F-4D97-AF65-F5344CB8AC3E}">
         <p14:creationId xmlns:p14="http://schemas.microsoft.com/office/powerpoint/2010/main" val="1505939153"/>
+      </p:ext>
+    </p:extLst>
+  </p:cSld>
+  <p:clrMapOvr>
+    <a:masterClrMapping/>
+  </p:clrMapOvr>
+</p:notes>
+</file>
+
+<file path=ppt/notesSlides/notesSlide54.xml><?xml version="1.0" encoding="utf-8"?>
+<p:notes xmlns:a="http://schemas.openxmlformats.org/drawingml/2006/main" xmlns:r="http://schemas.openxmlformats.org/officeDocument/2006/relationships" xmlns:p="http://schemas.openxmlformats.org/presentationml/2006/main">
+  <p:cSld>
+    <p:spTree>
+      <p:nvGrpSpPr>
+        <p:cNvPr id="1" name=""/>
+        <p:cNvGrpSpPr/>
+        <p:nvPr/>
+      </p:nvGrpSpPr>
+      <p:grpSpPr>
+        <a:xfrm>
+          <a:off x="0" y="0"/>
+          <a:ext cx="0" cy="0"/>
+          <a:chOff x="0" y="0"/>
+          <a:chExt cx="0" cy="0"/>
+        </a:xfrm>
+      </p:grpSpPr>
+      <p:sp>
+        <p:nvSpPr>
+          <p:cNvPr id="2" name="Slide Image Placeholder 1"/>
+          <p:cNvSpPr>
+            <a:spLocks noGrp="1" noRot="1" noChangeAspect="1"/>
+          </p:cNvSpPr>
+          <p:nvPr>
+            <p:ph type="sldImg"/>
+          </p:nvPr>
+        </p:nvSpPr>
+        <p:spPr/>
+      </p:sp>
+      <p:sp>
+        <p:nvSpPr>
+          <p:cNvPr id="3" name="Notes Placeholder 2"/>
+          <p:cNvSpPr>
+            <a:spLocks noGrp="1"/>
+          </p:cNvSpPr>
+          <p:nvPr>
+            <p:ph type="body" idx="1"/>
+          </p:nvPr>
+        </p:nvSpPr>
+        <p:spPr/>
+        <p:txBody>
+          <a:bodyPr/>
+          <a:lstStyle/>
+          <a:p>
+            <a:r>
+              <a:rPr lang="en-IN" dirty="0" smtClean="0"/>
+              <a:t>Branch :</a:t>
+            </a:r>
+            <a:r>
+              <a:rPr lang="en-IN" sz="1200" kern="1200" dirty="0" smtClean="0">
+                <a:solidFill>
+                  <a:schemeClr val="tx1"/>
+                </a:solidFill>
+                <a:latin typeface="+mn-lt"/>
+                <a:ea typeface="+mn-ea"/>
+                <a:cs typeface="+mn-cs"/>
+              </a:rPr>
+              <a:t>Positioning</a:t>
+            </a:r>
+            <a:endParaRPr lang="en-IN" dirty="0" smtClean="0"/>
+          </a:p>
+          <a:p>
+            <a:r>
+              <a:rPr lang="en-IN" dirty="0" smtClean="0"/>
+              <a:t>Commit : </a:t>
+            </a:r>
+            <a:r>
+              <a:rPr lang="en-IN" dirty="0" err="1" smtClean="0"/>
+              <a:t>UnderstandingZIndex</a:t>
+            </a:r>
+            <a:endParaRPr lang="en-IN" dirty="0" smtClean="0"/>
+          </a:p>
+          <a:p>
+            <a:endParaRPr lang="en-GB" dirty="0"/>
+          </a:p>
+        </p:txBody>
+      </p:sp>
+      <p:sp>
+        <p:nvSpPr>
+          <p:cNvPr id="4" name="Slide Number Placeholder 3"/>
+          <p:cNvSpPr>
+            <a:spLocks noGrp="1"/>
+          </p:cNvSpPr>
+          <p:nvPr>
+            <p:ph type="sldNum" sz="quarter" idx="10"/>
+          </p:nvPr>
+        </p:nvSpPr>
+        <p:spPr/>
+        <p:txBody>
+          <a:bodyPr/>
+          <a:lstStyle/>
+          <a:p>
+            <a:fld id="{D3B79ED6-4970-4D84-B25C-F520A9D9210C}" type="slidenum">
+              <a:rPr lang="en-GB" smtClean="0"/>
+              <a:t>100</a:t>
+            </a:fld>
+            <a:endParaRPr lang="en-GB"/>
+          </a:p>
+        </p:txBody>
+      </p:sp>
+    </p:spTree>
+    <p:extLst>
+      <p:ext uri="{BB962C8B-B14F-4D97-AF65-F5344CB8AC3E}">
+        <p14:creationId xmlns:p14="http://schemas.microsoft.com/office/powerpoint/2010/main" val="2826870579"/>
       </p:ext>
     </p:extLst>
   </p:cSld>
@@ -7899,7 +8013,7 @@
           <a:p>
             <a:fld id="{D4BA8270-C9CF-44CA-BE5A-02C2BDCCEDE4}" type="datetimeFigureOut">
               <a:rPr lang="en-GB" smtClean="0"/>
-              <a:t>11/12/2020</a:t>
+              <a:t>12/12/2020</a:t>
             </a:fld>
             <a:endParaRPr lang="en-GB"/>
           </a:p>
@@ -8150,7 +8264,7 @@
           <a:p>
             <a:fld id="{D4BA8270-C9CF-44CA-BE5A-02C2BDCCEDE4}" type="datetimeFigureOut">
               <a:rPr lang="en-GB" smtClean="0"/>
-              <a:t>11/12/2020</a:t>
+              <a:t>12/12/2020</a:t>
             </a:fld>
             <a:endParaRPr lang="en-GB"/>
           </a:p>
@@ -8464,7 +8578,7 @@
           <a:p>
             <a:fld id="{D4BA8270-C9CF-44CA-BE5A-02C2BDCCEDE4}" type="datetimeFigureOut">
               <a:rPr lang="en-GB" smtClean="0"/>
-              <a:t>11/12/2020</a:t>
+              <a:t>12/12/2020</a:t>
             </a:fld>
             <a:endParaRPr lang="en-GB"/>
           </a:p>
@@ -8805,7 +8919,7 @@
           <a:p>
             <a:fld id="{D4BA8270-C9CF-44CA-BE5A-02C2BDCCEDE4}" type="datetimeFigureOut">
               <a:rPr lang="en-GB" smtClean="0"/>
-              <a:t>11/12/2020</a:t>
+              <a:t>12/12/2020</a:t>
             </a:fld>
             <a:endParaRPr lang="en-GB"/>
           </a:p>
@@ -9119,7 +9233,7 @@
           <a:p>
             <a:fld id="{D4BA8270-C9CF-44CA-BE5A-02C2BDCCEDE4}" type="datetimeFigureOut">
               <a:rPr lang="en-GB" smtClean="0"/>
-              <a:t>11/12/2020</a:t>
+              <a:t>12/12/2020</a:t>
             </a:fld>
             <a:endParaRPr lang="en-GB"/>
           </a:p>
@@ -9512,7 +9626,7 @@
           <a:p>
             <a:fld id="{D4BA8270-C9CF-44CA-BE5A-02C2BDCCEDE4}" type="datetimeFigureOut">
               <a:rPr lang="en-GB" smtClean="0"/>
-              <a:t>11/12/2020</a:t>
+              <a:t>12/12/2020</a:t>
             </a:fld>
             <a:endParaRPr lang="en-GB"/>
           </a:p>
@@ -9682,7 +9796,7 @@
           <a:p>
             <a:fld id="{D4BA8270-C9CF-44CA-BE5A-02C2BDCCEDE4}" type="datetimeFigureOut">
               <a:rPr lang="en-GB" smtClean="0"/>
-              <a:t>11/12/2020</a:t>
+              <a:t>12/12/2020</a:t>
             </a:fld>
             <a:endParaRPr lang="en-GB"/>
           </a:p>
@@ -9862,7 +9976,7 @@
           <a:p>
             <a:fld id="{D4BA8270-C9CF-44CA-BE5A-02C2BDCCEDE4}" type="datetimeFigureOut">
               <a:rPr lang="en-GB" smtClean="0"/>
-              <a:t>11/12/2020</a:t>
+              <a:t>12/12/2020</a:t>
             </a:fld>
             <a:endParaRPr lang="en-GB"/>
           </a:p>
@@ -10038,7 +10152,7 @@
           <a:p>
             <a:fld id="{D4BA8270-C9CF-44CA-BE5A-02C2BDCCEDE4}" type="datetimeFigureOut">
               <a:rPr lang="en-GB" smtClean="0"/>
-              <a:t>11/12/2020</a:t>
+              <a:t>12/12/2020</a:t>
             </a:fld>
             <a:endParaRPr lang="en-GB"/>
           </a:p>
@@ -10285,7 +10399,7 @@
           <a:p>
             <a:fld id="{D4BA8270-C9CF-44CA-BE5A-02C2BDCCEDE4}" type="datetimeFigureOut">
               <a:rPr lang="en-GB" smtClean="0"/>
-              <a:t>11/12/2020</a:t>
+              <a:t>12/12/2020</a:t>
             </a:fld>
             <a:endParaRPr lang="en-GB"/>
           </a:p>
@@ -10517,7 +10631,7 @@
           <a:p>
             <a:fld id="{D4BA8270-C9CF-44CA-BE5A-02C2BDCCEDE4}" type="datetimeFigureOut">
               <a:rPr lang="en-GB" smtClean="0"/>
-              <a:t>11/12/2020</a:t>
+              <a:t>12/12/2020</a:t>
             </a:fld>
             <a:endParaRPr lang="en-GB"/>
           </a:p>
@@ -10891,7 +11005,7 @@
           <a:p>
             <a:fld id="{D4BA8270-C9CF-44CA-BE5A-02C2BDCCEDE4}" type="datetimeFigureOut">
               <a:rPr lang="en-GB" smtClean="0"/>
-              <a:t>11/12/2020</a:t>
+              <a:t>12/12/2020</a:t>
             </a:fld>
             <a:endParaRPr lang="en-GB"/>
           </a:p>
@@ -11014,7 +11128,7 @@
           <a:p>
             <a:fld id="{D4BA8270-C9CF-44CA-BE5A-02C2BDCCEDE4}" type="datetimeFigureOut">
               <a:rPr lang="en-GB" smtClean="0"/>
-              <a:t>11/12/2020</a:t>
+              <a:t>12/12/2020</a:t>
             </a:fld>
             <a:endParaRPr lang="en-GB"/>
           </a:p>
@@ -11109,7 +11223,7 @@
           <a:p>
             <a:fld id="{D4BA8270-C9CF-44CA-BE5A-02C2BDCCEDE4}" type="datetimeFigureOut">
               <a:rPr lang="en-GB" smtClean="0"/>
-              <a:t>11/12/2020</a:t>
+              <a:t>12/12/2020</a:t>
             </a:fld>
             <a:endParaRPr lang="en-GB"/>
           </a:p>
@@ -11364,7 +11478,7 @@
           <a:p>
             <a:fld id="{D4BA8270-C9CF-44CA-BE5A-02C2BDCCEDE4}" type="datetimeFigureOut">
               <a:rPr lang="en-GB" smtClean="0"/>
-              <a:t>11/12/2020</a:t>
+              <a:t>12/12/2020</a:t>
             </a:fld>
             <a:endParaRPr lang="en-GB"/>
           </a:p>
@@ -11627,7 +11741,7 @@
           <a:p>
             <a:fld id="{D4BA8270-C9CF-44CA-BE5A-02C2BDCCEDE4}" type="datetimeFigureOut">
               <a:rPr lang="en-GB" smtClean="0"/>
-              <a:t>11/12/2020</a:t>
+              <a:t>12/12/2020</a:t>
             </a:fld>
             <a:endParaRPr lang="en-GB"/>
           </a:p>
@@ -12370,7 +12484,7 @@
           <a:p>
             <a:fld id="{D4BA8270-C9CF-44CA-BE5A-02C2BDCCEDE4}" type="datetimeFigureOut">
               <a:rPr lang="en-GB" smtClean="0"/>
-              <a:t>11/12/2020</a:t>
+              <a:t>12/12/2020</a:t>
             </a:fld>
             <a:endParaRPr lang="en-GB"/>
           </a:p>
@@ -13141,6 +13255,229 @@
 </file>
 
 <file path=ppt/slides/slide100.xml><?xml version="1.0" encoding="utf-8"?>
+<p:sld xmlns:a="http://schemas.openxmlformats.org/drawingml/2006/main" xmlns:r="http://schemas.openxmlformats.org/officeDocument/2006/relationships" xmlns:p="http://schemas.openxmlformats.org/presentationml/2006/main">
+  <p:cSld>
+    <p:spTree>
+      <p:nvGrpSpPr>
+        <p:cNvPr id="1" name=""/>
+        <p:cNvGrpSpPr/>
+        <p:nvPr/>
+      </p:nvGrpSpPr>
+      <p:grpSpPr>
+        <a:xfrm>
+          <a:off x="0" y="0"/>
+          <a:ext cx="0" cy="0"/>
+          <a:chOff x="0" y="0"/>
+          <a:chExt cx="0" cy="0"/>
+        </a:xfrm>
+      </p:grpSpPr>
+      <p:sp>
+        <p:nvSpPr>
+          <p:cNvPr id="2" name="Title 1"/>
+          <p:cNvSpPr>
+            <a:spLocks noGrp="1"/>
+          </p:cNvSpPr>
+          <p:nvPr>
+            <p:ph type="title"/>
+          </p:nvPr>
+        </p:nvSpPr>
+        <p:spPr>
+          <a:xfrm>
+            <a:off x="677334" y="100445"/>
+            <a:ext cx="8596668" cy="502227"/>
+          </a:xfrm>
+        </p:spPr>
+        <p:txBody>
+          <a:bodyPr>
+            <a:normAutofit fontScale="90000"/>
+          </a:bodyPr>
+          <a:lstStyle/>
+          <a:p>
+            <a:r>
+              <a:rPr lang="en-GB" dirty="0"/>
+              <a:t>Understanding the Z-Index</a:t>
+            </a:r>
+            <a:endParaRPr lang="en-GB" dirty="0"/>
+          </a:p>
+        </p:txBody>
+      </p:sp>
+      <p:sp>
+        <p:nvSpPr>
+          <p:cNvPr id="3" name="Content Placeholder 2"/>
+          <p:cNvSpPr>
+            <a:spLocks noGrp="1"/>
+          </p:cNvSpPr>
+          <p:nvPr>
+            <p:ph idx="1"/>
+          </p:nvPr>
+        </p:nvSpPr>
+        <p:spPr>
+          <a:xfrm>
+            <a:off x="301335" y="685801"/>
+            <a:ext cx="11533909" cy="6068290"/>
+          </a:xfrm>
+        </p:spPr>
+        <p:txBody>
+          <a:bodyPr>
+            <a:normAutofit lnSpcReduction="10000"/>
+          </a:bodyPr>
+          <a:lstStyle/>
+          <a:p>
+            <a:r>
+              <a:rPr lang="en-GB" dirty="0" smtClean="0"/>
+              <a:t>So The question here is why is our background image not really a background image?</a:t>
+            </a:r>
+          </a:p>
+          <a:p>
+            <a:r>
+              <a:rPr lang="en-GB" dirty="0" smtClean="0"/>
+              <a:t>This is because till now we just positioned our elements along the x-axis or the y-axis but we also need a way to position them along z-</a:t>
+            </a:r>
+            <a:r>
+              <a:rPr lang="en-GB" dirty="0" err="1" smtClean="0"/>
+              <a:t>axis.We</a:t>
+            </a:r>
+            <a:r>
+              <a:rPr lang="en-GB" dirty="0" smtClean="0"/>
+              <a:t> can actually do that in </a:t>
+            </a:r>
+            <a:r>
+              <a:rPr lang="en-GB" dirty="0" err="1" smtClean="0"/>
+              <a:t>css</a:t>
+            </a:r>
+            <a:r>
+              <a:rPr lang="en-GB" dirty="0" smtClean="0"/>
+              <a:t> using a property called z-index.</a:t>
+            </a:r>
+          </a:p>
+          <a:p>
+            <a:r>
+              <a:rPr lang="en-GB" dirty="0" smtClean="0"/>
+              <a:t>Z-index represents the position of an element along the z-</a:t>
+            </a:r>
+            <a:r>
+              <a:rPr lang="en-GB" dirty="0" err="1" smtClean="0"/>
+              <a:t>axis.its</a:t>
+            </a:r>
+            <a:r>
+              <a:rPr lang="en-GB" dirty="0" smtClean="0"/>
+              <a:t> default value is auto for understanding purposes lets assume auto means 0.</a:t>
+            </a:r>
+          </a:p>
+          <a:p>
+            <a:r>
+              <a:rPr lang="en-GB" dirty="0" smtClean="0"/>
+              <a:t>So to place an element above any other the z index should be greater than 0 like 1,2,3, 100 </a:t>
+            </a:r>
+            <a:r>
+              <a:rPr lang="en-GB" dirty="0" err="1" smtClean="0"/>
+              <a:t>etc</a:t>
+            </a:r>
+            <a:endParaRPr lang="en-GB" dirty="0" smtClean="0"/>
+          </a:p>
+          <a:p>
+            <a:r>
+              <a:rPr lang="en-GB" dirty="0" smtClean="0"/>
+              <a:t>To place an element below another the z index should be lower than 0 </a:t>
+            </a:r>
+            <a:r>
+              <a:rPr lang="en-GB" dirty="0" err="1" smtClean="0"/>
+              <a:t>ie</a:t>
+            </a:r>
+            <a:r>
+              <a:rPr lang="en-GB" dirty="0" smtClean="0"/>
+              <a:t> -1,-2, -44 </a:t>
+            </a:r>
+            <a:r>
+              <a:rPr lang="en-GB" dirty="0" err="1" smtClean="0"/>
+              <a:t>etc</a:t>
+            </a:r>
+            <a:endParaRPr lang="en-GB" dirty="0" smtClean="0"/>
+          </a:p>
+          <a:p>
+            <a:r>
+              <a:rPr lang="en-GB" dirty="0" smtClean="0"/>
+              <a:t>Z-index only works for elements that have the value of position different from static.so to change the z-index we have to apply a position property.</a:t>
+            </a:r>
+          </a:p>
+          <a:p>
+            <a:r>
+              <a:rPr lang="en-GB" dirty="0" smtClean="0"/>
+              <a:t>So now we know that all our elements on the packages page have a z-index value 0 by default so to move our background image below other elements lets add z-index:-1; to the .background{ } selector.</a:t>
+            </a:r>
+          </a:p>
+          <a:p>
+            <a:r>
+              <a:rPr lang="en-GB" dirty="0" smtClean="0"/>
+              <a:t>Now if we change the z-index to 1 for our background we will notice it is above our packages as well as above the </a:t>
+            </a:r>
+            <a:r>
+              <a:rPr lang="en-GB" dirty="0" err="1" smtClean="0"/>
+              <a:t>nav</a:t>
+            </a:r>
+            <a:r>
+              <a:rPr lang="en-GB" dirty="0" smtClean="0"/>
+              <a:t> bar but if we add a z-index of 1 to main-header{} selector in our shared.css we will notice that the </a:t>
+            </a:r>
+            <a:r>
+              <a:rPr lang="en-GB" dirty="0" err="1" smtClean="0"/>
+              <a:t>the</a:t>
+            </a:r>
+            <a:r>
+              <a:rPr lang="en-GB" dirty="0" smtClean="0"/>
+              <a:t> </a:t>
+            </a:r>
+            <a:r>
+              <a:rPr lang="en-GB" dirty="0" err="1" smtClean="0"/>
+              <a:t>nav</a:t>
+            </a:r>
+            <a:r>
+              <a:rPr lang="en-GB" dirty="0" smtClean="0"/>
+              <a:t> bar is still at the top of our background</a:t>
+            </a:r>
+          </a:p>
+          <a:p>
+            <a:r>
+              <a:rPr lang="en-GB" dirty="0" smtClean="0"/>
+              <a:t>Actually when we have two elements with same z-index the order in which the elements occur in the html takes precedence and since our header comes after the background image it is displayed above it when both have same z-index value.</a:t>
+            </a:r>
+          </a:p>
+          <a:p>
+            <a:r>
+              <a:rPr lang="en-GB" dirty="0" smtClean="0"/>
+              <a:t>Remove z-index from main-header{} and change the value of z-index back to -1 in .background and we have a working background image and  </a:t>
+            </a:r>
+            <a:r>
+              <a:rPr lang="en-GB" dirty="0" err="1" smtClean="0"/>
+              <a:t>nav</a:t>
+            </a:r>
+            <a:r>
+              <a:rPr lang="en-GB" dirty="0" smtClean="0"/>
+              <a:t> bar again.</a:t>
+            </a:r>
+          </a:p>
+          <a:p>
+            <a:endParaRPr lang="en-GB" dirty="0" smtClean="0"/>
+          </a:p>
+          <a:p>
+            <a:endParaRPr lang="en-GB" dirty="0"/>
+          </a:p>
+        </p:txBody>
+      </p:sp>
+    </p:spTree>
+    <p:extLst>
+      <p:ext uri="{BB962C8B-B14F-4D97-AF65-F5344CB8AC3E}">
+        <p14:creationId xmlns:p14="http://schemas.microsoft.com/office/powerpoint/2010/main" val="2020215294"/>
+      </p:ext>
+    </p:extLst>
+  </p:cSld>
+  <p:clrMapOvr>
+    <a:masterClrMapping/>
+  </p:clrMapOvr>
+</p:sld>
+</file>
+
+<file path=ppt/slides/slide101.xml><?xml version="1.0" encoding="utf-8"?>
 <p:sld xmlns:a="http://schemas.openxmlformats.org/drawingml/2006/main" xmlns:r="http://schemas.openxmlformats.org/officeDocument/2006/relationships" xmlns:p="http://schemas.openxmlformats.org/presentationml/2006/main" showMasterSp="0">
   <p:cSld>
     <p:spTree>

--- a/PPT/Css-v6.pptx
+++ b/PPT/Css-v6.pptx
@@ -5,7 +5,7 @@
     <p:sldMasterId id="2147483660" r:id="rId1"/>
   </p:sldMasterIdLst>
   <p:notesMasterIdLst>
-    <p:notesMasterId r:id="rId103"/>
+    <p:notesMasterId r:id="rId105"/>
   </p:notesMasterIdLst>
   <p:sldIdLst>
     <p:sldId id="256" r:id="rId2"/>
@@ -108,7 +108,9 @@
     <p:sldId id="461" r:id="rId99"/>
     <p:sldId id="462" r:id="rId100"/>
     <p:sldId id="463" r:id="rId101"/>
-    <p:sldId id="268" r:id="rId102"/>
+    <p:sldId id="464" r:id="rId102"/>
+    <p:sldId id="465" r:id="rId103"/>
+    <p:sldId id="268" r:id="rId104"/>
   </p:sldIdLst>
   <p:sldSz cx="12192000" cy="6858000"/>
   <p:notesSz cx="6858000" cy="9144000"/>
@@ -6651,6 +6653,235 @@
     <p:extLst>
       <p:ext uri="{BB962C8B-B14F-4D97-AF65-F5344CB8AC3E}">
         <p14:creationId xmlns:p14="http://schemas.microsoft.com/office/powerpoint/2010/main" val="2826870579"/>
+      </p:ext>
+    </p:extLst>
+  </p:cSld>
+  <p:clrMapOvr>
+    <a:masterClrMapping/>
+  </p:clrMapOvr>
+</p:notes>
+</file>
+
+<file path=ppt/notesSlides/notesSlide55.xml><?xml version="1.0" encoding="utf-8"?>
+<p:notes xmlns:a="http://schemas.openxmlformats.org/drawingml/2006/main" xmlns:r="http://schemas.openxmlformats.org/officeDocument/2006/relationships" xmlns:p="http://schemas.openxmlformats.org/presentationml/2006/main">
+  <p:cSld>
+    <p:spTree>
+      <p:nvGrpSpPr>
+        <p:cNvPr id="1" name=""/>
+        <p:cNvGrpSpPr/>
+        <p:nvPr/>
+      </p:nvGrpSpPr>
+      <p:grpSpPr>
+        <a:xfrm>
+          <a:off x="0" y="0"/>
+          <a:ext cx="0" cy="0"/>
+          <a:chOff x="0" y="0"/>
+          <a:chExt cx="0" cy="0"/>
+        </a:xfrm>
+      </p:grpSpPr>
+      <p:sp>
+        <p:nvSpPr>
+          <p:cNvPr id="2" name="Slide Image Placeholder 1"/>
+          <p:cNvSpPr>
+            <a:spLocks noGrp="1" noRot="1" noChangeAspect="1"/>
+          </p:cNvSpPr>
+          <p:nvPr>
+            <p:ph type="sldImg"/>
+          </p:nvPr>
+        </p:nvSpPr>
+        <p:spPr/>
+      </p:sp>
+      <p:sp>
+        <p:nvSpPr>
+          <p:cNvPr id="3" name="Notes Placeholder 2"/>
+          <p:cNvSpPr>
+            <a:spLocks noGrp="1"/>
+          </p:cNvSpPr>
+          <p:nvPr>
+            <p:ph type="body" idx="1"/>
+          </p:nvPr>
+        </p:nvSpPr>
+        <p:spPr/>
+        <p:txBody>
+          <a:bodyPr/>
+          <a:lstStyle/>
+          <a:p>
+            <a:r>
+              <a:rPr lang="en-IN" dirty="0" smtClean="0"/>
+              <a:t>Branch :</a:t>
+            </a:r>
+            <a:r>
+              <a:rPr lang="en-IN" sz="1200" kern="1200" dirty="0" smtClean="0">
+                <a:solidFill>
+                  <a:schemeClr val="tx1"/>
+                </a:solidFill>
+                <a:latin typeface="+mn-lt"/>
+                <a:ea typeface="+mn-ea"/>
+                <a:cs typeface="+mn-cs"/>
+              </a:rPr>
+              <a:t>Positioning</a:t>
+            </a:r>
+            <a:endParaRPr lang="en-IN" dirty="0" smtClean="0"/>
+          </a:p>
+          <a:p>
+            <a:r>
+              <a:rPr lang="en-IN" dirty="0" smtClean="0"/>
+              <a:t>Commit : </a:t>
+            </a:r>
+            <a:r>
+              <a:rPr lang="en-IN" dirty="0" err="1" smtClean="0"/>
+              <a:t>AddingRecomendedBadge</a:t>
+            </a:r>
+            <a:endParaRPr lang="en-IN" dirty="0" smtClean="0"/>
+          </a:p>
+          <a:p>
+            <a:endParaRPr lang="en-GB" dirty="0"/>
+          </a:p>
+        </p:txBody>
+      </p:sp>
+      <p:sp>
+        <p:nvSpPr>
+          <p:cNvPr id="4" name="Slide Number Placeholder 3"/>
+          <p:cNvSpPr>
+            <a:spLocks noGrp="1"/>
+          </p:cNvSpPr>
+          <p:nvPr>
+            <p:ph type="sldNum" sz="quarter" idx="10"/>
+          </p:nvPr>
+        </p:nvSpPr>
+        <p:spPr/>
+        <p:txBody>
+          <a:bodyPr/>
+          <a:lstStyle/>
+          <a:p>
+            <a:fld id="{D3B79ED6-4970-4D84-B25C-F520A9D9210C}" type="slidenum">
+              <a:rPr lang="en-GB" smtClean="0"/>
+              <a:t>101</a:t>
+            </a:fld>
+            <a:endParaRPr lang="en-GB"/>
+          </a:p>
+        </p:txBody>
+      </p:sp>
+    </p:spTree>
+    <p:extLst>
+      <p:ext uri="{BB962C8B-B14F-4D97-AF65-F5344CB8AC3E}">
+        <p14:creationId xmlns:p14="http://schemas.microsoft.com/office/powerpoint/2010/main" val="4231344046"/>
+      </p:ext>
+    </p:extLst>
+  </p:cSld>
+  <p:clrMapOvr>
+    <a:masterClrMapping/>
+  </p:clrMapOvr>
+</p:notes>
+</file>
+
+<file path=ppt/notesSlides/notesSlide56.xml><?xml version="1.0" encoding="utf-8"?>
+<p:notes xmlns:a="http://schemas.openxmlformats.org/drawingml/2006/main" xmlns:r="http://schemas.openxmlformats.org/officeDocument/2006/relationships" xmlns:p="http://schemas.openxmlformats.org/presentationml/2006/main">
+  <p:cSld>
+    <p:spTree>
+      <p:nvGrpSpPr>
+        <p:cNvPr id="1" name=""/>
+        <p:cNvGrpSpPr/>
+        <p:nvPr/>
+      </p:nvGrpSpPr>
+      <p:grpSpPr>
+        <a:xfrm>
+          <a:off x="0" y="0"/>
+          <a:ext cx="0" cy="0"/>
+          <a:chOff x="0" y="0"/>
+          <a:chExt cx="0" cy="0"/>
+        </a:xfrm>
+      </p:grpSpPr>
+      <p:sp>
+        <p:nvSpPr>
+          <p:cNvPr id="2" name="Slide Image Placeholder 1"/>
+          <p:cNvSpPr>
+            <a:spLocks noGrp="1" noRot="1" noChangeAspect="1"/>
+          </p:cNvSpPr>
+          <p:nvPr>
+            <p:ph type="sldImg"/>
+          </p:nvPr>
+        </p:nvSpPr>
+        <p:spPr/>
+      </p:sp>
+      <p:sp>
+        <p:nvSpPr>
+          <p:cNvPr id="3" name="Notes Placeholder 2"/>
+          <p:cNvSpPr>
+            <a:spLocks noGrp="1"/>
+          </p:cNvSpPr>
+          <p:nvPr>
+            <p:ph type="body" idx="1"/>
+          </p:nvPr>
+        </p:nvSpPr>
+        <p:spPr/>
+        <p:txBody>
+          <a:bodyPr/>
+          <a:lstStyle/>
+          <a:p>
+            <a:r>
+              <a:rPr lang="en-IN" dirty="0" smtClean="0"/>
+              <a:t>Branch :</a:t>
+            </a:r>
+            <a:r>
+              <a:rPr lang="en-IN" sz="1200" kern="1200" dirty="0" smtClean="0">
+                <a:solidFill>
+                  <a:schemeClr val="tx1"/>
+                </a:solidFill>
+                <a:latin typeface="+mn-lt"/>
+                <a:ea typeface="+mn-ea"/>
+                <a:cs typeface="+mn-cs"/>
+              </a:rPr>
+              <a:t>Positioning</a:t>
+            </a:r>
+            <a:endParaRPr lang="en-IN" dirty="0" smtClean="0"/>
+          </a:p>
+          <a:p>
+            <a:r>
+              <a:rPr lang="en-IN" dirty="0" smtClean="0"/>
+              <a:t>Commit : </a:t>
+            </a:r>
+            <a:r>
+              <a:rPr lang="en-IN" dirty="0" err="1" smtClean="0"/>
+              <a:t>AddingRecomendedBadge</a:t>
+            </a:r>
+            <a:endParaRPr lang="en-IN" dirty="0" smtClean="0"/>
+          </a:p>
+          <a:p>
+            <a:endParaRPr lang="en-GB" dirty="0" smtClean="0"/>
+          </a:p>
+          <a:p>
+            <a:endParaRPr lang="en-GB" dirty="0"/>
+          </a:p>
+        </p:txBody>
+      </p:sp>
+      <p:sp>
+        <p:nvSpPr>
+          <p:cNvPr id="4" name="Slide Number Placeholder 3"/>
+          <p:cNvSpPr>
+            <a:spLocks noGrp="1"/>
+          </p:cNvSpPr>
+          <p:nvPr>
+            <p:ph type="sldNum" sz="quarter" idx="10"/>
+          </p:nvPr>
+        </p:nvSpPr>
+        <p:spPr/>
+        <p:txBody>
+          <a:bodyPr/>
+          <a:lstStyle/>
+          <a:p>
+            <a:fld id="{D3B79ED6-4970-4D84-B25C-F520A9D9210C}" type="slidenum">
+              <a:rPr lang="en-GB" smtClean="0"/>
+              <a:t>102</a:t>
+            </a:fld>
+            <a:endParaRPr lang="en-GB"/>
+          </a:p>
+        </p:txBody>
+      </p:sp>
+    </p:spTree>
+    <p:extLst>
+      <p:ext uri="{BB962C8B-B14F-4D97-AF65-F5344CB8AC3E}">
+        <p14:creationId xmlns:p14="http://schemas.microsoft.com/office/powerpoint/2010/main" val="4170409297"/>
       </p:ext>
     </p:extLst>
   </p:cSld>
@@ -13297,7 +13528,6 @@
               <a:rPr lang="en-GB" dirty="0"/>
               <a:t>Understanding the Z-Index</a:t>
             </a:r>
-            <a:endParaRPr lang="en-GB" dirty="0"/>
           </a:p>
         </p:txBody>
       </p:sp>
@@ -13478,6 +13708,440 @@
 </file>
 
 <file path=ppt/slides/slide101.xml><?xml version="1.0" encoding="utf-8"?>
+<p:sld xmlns:a="http://schemas.openxmlformats.org/drawingml/2006/main" xmlns:r="http://schemas.openxmlformats.org/officeDocument/2006/relationships" xmlns:p="http://schemas.openxmlformats.org/presentationml/2006/main">
+  <p:cSld>
+    <p:spTree>
+      <p:nvGrpSpPr>
+        <p:cNvPr id="1" name=""/>
+        <p:cNvGrpSpPr/>
+        <p:nvPr/>
+      </p:nvGrpSpPr>
+      <p:grpSpPr>
+        <a:xfrm>
+          <a:off x="0" y="0"/>
+          <a:ext cx="0" cy="0"/>
+          <a:chOff x="0" y="0"/>
+          <a:chExt cx="0" cy="0"/>
+        </a:xfrm>
+      </p:grpSpPr>
+      <p:sp>
+        <p:nvSpPr>
+          <p:cNvPr id="2" name="Title 1"/>
+          <p:cNvSpPr>
+            <a:spLocks noGrp="1"/>
+          </p:cNvSpPr>
+          <p:nvPr>
+            <p:ph type="title"/>
+          </p:nvPr>
+        </p:nvSpPr>
+        <p:spPr>
+          <a:xfrm>
+            <a:off x="833197" y="121227"/>
+            <a:ext cx="11178693" cy="564573"/>
+          </a:xfrm>
+        </p:spPr>
+        <p:txBody>
+          <a:bodyPr>
+            <a:normAutofit fontScale="90000"/>
+          </a:bodyPr>
+          <a:lstStyle/>
+          <a:p>
+            <a:r>
+              <a:rPr lang="en-IN" dirty="0"/>
+              <a:t>Adding a </a:t>
+            </a:r>
+            <a:r>
+              <a:rPr lang="en-IN" dirty="0" smtClean="0"/>
+              <a:t>Recommended Badge </a:t>
+            </a:r>
+            <a:r>
+              <a:rPr lang="en-IN" dirty="0"/>
+              <a:t>to </a:t>
+            </a:r>
+            <a:r>
+              <a:rPr lang="en-IN" dirty="0" smtClean="0"/>
+              <a:t>our Plus </a:t>
+            </a:r>
+            <a:r>
+              <a:rPr lang="en-IN" dirty="0"/>
+              <a:t>Package</a:t>
+            </a:r>
+            <a:endParaRPr lang="en-GB" dirty="0"/>
+          </a:p>
+        </p:txBody>
+      </p:sp>
+      <p:sp>
+        <p:nvSpPr>
+          <p:cNvPr id="3" name="Content Placeholder 2"/>
+          <p:cNvSpPr>
+            <a:spLocks noGrp="1"/>
+          </p:cNvSpPr>
+          <p:nvPr>
+            <p:ph idx="1"/>
+          </p:nvPr>
+        </p:nvSpPr>
+        <p:spPr>
+          <a:xfrm>
+            <a:off x="259773" y="872836"/>
+            <a:ext cx="11378045" cy="5777345"/>
+          </a:xfrm>
+        </p:spPr>
+        <p:txBody>
+          <a:bodyPr>
+            <a:normAutofit lnSpcReduction="10000"/>
+          </a:bodyPr>
+          <a:lstStyle/>
+          <a:p>
+            <a:r>
+              <a:rPr lang="en-IN" dirty="0" smtClean="0"/>
+              <a:t>Now lets add a recommended badge to our plus package to do that add an &lt;h2&gt; tag to the &lt;a&gt; tag in the section representing the plus package right after the &lt;h1&gt; tag .Add a class package-badge to </a:t>
+            </a:r>
+            <a:r>
+              <a:rPr lang="en-IN" dirty="0" err="1" smtClean="0"/>
+              <a:t>it.And</a:t>
+            </a:r>
+            <a:r>
+              <a:rPr lang="en-IN" dirty="0" smtClean="0"/>
+              <a:t> add a text RECOMMENDED to the &lt;h2&gt; tag</a:t>
+            </a:r>
+          </a:p>
+          <a:p>
+            <a:r>
+              <a:rPr lang="en-IN" dirty="0" smtClean="0"/>
+              <a:t>Add a class selector .</a:t>
+            </a:r>
+            <a:r>
+              <a:rPr lang="en-GB" dirty="0"/>
+              <a:t> </a:t>
+            </a:r>
+            <a:r>
+              <a:rPr lang="en-GB" dirty="0" err="1"/>
+              <a:t>package__</a:t>
+            </a:r>
+            <a:r>
+              <a:rPr lang="en-GB" dirty="0" err="1" smtClean="0"/>
+              <a:t>badge</a:t>
+            </a:r>
+            <a:r>
+              <a:rPr lang="en-GB" dirty="0" smtClean="0"/>
+              <a:t>{ } for this badge to our packages.css </a:t>
+            </a:r>
+            <a:r>
+              <a:rPr lang="en-GB" dirty="0" err="1" smtClean="0"/>
+              <a:t>file.Add</a:t>
+            </a:r>
+            <a:r>
+              <a:rPr lang="en-GB" dirty="0" smtClean="0"/>
+              <a:t> a </a:t>
+            </a:r>
+            <a:r>
+              <a:rPr lang="en-GB" dirty="0" err="1" smtClean="0"/>
+              <a:t>position:fixed</a:t>
+            </a:r>
+            <a:r>
+              <a:rPr lang="en-GB" dirty="0" smtClean="0"/>
+              <a:t>; to </a:t>
+            </a:r>
+            <a:r>
+              <a:rPr lang="en-GB" dirty="0" err="1" smtClean="0"/>
+              <a:t>it.Now</a:t>
+            </a:r>
+            <a:r>
+              <a:rPr lang="en-GB" dirty="0" smtClean="0"/>
+              <a:t> the badge is removed from the document flow we can add </a:t>
+            </a:r>
+            <a:r>
+              <a:rPr lang="en-GB" dirty="0" err="1" smtClean="0"/>
+              <a:t>top,left</a:t>
+            </a:r>
+            <a:r>
+              <a:rPr lang="en-GB" dirty="0" smtClean="0"/>
+              <a:t> </a:t>
+            </a:r>
+            <a:r>
+              <a:rPr lang="en-GB" dirty="0" err="1" smtClean="0"/>
+              <a:t>etc</a:t>
+            </a:r>
+            <a:r>
+              <a:rPr lang="en-GB" dirty="0" smtClean="0"/>
+              <a:t> properties to position it according to the view port but now it will be fixed and when we scroll it wont move with our package.</a:t>
+            </a:r>
+          </a:p>
+          <a:p>
+            <a:r>
+              <a:rPr lang="en-IN" dirty="0" smtClean="0"/>
+              <a:t>Lets try it out add top:0,left:0 the badge sticks to the top of our </a:t>
+            </a:r>
+            <a:r>
+              <a:rPr lang="en-IN" dirty="0" err="1" smtClean="0"/>
+              <a:t>html.Lets</a:t>
+            </a:r>
+            <a:r>
+              <a:rPr lang="en-IN" dirty="0" smtClean="0"/>
+              <a:t> change the value to maybe top:100 left:500px we are almost at the position we want our badge to be but this is a bad ,cumbersome and error prone way. Also since it is removed from document flow it does not scroll with the page.</a:t>
+            </a:r>
+          </a:p>
+          <a:p>
+            <a:r>
+              <a:rPr lang="en-IN" dirty="0" smtClean="0"/>
+              <a:t>Lets try another value for the position .Change it to </a:t>
+            </a:r>
+            <a:r>
+              <a:rPr lang="en-IN" dirty="0" err="1" smtClean="0"/>
+              <a:t>position:absolute</a:t>
+            </a:r>
+            <a:r>
+              <a:rPr lang="en-IN" dirty="0" smtClean="0"/>
+              <a:t>;.We will notice the element is no longer stuck to the viewport but what is it stuck to now?</a:t>
+            </a:r>
+          </a:p>
+          <a:p>
+            <a:r>
+              <a:rPr lang="en-IN" dirty="0" smtClean="0"/>
+              <a:t>For position absolute the positioning context is defined based on 2 cases:</a:t>
+            </a:r>
+          </a:p>
+          <a:p>
+            <a:pPr lvl="1"/>
+            <a:r>
+              <a:rPr lang="en-IN" dirty="0" smtClean="0"/>
+              <a:t>If none of the ancestors have the position property applied the positioning context refers to the html element</a:t>
+            </a:r>
+          </a:p>
+          <a:p>
+            <a:pPr lvl="1"/>
+            <a:r>
+              <a:rPr lang="en-IN" dirty="0" smtClean="0"/>
+              <a:t>If we have the second case that we have a positioned ancestor that ancestor is the positioning context.</a:t>
+            </a:r>
+          </a:p>
+          <a:p>
+            <a:r>
+              <a:rPr lang="en-IN" dirty="0" smtClean="0"/>
+              <a:t>So in our case it is the &lt;html&gt; element we can verify that by adding top:0 and we will notice that the badge is stuck to html element.</a:t>
+            </a:r>
+          </a:p>
+          <a:p>
+            <a:r>
+              <a:rPr lang="en-IN" dirty="0" smtClean="0"/>
+              <a:t>If we try to change it and add </a:t>
+            </a:r>
+            <a:r>
+              <a:rPr lang="en-IN" dirty="0" err="1" smtClean="0"/>
+              <a:t>position:absolute</a:t>
+            </a:r>
+            <a:r>
+              <a:rPr lang="en-IN" dirty="0" smtClean="0"/>
+              <a:t> to the .packages{} selector our badge will stick to the package but the package itself will stick to &lt;html&gt; and also the elements are removed from the document flow breaking our website</a:t>
+            </a:r>
+            <a:endParaRPr lang="en-GB" dirty="0" smtClean="0"/>
+          </a:p>
+          <a:p>
+            <a:endParaRPr lang="en-IN" dirty="0" smtClean="0"/>
+          </a:p>
+          <a:p>
+            <a:endParaRPr lang="en-GB" dirty="0"/>
+          </a:p>
+        </p:txBody>
+      </p:sp>
+    </p:spTree>
+    <p:extLst>
+      <p:ext uri="{BB962C8B-B14F-4D97-AF65-F5344CB8AC3E}">
+        <p14:creationId xmlns:p14="http://schemas.microsoft.com/office/powerpoint/2010/main" val="3670036300"/>
+      </p:ext>
+    </p:extLst>
+  </p:cSld>
+  <p:clrMapOvr>
+    <a:masterClrMapping/>
+  </p:clrMapOvr>
+</p:sld>
+</file>
+
+<file path=ppt/slides/slide102.xml><?xml version="1.0" encoding="utf-8"?>
+<p:sld xmlns:a="http://schemas.openxmlformats.org/drawingml/2006/main" xmlns:r="http://schemas.openxmlformats.org/officeDocument/2006/relationships" xmlns:p="http://schemas.openxmlformats.org/presentationml/2006/main">
+  <p:cSld>
+    <p:spTree>
+      <p:nvGrpSpPr>
+        <p:cNvPr id="1" name=""/>
+        <p:cNvGrpSpPr/>
+        <p:nvPr/>
+      </p:nvGrpSpPr>
+      <p:grpSpPr>
+        <a:xfrm>
+          <a:off x="0" y="0"/>
+          <a:ext cx="0" cy="0"/>
+          <a:chOff x="0" y="0"/>
+          <a:chExt cx="0" cy="0"/>
+        </a:xfrm>
+      </p:grpSpPr>
+      <p:sp>
+        <p:nvSpPr>
+          <p:cNvPr id="2" name="Title 1"/>
+          <p:cNvSpPr>
+            <a:spLocks noGrp="1"/>
+          </p:cNvSpPr>
+          <p:nvPr>
+            <p:ph type="title"/>
+          </p:nvPr>
+        </p:nvSpPr>
+        <p:spPr>
+          <a:xfrm>
+            <a:off x="833197" y="121227"/>
+            <a:ext cx="11178693" cy="564573"/>
+          </a:xfrm>
+        </p:spPr>
+        <p:txBody>
+          <a:bodyPr>
+            <a:normAutofit fontScale="90000"/>
+          </a:bodyPr>
+          <a:lstStyle/>
+          <a:p>
+            <a:r>
+              <a:rPr lang="en-IN" dirty="0"/>
+              <a:t>Adding a </a:t>
+            </a:r>
+            <a:r>
+              <a:rPr lang="en-IN" dirty="0" smtClean="0"/>
+              <a:t>Recommended Badge </a:t>
+            </a:r>
+            <a:r>
+              <a:rPr lang="en-IN" dirty="0"/>
+              <a:t>to </a:t>
+            </a:r>
+            <a:r>
+              <a:rPr lang="en-IN" dirty="0" smtClean="0"/>
+              <a:t>our Plus </a:t>
+            </a:r>
+            <a:r>
+              <a:rPr lang="en-IN" dirty="0"/>
+              <a:t>Package</a:t>
+            </a:r>
+            <a:endParaRPr lang="en-GB" dirty="0"/>
+          </a:p>
+        </p:txBody>
+      </p:sp>
+      <p:sp>
+        <p:nvSpPr>
+          <p:cNvPr id="3" name="Content Placeholder 2"/>
+          <p:cNvSpPr>
+            <a:spLocks noGrp="1"/>
+          </p:cNvSpPr>
+          <p:nvPr>
+            <p:ph idx="1"/>
+          </p:nvPr>
+        </p:nvSpPr>
+        <p:spPr>
+          <a:xfrm>
+            <a:off x="259773" y="872836"/>
+            <a:ext cx="11378045" cy="5777345"/>
+          </a:xfrm>
+        </p:spPr>
+        <p:txBody>
+          <a:bodyPr>
+            <a:normAutofit lnSpcReduction="10000"/>
+          </a:bodyPr>
+          <a:lstStyle/>
+          <a:p>
+            <a:r>
+              <a:rPr lang="en-IN" dirty="0" smtClean="0"/>
+              <a:t>Lets try another value for </a:t>
+            </a:r>
+            <a:r>
+              <a:rPr lang="en-IN" dirty="0" err="1" smtClean="0"/>
+              <a:t>position:relative</a:t>
+            </a:r>
+            <a:r>
+              <a:rPr lang="en-IN" dirty="0" smtClean="0"/>
+              <a:t> for packages</a:t>
+            </a:r>
+          </a:p>
+          <a:p>
+            <a:r>
+              <a:rPr lang="en-IN" dirty="0" smtClean="0"/>
+              <a:t>We will notice that now our website doesn’t crash .Package class is  not taken out of document flow and now since the badge has </a:t>
+            </a:r>
+            <a:r>
+              <a:rPr lang="en-IN" dirty="0" err="1" smtClean="0"/>
+              <a:t>position:absolute</a:t>
+            </a:r>
+            <a:r>
+              <a:rPr lang="en-IN" dirty="0" smtClean="0"/>
+              <a:t> and it has a positioned ancestor the positioning context now is packages for the badge.</a:t>
+            </a:r>
+          </a:p>
+          <a:p>
+            <a:r>
+              <a:rPr lang="en-IN" dirty="0" smtClean="0"/>
+              <a:t>So till now we learnt that fixed and absolute are quiet comparable both take the elements out of document flow.</a:t>
+            </a:r>
+          </a:p>
+          <a:p>
+            <a:r>
+              <a:rPr lang="en-IN" dirty="0" smtClean="0"/>
+              <a:t>For fixed the positioning context is always the viewport and for absolute it is either &lt;html&gt; if there is not positioned ancestor or the positioned ancestor is one exists.</a:t>
+            </a:r>
+          </a:p>
+          <a:p>
+            <a:r>
+              <a:rPr lang="en-IN" dirty="0" smtClean="0"/>
+              <a:t>The relative position doesn’t take the element out of document </a:t>
+            </a:r>
+            <a:r>
+              <a:rPr lang="en-IN" dirty="0" err="1" smtClean="0"/>
+              <a:t>flow.We</a:t>
+            </a:r>
+            <a:r>
+              <a:rPr lang="en-IN" dirty="0" smtClean="0"/>
+              <a:t> will dive deeper into relative positioning in upcoming slides.</a:t>
+            </a:r>
+          </a:p>
+          <a:p>
+            <a:r>
+              <a:rPr lang="en-IN" dirty="0" smtClean="0"/>
+              <a:t>Now our badge is inside the plus package box lets first style its appearance then work on its position .</a:t>
+            </a:r>
+          </a:p>
+          <a:p>
+            <a:r>
+              <a:rPr lang="en-IN" dirty="0" smtClean="0"/>
+              <a:t>Lets change the font-size:12px,color:white ,background:#ff5454; padding:8px;</a:t>
+            </a:r>
+          </a:p>
+          <a:p>
+            <a:r>
+              <a:rPr lang="en-IN" dirty="0" smtClean="0"/>
+              <a:t>Now we know that the positioning context is the package so lets position the badge inside it we need to move it to top right but not stick it to the edge so lets change top:0;,remove left and add right:0; but to keep it a bit away from edges lets add a mergin:20px;</a:t>
+            </a:r>
+          </a:p>
+          <a:p>
+            <a:r>
+              <a:rPr lang="en-IN" dirty="0" smtClean="0"/>
+              <a:t>We now have the badge positioned correctly but we will notice that when we scroll the packages are above the navigation bar now to fix that we move the navigation bar up in the z-axis by adding z-index:1 to .main-header{} selector in shared.css</a:t>
+            </a:r>
+            <a:endParaRPr lang="en-GB" dirty="0" smtClean="0"/>
+          </a:p>
+          <a:p>
+            <a:endParaRPr lang="en-IN" dirty="0" smtClean="0"/>
+          </a:p>
+          <a:p>
+            <a:endParaRPr lang="en-GB" dirty="0"/>
+          </a:p>
+        </p:txBody>
+      </p:sp>
+    </p:spTree>
+    <p:extLst>
+      <p:ext uri="{BB962C8B-B14F-4D97-AF65-F5344CB8AC3E}">
+        <p14:creationId xmlns:p14="http://schemas.microsoft.com/office/powerpoint/2010/main" val="4037256819"/>
+      </p:ext>
+    </p:extLst>
+  </p:cSld>
+  <p:clrMapOvr>
+    <a:masterClrMapping/>
+  </p:clrMapOvr>
+</p:sld>
+</file>
+
+<file path=ppt/slides/slide103.xml><?xml version="1.0" encoding="utf-8"?>
 <p:sld xmlns:a="http://schemas.openxmlformats.org/drawingml/2006/main" xmlns:r="http://schemas.openxmlformats.org/officeDocument/2006/relationships" xmlns:p="http://schemas.openxmlformats.org/presentationml/2006/main" showMasterSp="0">
   <p:cSld>
     <p:spTree>

--- a/PPT/Css-v6.pptx
+++ b/PPT/Css-v6.pptx
@@ -5,7 +5,7 @@
     <p:sldMasterId id="2147483660" r:id="rId1"/>
   </p:sldMasterIdLst>
   <p:notesMasterIdLst>
-    <p:notesMasterId r:id="rId105"/>
+    <p:notesMasterId r:id="rId106"/>
   </p:notesMasterIdLst>
   <p:sldIdLst>
     <p:sldId id="256" r:id="rId2"/>
@@ -110,7 +110,8 @@
     <p:sldId id="463" r:id="rId101"/>
     <p:sldId id="464" r:id="rId102"/>
     <p:sldId id="465" r:id="rId103"/>
-    <p:sldId id="268" r:id="rId104"/>
+    <p:sldId id="466" r:id="rId104"/>
+    <p:sldId id="268" r:id="rId105"/>
   </p:sldIdLst>
   <p:sldSz cx="12192000" cy="6858000"/>
   <p:notesSz cx="6858000" cy="9144000"/>
@@ -6882,6 +6883,125 @@
     <p:extLst>
       <p:ext uri="{BB962C8B-B14F-4D97-AF65-F5344CB8AC3E}">
         <p14:creationId xmlns:p14="http://schemas.microsoft.com/office/powerpoint/2010/main" val="4170409297"/>
+      </p:ext>
+    </p:extLst>
+  </p:cSld>
+  <p:clrMapOvr>
+    <a:masterClrMapping/>
+  </p:clrMapOvr>
+</p:notes>
+</file>
+
+<file path=ppt/notesSlides/notesSlide57.xml><?xml version="1.0" encoding="utf-8"?>
+<p:notes xmlns:a="http://schemas.openxmlformats.org/drawingml/2006/main" xmlns:r="http://schemas.openxmlformats.org/officeDocument/2006/relationships" xmlns:p="http://schemas.openxmlformats.org/presentationml/2006/main">
+  <p:cSld>
+    <p:spTree>
+      <p:nvGrpSpPr>
+        <p:cNvPr id="1" name=""/>
+        <p:cNvGrpSpPr/>
+        <p:nvPr/>
+      </p:nvGrpSpPr>
+      <p:grpSpPr>
+        <a:xfrm>
+          <a:off x="0" y="0"/>
+          <a:ext cx="0" cy="0"/>
+          <a:chOff x="0" y="0"/>
+          <a:chExt cx="0" cy="0"/>
+        </a:xfrm>
+      </p:grpSpPr>
+      <p:sp>
+        <p:nvSpPr>
+          <p:cNvPr id="2" name="Slide Image Placeholder 1"/>
+          <p:cNvSpPr>
+            <a:spLocks noGrp="1" noRot="1" noChangeAspect="1"/>
+          </p:cNvSpPr>
+          <p:nvPr>
+            <p:ph type="sldImg"/>
+          </p:nvPr>
+        </p:nvSpPr>
+        <p:spPr/>
+      </p:sp>
+      <p:sp>
+        <p:nvSpPr>
+          <p:cNvPr id="3" name="Notes Placeholder 2"/>
+          <p:cNvSpPr>
+            <a:spLocks noGrp="1"/>
+          </p:cNvSpPr>
+          <p:nvPr>
+            <p:ph type="body" idx="1"/>
+          </p:nvPr>
+        </p:nvSpPr>
+        <p:spPr/>
+        <p:txBody>
+          <a:bodyPr/>
+          <a:lstStyle/>
+          <a:p>
+            <a:r>
+              <a:rPr lang="en-IN" dirty="0" smtClean="0"/>
+              <a:t>Branch :</a:t>
+            </a:r>
+            <a:r>
+              <a:rPr lang="en-IN" sz="1200" kern="1200" dirty="0" smtClean="0">
+                <a:solidFill>
+                  <a:schemeClr val="tx1"/>
+                </a:solidFill>
+                <a:latin typeface="+mn-lt"/>
+                <a:ea typeface="+mn-ea"/>
+                <a:cs typeface="+mn-cs"/>
+              </a:rPr>
+              <a:t>Positioning</a:t>
+            </a:r>
+            <a:endParaRPr lang="en-IN" dirty="0" smtClean="0"/>
+          </a:p>
+          <a:p>
+            <a:r>
+              <a:rPr lang="en-IN" dirty="0" smtClean="0"/>
+              <a:t>Commit : </a:t>
+            </a:r>
+            <a:r>
+              <a:rPr lang="en-IN" dirty="0" err="1" smtClean="0"/>
+              <a:t>RelativePositioning</a:t>
+            </a:r>
+            <a:endParaRPr lang="en-IN" dirty="0" smtClean="0"/>
+          </a:p>
+          <a:p>
+            <a:endParaRPr lang="en-GB" dirty="0" smtClean="0"/>
+          </a:p>
+          <a:p>
+            <a:endParaRPr lang="en-GB" dirty="0" smtClean="0"/>
+          </a:p>
+          <a:p>
+            <a:endParaRPr lang="en-GB" dirty="0"/>
+          </a:p>
+        </p:txBody>
+      </p:sp>
+      <p:sp>
+        <p:nvSpPr>
+          <p:cNvPr id="4" name="Slide Number Placeholder 3"/>
+          <p:cNvSpPr>
+            <a:spLocks noGrp="1"/>
+          </p:cNvSpPr>
+          <p:nvPr>
+            <p:ph type="sldNum" sz="quarter" idx="10"/>
+          </p:nvPr>
+        </p:nvSpPr>
+        <p:spPr/>
+        <p:txBody>
+          <a:bodyPr/>
+          <a:lstStyle/>
+          <a:p>
+            <a:fld id="{D3B79ED6-4970-4D84-B25C-F520A9D9210C}" type="slidenum">
+              <a:rPr lang="en-GB" smtClean="0"/>
+              <a:t>103</a:t>
+            </a:fld>
+            <a:endParaRPr lang="en-GB"/>
+          </a:p>
+        </p:txBody>
+      </p:sp>
+    </p:spTree>
+    <p:extLst>
+      <p:ext uri="{BB962C8B-B14F-4D97-AF65-F5344CB8AC3E}">
+        <p14:creationId xmlns:p14="http://schemas.microsoft.com/office/powerpoint/2010/main" val="3645705782"/>
       </p:ext>
     </p:extLst>
   </p:cSld>
@@ -14142,6 +14262,271 @@
 </file>
 
 <file path=ppt/slides/slide103.xml><?xml version="1.0" encoding="utf-8"?>
+<p:sld xmlns:a="http://schemas.openxmlformats.org/drawingml/2006/main" xmlns:r="http://schemas.openxmlformats.org/officeDocument/2006/relationships" xmlns:p="http://schemas.openxmlformats.org/presentationml/2006/main">
+  <p:cSld>
+    <p:spTree>
+      <p:nvGrpSpPr>
+        <p:cNvPr id="1" name=""/>
+        <p:cNvGrpSpPr/>
+        <p:nvPr/>
+      </p:nvGrpSpPr>
+      <p:grpSpPr>
+        <a:xfrm>
+          <a:off x="0" y="0"/>
+          <a:ext cx="0" cy="0"/>
+          <a:chOff x="0" y="0"/>
+          <a:chExt cx="0" cy="0"/>
+        </a:xfrm>
+      </p:grpSpPr>
+      <p:sp>
+        <p:nvSpPr>
+          <p:cNvPr id="2" name="Title 1"/>
+          <p:cNvSpPr>
+            <a:spLocks noGrp="1"/>
+          </p:cNvSpPr>
+          <p:nvPr>
+            <p:ph type="title"/>
+          </p:nvPr>
+        </p:nvSpPr>
+        <p:spPr>
+          <a:xfrm>
+            <a:off x="531862" y="0"/>
+            <a:ext cx="8596668" cy="585355"/>
+          </a:xfrm>
+        </p:spPr>
+        <p:txBody>
+          <a:bodyPr>
+            <a:normAutofit fontScale="90000"/>
+          </a:bodyPr>
+          <a:lstStyle/>
+          <a:p>
+            <a:r>
+              <a:rPr lang="en-IN" dirty="0"/>
+              <a:t>Diving Deeper into Relative Positioning</a:t>
+            </a:r>
+            <a:endParaRPr lang="en-GB" dirty="0"/>
+          </a:p>
+        </p:txBody>
+      </p:sp>
+      <p:sp>
+        <p:nvSpPr>
+          <p:cNvPr id="3" name="Content Placeholder 2"/>
+          <p:cNvSpPr>
+            <a:spLocks noGrp="1"/>
+          </p:cNvSpPr>
+          <p:nvPr>
+            <p:ph idx="1"/>
+          </p:nvPr>
+        </p:nvSpPr>
+        <p:spPr>
+          <a:xfrm>
+            <a:off x="207817" y="696191"/>
+            <a:ext cx="11668991" cy="5777345"/>
+          </a:xfrm>
+        </p:spPr>
+        <p:txBody>
+          <a:bodyPr>
+            <a:normAutofit fontScale="92500" lnSpcReduction="10000"/>
+          </a:bodyPr>
+          <a:lstStyle/>
+          <a:p>
+            <a:r>
+              <a:rPr lang="en-IN" dirty="0" smtClean="0"/>
+              <a:t>For a better understanding of relative positioning I have again changed the code to the same simple page we used to study the fixed value.</a:t>
+            </a:r>
+          </a:p>
+          <a:p>
+            <a:r>
+              <a:rPr lang="en-IN" dirty="0" smtClean="0"/>
+              <a:t>Just for a recap about what the code was </a:t>
+            </a:r>
+            <a:r>
+              <a:rPr lang="en-GB" dirty="0" smtClean="0"/>
+              <a:t>, the </a:t>
+            </a:r>
+            <a:r>
+              <a:rPr lang="en-GB" dirty="0"/>
+              <a:t>index.html contains 3&lt;div&gt; tags representing a navigation </a:t>
+            </a:r>
+            <a:r>
+              <a:rPr lang="en-GB" dirty="0" smtClean="0"/>
+              <a:t>bar , a background </a:t>
+            </a:r>
+            <a:r>
+              <a:rPr lang="en-GB" dirty="0"/>
+              <a:t>image </a:t>
+            </a:r>
+            <a:r>
+              <a:rPr lang="en-GB" dirty="0" smtClean="0"/>
+              <a:t>and a </a:t>
+            </a:r>
+            <a:r>
+              <a:rPr lang="en-GB" dirty="0"/>
+              <a:t>Features inside a parent &lt;div&gt;</a:t>
+            </a:r>
+          </a:p>
+          <a:p>
+            <a:r>
+              <a:rPr lang="en-GB" dirty="0"/>
+              <a:t>In our </a:t>
+            </a:r>
+            <a:r>
+              <a:rPr lang="en-GB" dirty="0" err="1"/>
+              <a:t>css</a:t>
+            </a:r>
+            <a:r>
+              <a:rPr lang="en-GB" dirty="0"/>
+              <a:t> I have just </a:t>
+            </a:r>
+            <a:r>
+              <a:rPr lang="en-IN" dirty="0"/>
+              <a:t>added a few basic styles like margin ,</a:t>
+            </a:r>
+            <a:r>
+              <a:rPr lang="en-IN" dirty="0" smtClean="0"/>
+              <a:t>padding , border </a:t>
+            </a:r>
+            <a:r>
+              <a:rPr lang="en-IN" dirty="0"/>
+              <a:t>background , </a:t>
+            </a:r>
+            <a:r>
+              <a:rPr lang="en-IN" dirty="0" smtClean="0"/>
+              <a:t>colour etc. </a:t>
+            </a:r>
+            <a:r>
+              <a:rPr lang="en-IN" dirty="0"/>
+              <a:t>to all the </a:t>
+            </a:r>
+            <a:r>
+              <a:rPr lang="en-IN" dirty="0" smtClean="0"/>
+              <a:t>elements. You </a:t>
+            </a:r>
+            <a:r>
+              <a:rPr lang="en-IN" dirty="0"/>
+              <a:t>will notice that I have a  height also for the html element  that is only to get a scroll bar on the page .Also notice I also have a margin around my html element </a:t>
+            </a:r>
+            <a:r>
+              <a:rPr lang="en-IN" dirty="0" smtClean="0"/>
+              <a:t>too</a:t>
+            </a:r>
+          </a:p>
+          <a:p>
+            <a:r>
+              <a:rPr lang="en-IN" dirty="0" smtClean="0"/>
+              <a:t>So lets start by adding a </a:t>
+            </a:r>
+            <a:r>
+              <a:rPr lang="en-IN" dirty="0" err="1" smtClean="0"/>
+              <a:t>position:relative</a:t>
+            </a:r>
+            <a:r>
+              <a:rPr lang="en-IN" dirty="0" smtClean="0"/>
+              <a:t> to our navigation bar </a:t>
+            </a:r>
+            <a:r>
+              <a:rPr lang="en-IN" dirty="0" err="1" smtClean="0"/>
+              <a:t>i.e</a:t>
+            </a:r>
+            <a:r>
+              <a:rPr lang="en-IN" dirty="0" smtClean="0"/>
+              <a:t>  .parent .child-1{} class selector</a:t>
+            </a:r>
+          </a:p>
+          <a:p>
+            <a:r>
+              <a:rPr lang="en-IN" dirty="0" smtClean="0"/>
+              <a:t>We will notice that nothing changes but now we can change the positioning context of other elements </a:t>
+            </a:r>
+            <a:r>
+              <a:rPr lang="en-IN" dirty="0" err="1" smtClean="0"/>
+              <a:t>i.e</a:t>
+            </a:r>
+            <a:r>
+              <a:rPr lang="en-IN" dirty="0" smtClean="0"/>
+              <a:t> children of this element but since this has no children here nothing much can be done.</a:t>
+            </a:r>
+          </a:p>
+          <a:p>
+            <a:r>
+              <a:rPr lang="en-IN" dirty="0" smtClean="0"/>
+              <a:t>Lets add top:50px and left:50px to </a:t>
+            </a:r>
+            <a:r>
+              <a:rPr lang="en-IN" dirty="0" err="1" smtClean="0"/>
+              <a:t>it.we</a:t>
+            </a:r>
+            <a:r>
+              <a:rPr lang="en-IN" dirty="0" smtClean="0"/>
+              <a:t> will notice that the element moved but what is the positioning context for this element ? For relative positioning the element itself acts as a positioning context so it moved relative to its original </a:t>
+            </a:r>
+            <a:r>
+              <a:rPr lang="en-IN" dirty="0" err="1" smtClean="0"/>
+              <a:t>position.So</a:t>
+            </a:r>
+            <a:r>
+              <a:rPr lang="en-IN" dirty="0" smtClean="0"/>
+              <a:t> we pushed the element 50px from top and 50px from the left from its initial position.</a:t>
+            </a:r>
+          </a:p>
+          <a:p>
+            <a:r>
+              <a:rPr lang="en-IN" dirty="0" smtClean="0"/>
+              <a:t>Now lets change the top:300px.We will notice that the element moved out of the surrounding &lt;div&gt; </a:t>
+            </a:r>
+            <a:r>
+              <a:rPr lang="en-IN" dirty="0" err="1" smtClean="0"/>
+              <a:t>i.e</a:t>
+            </a:r>
+            <a:r>
+              <a:rPr lang="en-IN" dirty="0" smtClean="0"/>
+              <a:t> we moved the navigation bar out of its </a:t>
+            </a:r>
+            <a:r>
+              <a:rPr lang="en-IN" dirty="0" err="1" smtClean="0"/>
+              <a:t>parent.sometimes</a:t>
+            </a:r>
+            <a:r>
+              <a:rPr lang="en-IN" dirty="0" smtClean="0"/>
+              <a:t> we might want this behaviour but sometimes we </a:t>
+            </a:r>
+            <a:r>
+              <a:rPr lang="en-IN" dirty="0" err="1" smtClean="0"/>
+              <a:t>wont,we</a:t>
+            </a:r>
+            <a:r>
+              <a:rPr lang="en-IN" dirty="0" smtClean="0"/>
+              <a:t> might want that although we are able to move it but it should not leave its parent element or it should not be visible if it leaves its parent element.</a:t>
+            </a:r>
+          </a:p>
+          <a:p>
+            <a:r>
+              <a:rPr lang="en-IN" dirty="0" smtClean="0"/>
+              <a:t>We will study about how this is solved and also about a problem that might occur depending upon the type of the parent element in upcoming slides</a:t>
+            </a:r>
+          </a:p>
+          <a:p>
+            <a:endParaRPr lang="en-IN" dirty="0"/>
+          </a:p>
+          <a:p>
+            <a:endParaRPr lang="en-GB" dirty="0"/>
+          </a:p>
+        </p:txBody>
+      </p:sp>
+    </p:spTree>
+    <p:extLst>
+      <p:ext uri="{BB962C8B-B14F-4D97-AF65-F5344CB8AC3E}">
+        <p14:creationId xmlns:p14="http://schemas.microsoft.com/office/powerpoint/2010/main" val="183925348"/>
+      </p:ext>
+    </p:extLst>
+  </p:cSld>
+  <p:clrMapOvr>
+    <a:masterClrMapping/>
+  </p:clrMapOvr>
+</p:sld>
+</file>
+
+<file path=ppt/slides/slide104.xml><?xml version="1.0" encoding="utf-8"?>
 <p:sld xmlns:a="http://schemas.openxmlformats.org/drawingml/2006/main" xmlns:r="http://schemas.openxmlformats.org/officeDocument/2006/relationships" xmlns:p="http://schemas.openxmlformats.org/presentationml/2006/main" showMasterSp="0">
   <p:cSld>
     <p:spTree>

--- a/PPT/Css-v6.pptx
+++ b/PPT/Css-v6.pptx
@@ -5,7 +5,7 @@
     <p:sldMasterId id="2147483660" r:id="rId1"/>
   </p:sldMasterIdLst>
   <p:notesMasterIdLst>
-    <p:notesMasterId r:id="rId106"/>
+    <p:notesMasterId r:id="rId107"/>
   </p:notesMasterIdLst>
   <p:sldIdLst>
     <p:sldId id="256" r:id="rId2"/>
@@ -111,7 +111,8 @@
     <p:sldId id="464" r:id="rId102"/>
     <p:sldId id="465" r:id="rId103"/>
     <p:sldId id="466" r:id="rId104"/>
-    <p:sldId id="268" r:id="rId105"/>
+    <p:sldId id="467" r:id="rId105"/>
+    <p:sldId id="268" r:id="rId106"/>
   </p:sldIdLst>
   <p:sldSz cx="12192000" cy="6858000"/>
   <p:notesSz cx="6858000" cy="9144000"/>
@@ -7002,6 +7003,114 @@
     <p:extLst>
       <p:ext uri="{BB962C8B-B14F-4D97-AF65-F5344CB8AC3E}">
         <p14:creationId xmlns:p14="http://schemas.microsoft.com/office/powerpoint/2010/main" val="3645705782"/>
+      </p:ext>
+    </p:extLst>
+  </p:cSld>
+  <p:clrMapOvr>
+    <a:masterClrMapping/>
+  </p:clrMapOvr>
+</p:notes>
+</file>
+
+<file path=ppt/notesSlides/notesSlide58.xml><?xml version="1.0" encoding="utf-8"?>
+<p:notes xmlns:a="http://schemas.openxmlformats.org/drawingml/2006/main" xmlns:r="http://schemas.openxmlformats.org/officeDocument/2006/relationships" xmlns:p="http://schemas.openxmlformats.org/presentationml/2006/main">
+  <p:cSld>
+    <p:spTree>
+      <p:nvGrpSpPr>
+        <p:cNvPr id="1" name=""/>
+        <p:cNvGrpSpPr/>
+        <p:nvPr/>
+      </p:nvGrpSpPr>
+      <p:grpSpPr>
+        <a:xfrm>
+          <a:off x="0" y="0"/>
+          <a:ext cx="0" cy="0"/>
+          <a:chOff x="0" y="0"/>
+          <a:chExt cx="0" cy="0"/>
+        </a:xfrm>
+      </p:grpSpPr>
+      <p:sp>
+        <p:nvSpPr>
+          <p:cNvPr id="2" name="Slide Image Placeholder 1"/>
+          <p:cNvSpPr>
+            <a:spLocks noGrp="1" noRot="1" noChangeAspect="1"/>
+          </p:cNvSpPr>
+          <p:nvPr>
+            <p:ph type="sldImg"/>
+          </p:nvPr>
+        </p:nvSpPr>
+        <p:spPr/>
+      </p:sp>
+      <p:sp>
+        <p:nvSpPr>
+          <p:cNvPr id="3" name="Notes Placeholder 2"/>
+          <p:cNvSpPr>
+            <a:spLocks noGrp="1"/>
+          </p:cNvSpPr>
+          <p:nvPr>
+            <p:ph type="body" idx="1"/>
+          </p:nvPr>
+        </p:nvSpPr>
+        <p:spPr/>
+        <p:txBody>
+          <a:bodyPr/>
+          <a:lstStyle/>
+          <a:p>
+            <a:r>
+              <a:rPr lang="en-IN" dirty="0" smtClean="0"/>
+              <a:t>Branch :</a:t>
+            </a:r>
+            <a:r>
+              <a:rPr lang="en-IN" sz="1200" kern="1200" dirty="0" smtClean="0">
+                <a:solidFill>
+                  <a:schemeClr val="tx1"/>
+                </a:solidFill>
+                <a:latin typeface="+mn-lt"/>
+                <a:ea typeface="+mn-ea"/>
+                <a:cs typeface="+mn-cs"/>
+              </a:rPr>
+              <a:t>Positioning</a:t>
+            </a:r>
+            <a:endParaRPr lang="en-IN" dirty="0" smtClean="0"/>
+          </a:p>
+          <a:p>
+            <a:r>
+              <a:rPr lang="en-IN" dirty="0" smtClean="0"/>
+              <a:t>Commit : Overflow</a:t>
+            </a:r>
+          </a:p>
+          <a:p>
+            <a:endParaRPr lang="en-GB" dirty="0"/>
+          </a:p>
+        </p:txBody>
+      </p:sp>
+      <p:sp>
+        <p:nvSpPr>
+          <p:cNvPr id="4" name="Slide Number Placeholder 3"/>
+          <p:cNvSpPr>
+            <a:spLocks noGrp="1"/>
+          </p:cNvSpPr>
+          <p:nvPr>
+            <p:ph type="sldNum" sz="quarter" idx="10"/>
+          </p:nvPr>
+        </p:nvSpPr>
+        <p:spPr/>
+        <p:txBody>
+          <a:bodyPr/>
+          <a:lstStyle/>
+          <a:p>
+            <a:fld id="{D3B79ED6-4970-4D84-B25C-F520A9D9210C}" type="slidenum">
+              <a:rPr lang="en-GB" smtClean="0"/>
+              <a:t>104</a:t>
+            </a:fld>
+            <a:endParaRPr lang="en-GB"/>
+          </a:p>
+        </p:txBody>
+      </p:sp>
+    </p:spTree>
+    <p:extLst>
+      <p:ext uri="{BB962C8B-B14F-4D97-AF65-F5344CB8AC3E}">
+        <p14:creationId xmlns:p14="http://schemas.microsoft.com/office/powerpoint/2010/main" val="139530118"/>
       </p:ext>
     </p:extLst>
   </p:cSld>
@@ -14527,6 +14636,234 @@
 </file>
 
 <file path=ppt/slides/slide104.xml><?xml version="1.0" encoding="utf-8"?>
+<p:sld xmlns:a="http://schemas.openxmlformats.org/drawingml/2006/main" xmlns:r="http://schemas.openxmlformats.org/officeDocument/2006/relationships" xmlns:p="http://schemas.openxmlformats.org/presentationml/2006/main">
+  <p:cSld>
+    <p:spTree>
+      <p:nvGrpSpPr>
+        <p:cNvPr id="1" name=""/>
+        <p:cNvGrpSpPr/>
+        <p:nvPr/>
+      </p:nvGrpSpPr>
+      <p:grpSpPr>
+        <a:xfrm>
+          <a:off x="0" y="0"/>
+          <a:ext cx="0" cy="0"/>
+          <a:chOff x="0" y="0"/>
+          <a:chExt cx="0" cy="0"/>
+        </a:xfrm>
+      </p:grpSpPr>
+      <p:sp>
+        <p:nvSpPr>
+          <p:cNvPr id="2" name="Title 1"/>
+          <p:cNvSpPr>
+            <a:spLocks noGrp="1"/>
+          </p:cNvSpPr>
+          <p:nvPr>
+            <p:ph type="title"/>
+          </p:nvPr>
+        </p:nvSpPr>
+        <p:spPr>
+          <a:xfrm>
+            <a:off x="438343" y="100445"/>
+            <a:ext cx="10181166" cy="585355"/>
+          </a:xfrm>
+        </p:spPr>
+        <p:txBody>
+          <a:bodyPr>
+            <a:normAutofit fontScale="90000"/>
+          </a:bodyPr>
+          <a:lstStyle/>
+          <a:p>
+            <a:r>
+              <a:rPr lang="en-IN" dirty="0"/>
+              <a:t>Working with "overflow" and Relative Positioning</a:t>
+            </a:r>
+            <a:endParaRPr lang="en-GB" dirty="0"/>
+          </a:p>
+        </p:txBody>
+      </p:sp>
+      <p:sp>
+        <p:nvSpPr>
+          <p:cNvPr id="3" name="Content Placeholder 2"/>
+          <p:cNvSpPr>
+            <a:spLocks noGrp="1"/>
+          </p:cNvSpPr>
+          <p:nvPr>
+            <p:ph idx="1"/>
+          </p:nvPr>
+        </p:nvSpPr>
+        <p:spPr>
+          <a:xfrm>
+            <a:off x="218209" y="955965"/>
+            <a:ext cx="11170227" cy="5642262"/>
+          </a:xfrm>
+        </p:spPr>
+        <p:txBody>
+          <a:bodyPr/>
+          <a:lstStyle/>
+          <a:p>
+            <a:r>
+              <a:rPr lang="en-IN" dirty="0" smtClean="0"/>
+              <a:t>Now if we want to avoid the behaviour that the child element is moving out of the parent element we can go top the selector for parent </a:t>
+            </a:r>
+            <a:r>
+              <a:rPr lang="en-IN" dirty="0" err="1" smtClean="0"/>
+              <a:t>i.e</a:t>
+            </a:r>
+            <a:r>
+              <a:rPr lang="en-IN" dirty="0" smtClean="0"/>
+              <a:t> .parent{ } and add </a:t>
+            </a:r>
+            <a:r>
+              <a:rPr lang="en-IN" dirty="0" err="1" smtClean="0"/>
+              <a:t>overflow:hidden</a:t>
+            </a:r>
+            <a:r>
+              <a:rPr lang="en-IN" dirty="0" smtClean="0"/>
+              <a:t>;</a:t>
+            </a:r>
+          </a:p>
+          <a:p>
+            <a:r>
+              <a:rPr lang="en-IN" dirty="0" smtClean="0"/>
+              <a:t>The value hidden fore overflow hides the element as soon as it goes out of the parent.</a:t>
+            </a:r>
+          </a:p>
+          <a:p>
+            <a:r>
+              <a:rPr lang="en-IN" dirty="0" smtClean="0"/>
+              <a:t>Now lets remove the selector for </a:t>
+            </a:r>
+            <a:r>
+              <a:rPr lang="en-IN" dirty="0" err="1" smtClean="0"/>
+              <a:t>nav</a:t>
+            </a:r>
+            <a:r>
+              <a:rPr lang="en-IN" dirty="0" smtClean="0"/>
+              <a:t> bar and also the overflow property from the parent selector and add a position :relative to the parent.</a:t>
+            </a:r>
+          </a:p>
+          <a:p>
+            <a:r>
+              <a:rPr lang="en-IN" dirty="0" smtClean="0"/>
+              <a:t>So now our parent is the relatively positioned element lets add a top:500px to it we will notice it moves out of the parent </a:t>
+            </a:r>
+            <a:r>
+              <a:rPr lang="en-IN" dirty="0" err="1" smtClean="0"/>
+              <a:t>i.e</a:t>
+            </a:r>
+            <a:r>
+              <a:rPr lang="en-IN" dirty="0" smtClean="0"/>
+              <a:t> &lt;body&gt; in this case but we know how to fix that we go to the selector for body and add </a:t>
+            </a:r>
+            <a:r>
+              <a:rPr lang="en-IN" dirty="0" err="1" smtClean="0"/>
+              <a:t>overflow:hidden</a:t>
+            </a:r>
+            <a:r>
+              <a:rPr lang="en-IN" dirty="0" smtClean="0"/>
+              <a:t>;</a:t>
+            </a:r>
+          </a:p>
+          <a:p>
+            <a:r>
+              <a:rPr lang="en-IN" dirty="0" smtClean="0"/>
+              <a:t>We will notice that nothing changes this is the problem I </a:t>
+            </a:r>
+            <a:r>
+              <a:rPr lang="en-IN" dirty="0" err="1" smtClean="0"/>
+              <a:t>reffered</a:t>
+            </a:r>
+            <a:r>
+              <a:rPr lang="en-IN" dirty="0" smtClean="0"/>
+              <a:t> to on previous slide this </a:t>
+            </a:r>
+            <a:r>
+              <a:rPr lang="en-IN" dirty="0" err="1" smtClean="0"/>
+              <a:t>isbecause</a:t>
+            </a:r>
+            <a:r>
+              <a:rPr lang="en-IN" dirty="0" smtClean="0"/>
+              <a:t> of a default behaviour of </a:t>
+            </a:r>
+            <a:r>
+              <a:rPr lang="en-IN" dirty="0" err="1" smtClean="0"/>
+              <a:t>css</a:t>
+            </a:r>
+            <a:r>
+              <a:rPr lang="en-IN" dirty="0" smtClean="0"/>
+              <a:t> if we add overflow :hidden to the body it simply passes it on to the &lt;html&gt; element and removed from body so the situation we have is that actually &lt;html&gt; has </a:t>
+            </a:r>
+            <a:r>
+              <a:rPr lang="en-IN" dirty="0" err="1" smtClean="0"/>
+              <a:t>overflow:hidden</a:t>
+            </a:r>
+            <a:r>
+              <a:rPr lang="en-IN" dirty="0" smtClean="0"/>
+              <a:t> but body doesn’t although we added it to body but due to </a:t>
+            </a:r>
+            <a:r>
+              <a:rPr lang="en-IN" dirty="0" err="1" smtClean="0"/>
+              <a:t>css</a:t>
+            </a:r>
+            <a:r>
+              <a:rPr lang="en-IN" dirty="0" smtClean="0"/>
+              <a:t> default behaviour it was passed on to &lt;html&gt;.</a:t>
+            </a:r>
+          </a:p>
+          <a:p>
+            <a:r>
+              <a:rPr lang="en-IN" dirty="0" smtClean="0"/>
+              <a:t>We although do have a trick to fix that  simply add </a:t>
+            </a:r>
+            <a:r>
+              <a:rPr lang="en-IN" dirty="0" err="1" smtClean="0"/>
+              <a:t>overflow:hidden</a:t>
+            </a:r>
+            <a:r>
+              <a:rPr lang="en-IN" dirty="0" smtClean="0"/>
+              <a:t> to both body as well as html so now it wont be passed to html as that already has a </a:t>
+            </a:r>
+            <a:r>
+              <a:rPr lang="en-IN" dirty="0" err="1" smtClean="0"/>
+              <a:t>overflow:hidden</a:t>
+            </a:r>
+            <a:r>
+              <a:rPr lang="en-IN" dirty="0" smtClean="0"/>
+              <a:t> and things would work again</a:t>
+            </a:r>
+          </a:p>
+          <a:p>
+            <a:r>
+              <a:rPr lang="en-IN" dirty="0" smtClean="0"/>
+              <a:t>So if the parent is not &lt;body&gt; this issue wont occur and if it is it can be solved with the </a:t>
+            </a:r>
+            <a:r>
+              <a:rPr lang="en-IN" dirty="0" err="1" smtClean="0"/>
+              <a:t>tric</a:t>
+            </a:r>
+            <a:r>
+              <a:rPr lang="en-IN" dirty="0" smtClean="0"/>
+              <a:t> k given above.</a:t>
+            </a:r>
+            <a:endParaRPr lang="en-GB" dirty="0"/>
+          </a:p>
+        </p:txBody>
+      </p:sp>
+    </p:spTree>
+    <p:extLst>
+      <p:ext uri="{BB962C8B-B14F-4D97-AF65-F5344CB8AC3E}">
+        <p14:creationId xmlns:p14="http://schemas.microsoft.com/office/powerpoint/2010/main" val="120769376"/>
+      </p:ext>
+    </p:extLst>
+  </p:cSld>
+  <p:clrMapOvr>
+    <a:masterClrMapping/>
+  </p:clrMapOvr>
+</p:sld>
+</file>
+
+<file path=ppt/slides/slide105.xml><?xml version="1.0" encoding="utf-8"?>
 <p:sld xmlns:a="http://schemas.openxmlformats.org/drawingml/2006/main" xmlns:r="http://schemas.openxmlformats.org/officeDocument/2006/relationships" xmlns:p="http://schemas.openxmlformats.org/presentationml/2006/main" showMasterSp="0">
   <p:cSld>
     <p:spTree>

--- a/PPT/Css-v6.pptx
+++ b/PPT/Css-v6.pptx
@@ -5,7 +5,7 @@
     <p:sldMasterId id="2147483660" r:id="rId1"/>
   </p:sldMasterIdLst>
   <p:notesMasterIdLst>
-    <p:notesMasterId r:id="rId107"/>
+    <p:notesMasterId r:id="rId108"/>
   </p:notesMasterIdLst>
   <p:sldIdLst>
     <p:sldId id="256" r:id="rId2"/>
@@ -112,7 +112,8 @@
     <p:sldId id="465" r:id="rId103"/>
     <p:sldId id="466" r:id="rId104"/>
     <p:sldId id="467" r:id="rId105"/>
-    <p:sldId id="268" r:id="rId106"/>
+    <p:sldId id="468" r:id="rId106"/>
+    <p:sldId id="268" r:id="rId107"/>
   </p:sldIdLst>
   <p:sldSz cx="12192000" cy="6858000"/>
   <p:notesSz cx="6858000" cy="9144000"/>
@@ -301,7 +302,7 @@
           <a:p>
             <a:fld id="{39CD3BCA-8732-46CA-ADDD-C24F968DBEAF}" type="datetimeFigureOut">
               <a:rPr lang="en-GB" smtClean="0"/>
-              <a:t>12/12/2020</a:t>
+              <a:t>13/12/2020</a:t>
             </a:fld>
             <a:endParaRPr lang="en-GB"/>
           </a:p>
@@ -7111,6 +7112,114 @@
     <p:extLst>
       <p:ext uri="{BB962C8B-B14F-4D97-AF65-F5344CB8AC3E}">
         <p14:creationId xmlns:p14="http://schemas.microsoft.com/office/powerpoint/2010/main" val="139530118"/>
+      </p:ext>
+    </p:extLst>
+  </p:cSld>
+  <p:clrMapOvr>
+    <a:masterClrMapping/>
+  </p:clrMapOvr>
+</p:notes>
+</file>
+
+<file path=ppt/notesSlides/notesSlide59.xml><?xml version="1.0" encoding="utf-8"?>
+<p:notes xmlns:a="http://schemas.openxmlformats.org/drawingml/2006/main" xmlns:r="http://schemas.openxmlformats.org/officeDocument/2006/relationships" xmlns:p="http://schemas.openxmlformats.org/presentationml/2006/main">
+  <p:cSld>
+    <p:spTree>
+      <p:nvGrpSpPr>
+        <p:cNvPr id="1" name=""/>
+        <p:cNvGrpSpPr/>
+        <p:nvPr/>
+      </p:nvGrpSpPr>
+      <p:grpSpPr>
+        <a:xfrm>
+          <a:off x="0" y="0"/>
+          <a:ext cx="0" cy="0"/>
+          <a:chOff x="0" y="0"/>
+          <a:chExt cx="0" cy="0"/>
+        </a:xfrm>
+      </p:grpSpPr>
+      <p:sp>
+        <p:nvSpPr>
+          <p:cNvPr id="2" name="Slide Image Placeholder 1"/>
+          <p:cNvSpPr>
+            <a:spLocks noGrp="1" noRot="1" noChangeAspect="1"/>
+          </p:cNvSpPr>
+          <p:nvPr>
+            <p:ph type="sldImg"/>
+          </p:nvPr>
+        </p:nvSpPr>
+        <p:spPr/>
+      </p:sp>
+      <p:sp>
+        <p:nvSpPr>
+          <p:cNvPr id="3" name="Notes Placeholder 2"/>
+          <p:cNvSpPr>
+            <a:spLocks noGrp="1"/>
+          </p:cNvSpPr>
+          <p:nvPr>
+            <p:ph type="body" idx="1"/>
+          </p:nvPr>
+        </p:nvSpPr>
+        <p:spPr/>
+        <p:txBody>
+          <a:bodyPr/>
+          <a:lstStyle/>
+          <a:p>
+            <a:r>
+              <a:rPr lang="en-IN" dirty="0" smtClean="0"/>
+              <a:t>Branch :</a:t>
+            </a:r>
+            <a:r>
+              <a:rPr lang="en-IN" sz="1200" kern="1200" dirty="0" smtClean="0">
+                <a:solidFill>
+                  <a:schemeClr val="tx1"/>
+                </a:solidFill>
+                <a:latin typeface="+mn-lt"/>
+                <a:ea typeface="+mn-ea"/>
+                <a:cs typeface="+mn-cs"/>
+              </a:rPr>
+              <a:t>Positioning</a:t>
+            </a:r>
+            <a:endParaRPr lang="en-IN" dirty="0" smtClean="0"/>
+          </a:p>
+          <a:p>
+            <a:r>
+              <a:rPr lang="en-IN" dirty="0" smtClean="0"/>
+              <a:t>Commit : Sticky</a:t>
+            </a:r>
+          </a:p>
+          <a:p>
+            <a:endParaRPr lang="en-GB" dirty="0"/>
+          </a:p>
+        </p:txBody>
+      </p:sp>
+      <p:sp>
+        <p:nvSpPr>
+          <p:cNvPr id="4" name="Slide Number Placeholder 3"/>
+          <p:cNvSpPr>
+            <a:spLocks noGrp="1"/>
+          </p:cNvSpPr>
+          <p:nvPr>
+            <p:ph type="sldNum" sz="quarter" idx="10"/>
+          </p:nvPr>
+        </p:nvSpPr>
+        <p:spPr/>
+        <p:txBody>
+          <a:bodyPr/>
+          <a:lstStyle/>
+          <a:p>
+            <a:fld id="{D3B79ED6-4970-4D84-B25C-F520A9D9210C}" type="slidenum">
+              <a:rPr lang="en-GB" smtClean="0"/>
+              <a:t>105</a:t>
+            </a:fld>
+            <a:endParaRPr lang="en-GB"/>
+          </a:p>
+        </p:txBody>
+      </p:sp>
+    </p:spTree>
+    <p:extLst>
+      <p:ext uri="{BB962C8B-B14F-4D97-AF65-F5344CB8AC3E}">
+        <p14:creationId xmlns:p14="http://schemas.microsoft.com/office/powerpoint/2010/main" val="4195581302"/>
       </p:ext>
     </p:extLst>
   </p:cSld>
@@ -8473,7 +8582,7 @@
           <a:p>
             <a:fld id="{D4BA8270-C9CF-44CA-BE5A-02C2BDCCEDE4}" type="datetimeFigureOut">
               <a:rPr lang="en-GB" smtClean="0"/>
-              <a:t>12/12/2020</a:t>
+              <a:t>13/12/2020</a:t>
             </a:fld>
             <a:endParaRPr lang="en-GB"/>
           </a:p>
@@ -8724,7 +8833,7 @@
           <a:p>
             <a:fld id="{D4BA8270-C9CF-44CA-BE5A-02C2BDCCEDE4}" type="datetimeFigureOut">
               <a:rPr lang="en-GB" smtClean="0"/>
-              <a:t>12/12/2020</a:t>
+              <a:t>13/12/2020</a:t>
             </a:fld>
             <a:endParaRPr lang="en-GB"/>
           </a:p>
@@ -9038,7 +9147,7 @@
           <a:p>
             <a:fld id="{D4BA8270-C9CF-44CA-BE5A-02C2BDCCEDE4}" type="datetimeFigureOut">
               <a:rPr lang="en-GB" smtClean="0"/>
-              <a:t>12/12/2020</a:t>
+              <a:t>13/12/2020</a:t>
             </a:fld>
             <a:endParaRPr lang="en-GB"/>
           </a:p>
@@ -9379,7 +9488,7 @@
           <a:p>
             <a:fld id="{D4BA8270-C9CF-44CA-BE5A-02C2BDCCEDE4}" type="datetimeFigureOut">
               <a:rPr lang="en-GB" smtClean="0"/>
-              <a:t>12/12/2020</a:t>
+              <a:t>13/12/2020</a:t>
             </a:fld>
             <a:endParaRPr lang="en-GB"/>
           </a:p>
@@ -9693,7 +9802,7 @@
           <a:p>
             <a:fld id="{D4BA8270-C9CF-44CA-BE5A-02C2BDCCEDE4}" type="datetimeFigureOut">
               <a:rPr lang="en-GB" smtClean="0"/>
-              <a:t>12/12/2020</a:t>
+              <a:t>13/12/2020</a:t>
             </a:fld>
             <a:endParaRPr lang="en-GB"/>
           </a:p>
@@ -10086,7 +10195,7 @@
           <a:p>
             <a:fld id="{D4BA8270-C9CF-44CA-BE5A-02C2BDCCEDE4}" type="datetimeFigureOut">
               <a:rPr lang="en-GB" smtClean="0"/>
-              <a:t>12/12/2020</a:t>
+              <a:t>13/12/2020</a:t>
             </a:fld>
             <a:endParaRPr lang="en-GB"/>
           </a:p>
@@ -10256,7 +10365,7 @@
           <a:p>
             <a:fld id="{D4BA8270-C9CF-44CA-BE5A-02C2BDCCEDE4}" type="datetimeFigureOut">
               <a:rPr lang="en-GB" smtClean="0"/>
-              <a:t>12/12/2020</a:t>
+              <a:t>13/12/2020</a:t>
             </a:fld>
             <a:endParaRPr lang="en-GB"/>
           </a:p>
@@ -10436,7 +10545,7 @@
           <a:p>
             <a:fld id="{D4BA8270-C9CF-44CA-BE5A-02C2BDCCEDE4}" type="datetimeFigureOut">
               <a:rPr lang="en-GB" smtClean="0"/>
-              <a:t>12/12/2020</a:t>
+              <a:t>13/12/2020</a:t>
             </a:fld>
             <a:endParaRPr lang="en-GB"/>
           </a:p>
@@ -10612,7 +10721,7 @@
           <a:p>
             <a:fld id="{D4BA8270-C9CF-44CA-BE5A-02C2BDCCEDE4}" type="datetimeFigureOut">
               <a:rPr lang="en-GB" smtClean="0"/>
-              <a:t>12/12/2020</a:t>
+              <a:t>13/12/2020</a:t>
             </a:fld>
             <a:endParaRPr lang="en-GB"/>
           </a:p>
@@ -10859,7 +10968,7 @@
           <a:p>
             <a:fld id="{D4BA8270-C9CF-44CA-BE5A-02C2BDCCEDE4}" type="datetimeFigureOut">
               <a:rPr lang="en-GB" smtClean="0"/>
-              <a:t>12/12/2020</a:t>
+              <a:t>13/12/2020</a:t>
             </a:fld>
             <a:endParaRPr lang="en-GB"/>
           </a:p>
@@ -11091,7 +11200,7 @@
           <a:p>
             <a:fld id="{D4BA8270-C9CF-44CA-BE5A-02C2BDCCEDE4}" type="datetimeFigureOut">
               <a:rPr lang="en-GB" smtClean="0"/>
-              <a:t>12/12/2020</a:t>
+              <a:t>13/12/2020</a:t>
             </a:fld>
             <a:endParaRPr lang="en-GB"/>
           </a:p>
@@ -11465,7 +11574,7 @@
           <a:p>
             <a:fld id="{D4BA8270-C9CF-44CA-BE5A-02C2BDCCEDE4}" type="datetimeFigureOut">
               <a:rPr lang="en-GB" smtClean="0"/>
-              <a:t>12/12/2020</a:t>
+              <a:t>13/12/2020</a:t>
             </a:fld>
             <a:endParaRPr lang="en-GB"/>
           </a:p>
@@ -11588,7 +11697,7 @@
           <a:p>
             <a:fld id="{D4BA8270-C9CF-44CA-BE5A-02C2BDCCEDE4}" type="datetimeFigureOut">
               <a:rPr lang="en-GB" smtClean="0"/>
-              <a:t>12/12/2020</a:t>
+              <a:t>13/12/2020</a:t>
             </a:fld>
             <a:endParaRPr lang="en-GB"/>
           </a:p>
@@ -11683,7 +11792,7 @@
           <a:p>
             <a:fld id="{D4BA8270-C9CF-44CA-BE5A-02C2BDCCEDE4}" type="datetimeFigureOut">
               <a:rPr lang="en-GB" smtClean="0"/>
-              <a:t>12/12/2020</a:t>
+              <a:t>13/12/2020</a:t>
             </a:fld>
             <a:endParaRPr lang="en-GB"/>
           </a:p>
@@ -11938,7 +12047,7 @@
           <a:p>
             <a:fld id="{D4BA8270-C9CF-44CA-BE5A-02C2BDCCEDE4}" type="datetimeFigureOut">
               <a:rPr lang="en-GB" smtClean="0"/>
-              <a:t>12/12/2020</a:t>
+              <a:t>13/12/2020</a:t>
             </a:fld>
             <a:endParaRPr lang="en-GB"/>
           </a:p>
@@ -12201,7 +12310,7 @@
           <a:p>
             <a:fld id="{D4BA8270-C9CF-44CA-BE5A-02C2BDCCEDE4}" type="datetimeFigureOut">
               <a:rPr lang="en-GB" smtClean="0"/>
-              <a:t>12/12/2020</a:t>
+              <a:t>13/12/2020</a:t>
             </a:fld>
             <a:endParaRPr lang="en-GB"/>
           </a:p>
@@ -12944,7 +13053,7 @@
           <a:p>
             <a:fld id="{D4BA8270-C9CF-44CA-BE5A-02C2BDCCEDE4}" type="datetimeFigureOut">
               <a:rPr lang="en-GB" smtClean="0"/>
-              <a:t>12/12/2020</a:t>
+              <a:t>13/12/2020</a:t>
             </a:fld>
             <a:endParaRPr lang="en-GB"/>
           </a:p>
@@ -14864,6 +14973,223 @@
 </file>
 
 <file path=ppt/slides/slide105.xml><?xml version="1.0" encoding="utf-8"?>
+<p:sld xmlns:a="http://schemas.openxmlformats.org/drawingml/2006/main" xmlns:r="http://schemas.openxmlformats.org/officeDocument/2006/relationships" xmlns:p="http://schemas.openxmlformats.org/presentationml/2006/main">
+  <p:cSld>
+    <p:spTree>
+      <p:nvGrpSpPr>
+        <p:cNvPr id="1" name=""/>
+        <p:cNvGrpSpPr/>
+        <p:nvPr/>
+      </p:nvGrpSpPr>
+      <p:grpSpPr>
+        <a:xfrm>
+          <a:off x="0" y="0"/>
+          <a:ext cx="0" cy="0"/>
+          <a:chOff x="0" y="0"/>
+          <a:chExt cx="0" cy="0"/>
+        </a:xfrm>
+      </p:grpSpPr>
+      <p:sp>
+        <p:nvSpPr>
+          <p:cNvPr id="2" name="Title 1"/>
+          <p:cNvSpPr>
+            <a:spLocks noGrp="1"/>
+          </p:cNvSpPr>
+          <p:nvPr>
+            <p:ph type="title"/>
+          </p:nvPr>
+        </p:nvSpPr>
+        <p:spPr>
+          <a:xfrm>
+            <a:off x="677334" y="90055"/>
+            <a:ext cx="8596668" cy="637309"/>
+          </a:xfrm>
+        </p:spPr>
+        <p:txBody>
+          <a:bodyPr>
+            <a:normAutofit fontScale="90000"/>
+          </a:bodyPr>
+          <a:lstStyle/>
+          <a:p>
+            <a:r>
+              <a:rPr lang="en-GB" dirty="0"/>
+              <a:t>Introducing "sticky" Positioning</a:t>
+            </a:r>
+            <a:endParaRPr lang="en-GB" dirty="0"/>
+          </a:p>
+        </p:txBody>
+      </p:sp>
+      <p:sp>
+        <p:nvSpPr>
+          <p:cNvPr id="3" name="Content Placeholder 2"/>
+          <p:cNvSpPr>
+            <a:spLocks noGrp="1"/>
+          </p:cNvSpPr>
+          <p:nvPr>
+            <p:ph idx="1"/>
+          </p:nvPr>
+        </p:nvSpPr>
+        <p:spPr>
+          <a:xfrm>
+            <a:off x="270164" y="727364"/>
+            <a:ext cx="11617036" cy="5808517"/>
+          </a:xfrm>
+        </p:spPr>
+        <p:txBody>
+          <a:bodyPr/>
+          <a:lstStyle/>
+          <a:p>
+            <a:r>
+              <a:rPr lang="en-US" dirty="0" smtClean="0"/>
+              <a:t>To understand sticky positioning we will use a new sample code .The index.html has three parent&lt;div&gt; with a class parent and each parent&lt;div&gt; contains three child &lt;div&gt; with classes </a:t>
+            </a:r>
+            <a:r>
+              <a:rPr lang="en-US" dirty="0" err="1" smtClean="0"/>
+              <a:t>country,cities,cities</a:t>
+            </a:r>
+            <a:endParaRPr lang="en-US" dirty="0" smtClean="0"/>
+          </a:p>
+          <a:p>
+            <a:r>
+              <a:rPr lang="en-US" dirty="0" smtClean="0"/>
+              <a:t>The main.css also has some basic styles applied</a:t>
+            </a:r>
+          </a:p>
+          <a:p>
+            <a:r>
+              <a:rPr lang="en-US" dirty="0" smtClean="0"/>
+              <a:t>Lets ass </a:t>
+            </a:r>
+            <a:r>
+              <a:rPr lang="en-US" dirty="0" err="1" smtClean="0"/>
+              <a:t>position:sticky</a:t>
+            </a:r>
+            <a:r>
+              <a:rPr lang="en-US" dirty="0" smtClean="0"/>
+              <a:t>; to .parent .country{ } selector .We will notice no apparent change in the </a:t>
+            </a:r>
+            <a:r>
+              <a:rPr lang="en-US" dirty="0" err="1" smtClean="0"/>
+              <a:t>website.Now</a:t>
+            </a:r>
+            <a:r>
+              <a:rPr lang="en-US" dirty="0" smtClean="0"/>
+              <a:t> just add top:20px;</a:t>
+            </a:r>
+          </a:p>
+          <a:p>
+            <a:r>
+              <a:rPr lang="en-US" dirty="0" smtClean="0"/>
+              <a:t>We will notice that all the country elements don’t move at the start but as soon as we scroll to a certain limit it behaves like a fixed element and then stops behaving as fixed after a certain limit.</a:t>
+            </a:r>
+          </a:p>
+          <a:p>
+            <a:r>
+              <a:rPr lang="en-US" dirty="0" smtClean="0"/>
+              <a:t>So sticky is actually a hybrid of relative and </a:t>
+            </a:r>
+            <a:r>
+              <a:rPr lang="en-US" dirty="0" err="1" smtClean="0"/>
+              <a:t>fixed.The</a:t>
+            </a:r>
+            <a:r>
+              <a:rPr lang="en-US" dirty="0" smtClean="0"/>
+              <a:t> element behaves as relative initially but as soon as we reach the distance  </a:t>
+            </a:r>
+            <a:r>
+              <a:rPr lang="en-US" dirty="0" err="1" smtClean="0"/>
+              <a:t>tahat</a:t>
+            </a:r>
+            <a:r>
+              <a:rPr lang="en-US" dirty="0" smtClean="0"/>
+              <a:t> we specify with top </a:t>
+            </a:r>
+            <a:r>
+              <a:rPr lang="en-US" dirty="0" err="1" smtClean="0"/>
+              <a:t>right,left,bottom</a:t>
+            </a:r>
+            <a:r>
+              <a:rPr lang="en-US" dirty="0" smtClean="0"/>
+              <a:t> the element starts behaving like </a:t>
+            </a:r>
+            <a:r>
+              <a:rPr lang="en-US" dirty="0" err="1" smtClean="0"/>
+              <a:t>fixed.The</a:t>
+            </a:r>
+            <a:r>
+              <a:rPr lang="en-US" dirty="0" smtClean="0"/>
+              <a:t> element stops being fixed as soon as it reaches the end of the content of its parent element.</a:t>
+            </a:r>
+          </a:p>
+          <a:p>
+            <a:r>
+              <a:rPr lang="en-US" dirty="0" smtClean="0"/>
+              <a:t>Now lets uncomment all the commented </a:t>
+            </a:r>
+            <a:r>
+              <a:rPr lang="en-US" dirty="0" err="1" smtClean="0"/>
+              <a:t>css</a:t>
+            </a:r>
+            <a:r>
+              <a:rPr lang="en-US" dirty="0" smtClean="0"/>
+              <a:t> to have separate </a:t>
+            </a:r>
+            <a:r>
+              <a:rPr lang="en-US" dirty="0" err="1" smtClean="0"/>
+              <a:t>colours</a:t>
+            </a:r>
+            <a:r>
+              <a:rPr lang="en-US" dirty="0" smtClean="0"/>
+              <a:t> </a:t>
+            </a:r>
+            <a:r>
+              <a:rPr lang="en-US" dirty="0" err="1" smtClean="0"/>
+              <a:t>etc</a:t>
+            </a:r>
+            <a:r>
+              <a:rPr lang="en-US" dirty="0" smtClean="0"/>
+              <a:t> for body html </a:t>
+            </a:r>
+            <a:r>
+              <a:rPr lang="en-US" dirty="0" err="1" smtClean="0"/>
+              <a:t>etc</a:t>
+            </a:r>
+            <a:r>
+              <a:rPr lang="en-US" dirty="0" smtClean="0"/>
+              <a:t> to have a better understanding.</a:t>
+            </a:r>
+          </a:p>
+          <a:p>
+            <a:r>
+              <a:rPr lang="en-US" dirty="0" smtClean="0"/>
+              <a:t>We will notice that the element behaves like a normal element till body is in viewport when we reach 10px from the border of parent the element starts behaving like fixed and when we have completed scrolling till the content of parent the element stops being fixed.</a:t>
+            </a:r>
+          </a:p>
+          <a:p>
+            <a:r>
+              <a:rPr lang="en-US" dirty="0" smtClean="0"/>
+              <a:t>Sticky is relatively new and doesn’t have good browser support yet.</a:t>
+            </a:r>
+          </a:p>
+          <a:p>
+            <a:endParaRPr lang="en-GB" dirty="0"/>
+          </a:p>
+        </p:txBody>
+      </p:sp>
+    </p:spTree>
+    <p:extLst>
+      <p:ext uri="{BB962C8B-B14F-4D97-AF65-F5344CB8AC3E}">
+        <p14:creationId xmlns:p14="http://schemas.microsoft.com/office/powerpoint/2010/main" val="27416842"/>
+      </p:ext>
+    </p:extLst>
+  </p:cSld>
+  <p:clrMapOvr>
+    <a:masterClrMapping/>
+  </p:clrMapOvr>
+</p:sld>
+</file>
+
+<file path=ppt/slides/slide106.xml><?xml version="1.0" encoding="utf-8"?>
 <p:sld xmlns:a="http://schemas.openxmlformats.org/drawingml/2006/main" xmlns:r="http://schemas.openxmlformats.org/officeDocument/2006/relationships" xmlns:p="http://schemas.openxmlformats.org/presentationml/2006/main" showMasterSp="0">
   <p:cSld>
     <p:spTree>

--- a/PPT/Css-v6.pptx
+++ b/PPT/Css-v6.pptx
@@ -5,7 +5,7 @@
     <p:sldMasterId id="2147483660" r:id="rId1"/>
   </p:sldMasterIdLst>
   <p:notesMasterIdLst>
-    <p:notesMasterId r:id="rId108"/>
+    <p:notesMasterId r:id="rId109"/>
   </p:notesMasterIdLst>
   <p:sldIdLst>
     <p:sldId id="256" r:id="rId2"/>
@@ -113,7 +113,8 @@
     <p:sldId id="466" r:id="rId104"/>
     <p:sldId id="467" r:id="rId105"/>
     <p:sldId id="468" r:id="rId106"/>
-    <p:sldId id="268" r:id="rId107"/>
+    <p:sldId id="469" r:id="rId107"/>
+    <p:sldId id="268" r:id="rId108"/>
   </p:sldIdLst>
   <p:sldSz cx="12192000" cy="6858000"/>
   <p:notesSz cx="6858000" cy="9144000"/>
@@ -302,7 +303,7 @@
           <a:p>
             <a:fld id="{39CD3BCA-8732-46CA-ADDD-C24F968DBEAF}" type="datetimeFigureOut">
               <a:rPr lang="en-GB" smtClean="0"/>
-              <a:t>13/12/2020</a:t>
+              <a:t>14/12/2020</a:t>
             </a:fld>
             <a:endParaRPr lang="en-GB"/>
           </a:p>
@@ -7304,6 +7305,119 @@
     <p:extLst>
       <p:ext uri="{BB962C8B-B14F-4D97-AF65-F5344CB8AC3E}">
         <p14:creationId xmlns:p14="http://schemas.microsoft.com/office/powerpoint/2010/main" val="1897488061"/>
+      </p:ext>
+    </p:extLst>
+  </p:cSld>
+  <p:clrMapOvr>
+    <a:masterClrMapping/>
+  </p:clrMapOvr>
+</p:notes>
+</file>
+
+<file path=ppt/notesSlides/notesSlide60.xml><?xml version="1.0" encoding="utf-8"?>
+<p:notes xmlns:a="http://schemas.openxmlformats.org/drawingml/2006/main" xmlns:r="http://schemas.openxmlformats.org/officeDocument/2006/relationships" xmlns:p="http://schemas.openxmlformats.org/presentationml/2006/main">
+  <p:cSld>
+    <p:spTree>
+      <p:nvGrpSpPr>
+        <p:cNvPr id="1" name=""/>
+        <p:cNvGrpSpPr/>
+        <p:nvPr/>
+      </p:nvGrpSpPr>
+      <p:grpSpPr>
+        <a:xfrm>
+          <a:off x="0" y="0"/>
+          <a:ext cx="0" cy="0"/>
+          <a:chOff x="0" y="0"/>
+          <a:chExt cx="0" cy="0"/>
+        </a:xfrm>
+      </p:grpSpPr>
+      <p:sp>
+        <p:nvSpPr>
+          <p:cNvPr id="2" name="Slide Image Placeholder 1"/>
+          <p:cNvSpPr>
+            <a:spLocks noGrp="1" noRot="1" noChangeAspect="1"/>
+          </p:cNvSpPr>
+          <p:nvPr>
+            <p:ph type="sldImg"/>
+          </p:nvPr>
+        </p:nvSpPr>
+        <p:spPr/>
+      </p:sp>
+      <p:sp>
+        <p:nvSpPr>
+          <p:cNvPr id="3" name="Notes Placeholder 2"/>
+          <p:cNvSpPr>
+            <a:spLocks noGrp="1"/>
+          </p:cNvSpPr>
+          <p:nvPr>
+            <p:ph type="body" idx="1"/>
+          </p:nvPr>
+        </p:nvSpPr>
+        <p:spPr/>
+        <p:txBody>
+          <a:bodyPr/>
+          <a:lstStyle/>
+          <a:p>
+            <a:r>
+              <a:rPr lang="en-IN" dirty="0" smtClean="0"/>
+              <a:t>Branch :</a:t>
+            </a:r>
+            <a:r>
+              <a:rPr lang="en-IN" sz="1200" kern="1200" dirty="0" smtClean="0">
+                <a:solidFill>
+                  <a:schemeClr val="tx1"/>
+                </a:solidFill>
+                <a:latin typeface="+mn-lt"/>
+                <a:ea typeface="+mn-ea"/>
+                <a:cs typeface="+mn-cs"/>
+              </a:rPr>
+              <a:t>Positioning</a:t>
+            </a:r>
+            <a:endParaRPr lang="en-IN" dirty="0" smtClean="0"/>
+          </a:p>
+          <a:p>
+            <a:r>
+              <a:rPr lang="en-IN" dirty="0" smtClean="0"/>
+              <a:t>Commit : </a:t>
+            </a:r>
+            <a:r>
+              <a:rPr lang="en-IN" dirty="0" err="1" smtClean="0"/>
+              <a:t>StackingContext</a:t>
+            </a:r>
+            <a:endParaRPr lang="en-IN" dirty="0" smtClean="0"/>
+          </a:p>
+          <a:p>
+            <a:endParaRPr lang="en-GB" dirty="0"/>
+          </a:p>
+        </p:txBody>
+      </p:sp>
+      <p:sp>
+        <p:nvSpPr>
+          <p:cNvPr id="4" name="Slide Number Placeholder 3"/>
+          <p:cNvSpPr>
+            <a:spLocks noGrp="1"/>
+          </p:cNvSpPr>
+          <p:nvPr>
+            <p:ph type="sldNum" sz="quarter" idx="10"/>
+          </p:nvPr>
+        </p:nvSpPr>
+        <p:spPr/>
+        <p:txBody>
+          <a:bodyPr/>
+          <a:lstStyle/>
+          <a:p>
+            <a:fld id="{D3B79ED6-4970-4D84-B25C-F520A9D9210C}" type="slidenum">
+              <a:rPr lang="en-GB" smtClean="0"/>
+              <a:t>106</a:t>
+            </a:fld>
+            <a:endParaRPr lang="en-GB"/>
+          </a:p>
+        </p:txBody>
+      </p:sp>
+    </p:spTree>
+    <p:extLst>
+      <p:ext uri="{BB962C8B-B14F-4D97-AF65-F5344CB8AC3E}">
+        <p14:creationId xmlns:p14="http://schemas.microsoft.com/office/powerpoint/2010/main" val="3069828312"/>
       </p:ext>
     </p:extLst>
   </p:cSld>
@@ -8582,7 +8696,7 @@
           <a:p>
             <a:fld id="{D4BA8270-C9CF-44CA-BE5A-02C2BDCCEDE4}" type="datetimeFigureOut">
               <a:rPr lang="en-GB" smtClean="0"/>
-              <a:t>13/12/2020</a:t>
+              <a:t>14/12/2020</a:t>
             </a:fld>
             <a:endParaRPr lang="en-GB"/>
           </a:p>
@@ -8833,7 +8947,7 @@
           <a:p>
             <a:fld id="{D4BA8270-C9CF-44CA-BE5A-02C2BDCCEDE4}" type="datetimeFigureOut">
               <a:rPr lang="en-GB" smtClean="0"/>
-              <a:t>13/12/2020</a:t>
+              <a:t>14/12/2020</a:t>
             </a:fld>
             <a:endParaRPr lang="en-GB"/>
           </a:p>
@@ -9147,7 +9261,7 @@
           <a:p>
             <a:fld id="{D4BA8270-C9CF-44CA-BE5A-02C2BDCCEDE4}" type="datetimeFigureOut">
               <a:rPr lang="en-GB" smtClean="0"/>
-              <a:t>13/12/2020</a:t>
+              <a:t>14/12/2020</a:t>
             </a:fld>
             <a:endParaRPr lang="en-GB"/>
           </a:p>
@@ -9488,7 +9602,7 @@
           <a:p>
             <a:fld id="{D4BA8270-C9CF-44CA-BE5A-02C2BDCCEDE4}" type="datetimeFigureOut">
               <a:rPr lang="en-GB" smtClean="0"/>
-              <a:t>13/12/2020</a:t>
+              <a:t>14/12/2020</a:t>
             </a:fld>
             <a:endParaRPr lang="en-GB"/>
           </a:p>
@@ -9802,7 +9916,7 @@
           <a:p>
             <a:fld id="{D4BA8270-C9CF-44CA-BE5A-02C2BDCCEDE4}" type="datetimeFigureOut">
               <a:rPr lang="en-GB" smtClean="0"/>
-              <a:t>13/12/2020</a:t>
+              <a:t>14/12/2020</a:t>
             </a:fld>
             <a:endParaRPr lang="en-GB"/>
           </a:p>
@@ -10195,7 +10309,7 @@
           <a:p>
             <a:fld id="{D4BA8270-C9CF-44CA-BE5A-02C2BDCCEDE4}" type="datetimeFigureOut">
               <a:rPr lang="en-GB" smtClean="0"/>
-              <a:t>13/12/2020</a:t>
+              <a:t>14/12/2020</a:t>
             </a:fld>
             <a:endParaRPr lang="en-GB"/>
           </a:p>
@@ -10365,7 +10479,7 @@
           <a:p>
             <a:fld id="{D4BA8270-C9CF-44CA-BE5A-02C2BDCCEDE4}" type="datetimeFigureOut">
               <a:rPr lang="en-GB" smtClean="0"/>
-              <a:t>13/12/2020</a:t>
+              <a:t>14/12/2020</a:t>
             </a:fld>
             <a:endParaRPr lang="en-GB"/>
           </a:p>
@@ -10545,7 +10659,7 @@
           <a:p>
             <a:fld id="{D4BA8270-C9CF-44CA-BE5A-02C2BDCCEDE4}" type="datetimeFigureOut">
               <a:rPr lang="en-GB" smtClean="0"/>
-              <a:t>13/12/2020</a:t>
+              <a:t>14/12/2020</a:t>
             </a:fld>
             <a:endParaRPr lang="en-GB"/>
           </a:p>
@@ -10721,7 +10835,7 @@
           <a:p>
             <a:fld id="{D4BA8270-C9CF-44CA-BE5A-02C2BDCCEDE4}" type="datetimeFigureOut">
               <a:rPr lang="en-GB" smtClean="0"/>
-              <a:t>13/12/2020</a:t>
+              <a:t>14/12/2020</a:t>
             </a:fld>
             <a:endParaRPr lang="en-GB"/>
           </a:p>
@@ -10968,7 +11082,7 @@
           <a:p>
             <a:fld id="{D4BA8270-C9CF-44CA-BE5A-02C2BDCCEDE4}" type="datetimeFigureOut">
               <a:rPr lang="en-GB" smtClean="0"/>
-              <a:t>13/12/2020</a:t>
+              <a:t>14/12/2020</a:t>
             </a:fld>
             <a:endParaRPr lang="en-GB"/>
           </a:p>
@@ -11200,7 +11314,7 @@
           <a:p>
             <a:fld id="{D4BA8270-C9CF-44CA-BE5A-02C2BDCCEDE4}" type="datetimeFigureOut">
               <a:rPr lang="en-GB" smtClean="0"/>
-              <a:t>13/12/2020</a:t>
+              <a:t>14/12/2020</a:t>
             </a:fld>
             <a:endParaRPr lang="en-GB"/>
           </a:p>
@@ -11574,7 +11688,7 @@
           <a:p>
             <a:fld id="{D4BA8270-C9CF-44CA-BE5A-02C2BDCCEDE4}" type="datetimeFigureOut">
               <a:rPr lang="en-GB" smtClean="0"/>
-              <a:t>13/12/2020</a:t>
+              <a:t>14/12/2020</a:t>
             </a:fld>
             <a:endParaRPr lang="en-GB"/>
           </a:p>
@@ -11697,7 +11811,7 @@
           <a:p>
             <a:fld id="{D4BA8270-C9CF-44CA-BE5A-02C2BDCCEDE4}" type="datetimeFigureOut">
               <a:rPr lang="en-GB" smtClean="0"/>
-              <a:t>13/12/2020</a:t>
+              <a:t>14/12/2020</a:t>
             </a:fld>
             <a:endParaRPr lang="en-GB"/>
           </a:p>
@@ -11792,7 +11906,7 @@
           <a:p>
             <a:fld id="{D4BA8270-C9CF-44CA-BE5A-02C2BDCCEDE4}" type="datetimeFigureOut">
               <a:rPr lang="en-GB" smtClean="0"/>
-              <a:t>13/12/2020</a:t>
+              <a:t>14/12/2020</a:t>
             </a:fld>
             <a:endParaRPr lang="en-GB"/>
           </a:p>
@@ -12047,7 +12161,7 @@
           <a:p>
             <a:fld id="{D4BA8270-C9CF-44CA-BE5A-02C2BDCCEDE4}" type="datetimeFigureOut">
               <a:rPr lang="en-GB" smtClean="0"/>
-              <a:t>13/12/2020</a:t>
+              <a:t>14/12/2020</a:t>
             </a:fld>
             <a:endParaRPr lang="en-GB"/>
           </a:p>
@@ -12310,7 +12424,7 @@
           <a:p>
             <a:fld id="{D4BA8270-C9CF-44CA-BE5A-02C2BDCCEDE4}" type="datetimeFigureOut">
               <a:rPr lang="en-GB" smtClean="0"/>
-              <a:t>13/12/2020</a:t>
+              <a:t>14/12/2020</a:t>
             </a:fld>
             <a:endParaRPr lang="en-GB"/>
           </a:p>
@@ -13053,7 +13167,7 @@
           <a:p>
             <a:fld id="{D4BA8270-C9CF-44CA-BE5A-02C2BDCCEDE4}" type="datetimeFigureOut">
               <a:rPr lang="en-GB" smtClean="0"/>
-              <a:t>13/12/2020</a:t>
+              <a:t>14/12/2020</a:t>
             </a:fld>
             <a:endParaRPr lang="en-GB"/>
           </a:p>
@@ -15015,7 +15129,6 @@
               <a:rPr lang="en-GB" dirty="0"/>
               <a:t>Introducing "sticky" Positioning</a:t>
             </a:r>
-            <a:endParaRPr lang="en-GB" dirty="0"/>
           </a:p>
         </p:txBody>
       </p:sp>
@@ -15190,6 +15303,182 @@
 </file>
 
 <file path=ppt/slides/slide106.xml><?xml version="1.0" encoding="utf-8"?>
+<p:sld xmlns:a="http://schemas.openxmlformats.org/drawingml/2006/main" xmlns:r="http://schemas.openxmlformats.org/officeDocument/2006/relationships" xmlns:p="http://schemas.openxmlformats.org/presentationml/2006/main">
+  <p:cSld>
+    <p:spTree>
+      <p:nvGrpSpPr>
+        <p:cNvPr id="1" name=""/>
+        <p:cNvGrpSpPr/>
+        <p:nvPr/>
+      </p:nvGrpSpPr>
+      <p:grpSpPr>
+        <a:xfrm>
+          <a:off x="0" y="0"/>
+          <a:ext cx="0" cy="0"/>
+          <a:chOff x="0" y="0"/>
+          <a:chExt cx="0" cy="0"/>
+        </a:xfrm>
+      </p:grpSpPr>
+      <p:sp>
+        <p:nvSpPr>
+          <p:cNvPr id="2" name="Title 1"/>
+          <p:cNvSpPr>
+            <a:spLocks noGrp="1"/>
+          </p:cNvSpPr>
+          <p:nvPr>
+            <p:ph type="title"/>
+          </p:nvPr>
+        </p:nvSpPr>
+        <p:spPr>
+          <a:xfrm>
+            <a:off x="812416" y="79663"/>
+            <a:ext cx="8596668" cy="460664"/>
+          </a:xfrm>
+        </p:spPr>
+        <p:txBody>
+          <a:bodyPr>
+            <a:normAutofit fontScale="90000"/>
+          </a:bodyPr>
+          <a:lstStyle/>
+          <a:p>
+            <a:r>
+              <a:rPr lang="en-US" dirty="0" smtClean="0"/>
+              <a:t>Stacking Context</a:t>
+            </a:r>
+            <a:endParaRPr lang="en-GB" dirty="0"/>
+          </a:p>
+        </p:txBody>
+      </p:sp>
+      <p:sp>
+        <p:nvSpPr>
+          <p:cNvPr id="3" name="Content Placeholder 2"/>
+          <p:cNvSpPr>
+            <a:spLocks noGrp="1"/>
+          </p:cNvSpPr>
+          <p:nvPr>
+            <p:ph idx="1"/>
+          </p:nvPr>
+        </p:nvSpPr>
+        <p:spPr>
+          <a:xfrm>
+            <a:off x="228599" y="779319"/>
+            <a:ext cx="11648209" cy="5933208"/>
+          </a:xfrm>
+        </p:spPr>
+        <p:txBody>
+          <a:bodyPr/>
+          <a:lstStyle/>
+          <a:p>
+            <a:r>
+              <a:rPr lang="en-US" dirty="0" smtClean="0"/>
+              <a:t>To understand stacking context we have another sample code it has a &lt;div&gt; with class navigation .Another &lt;div&gt; with class headline which internally contains three child &lt;div&gt; each representing an image with classes image-1,</a:t>
+            </a:r>
+            <a:r>
+              <a:rPr lang="en-US" dirty="0"/>
+              <a:t> </a:t>
+            </a:r>
+            <a:r>
+              <a:rPr lang="en-US" dirty="0" smtClean="0"/>
+              <a:t>image-2, image-2 </a:t>
+            </a:r>
+            <a:r>
+              <a:rPr lang="en-US" dirty="0" err="1" smtClean="0"/>
+              <a:t>respectively.Then</a:t>
+            </a:r>
+            <a:r>
+              <a:rPr lang="en-US" dirty="0" smtClean="0"/>
+              <a:t> we have another &lt;div&gt; with class contact-us</a:t>
+            </a:r>
+          </a:p>
+          <a:p>
+            <a:r>
+              <a:rPr lang="en-US" dirty="0" smtClean="0"/>
+              <a:t>The </a:t>
+            </a:r>
+            <a:r>
+              <a:rPr lang="en-US" dirty="0" err="1" smtClean="0"/>
+              <a:t>css</a:t>
+            </a:r>
+            <a:r>
+              <a:rPr lang="en-US" dirty="0" smtClean="0"/>
+              <a:t> part has some basic styles .All parent elements have  </a:t>
+            </a:r>
+            <a:r>
+              <a:rPr lang="en-US" dirty="0" err="1" smtClean="0"/>
+              <a:t>position:fixed.That</a:t>
+            </a:r>
+            <a:r>
+              <a:rPr lang="en-US" dirty="0" smtClean="0"/>
+              <a:t> is why we have navigation at bottom then headlines and the contact us since all of them by default have z-index 0 so the sequence of these elements in html decide which element will be on top.</a:t>
+            </a:r>
+          </a:p>
+          <a:p>
+            <a:r>
+              <a:rPr lang="en-US" dirty="0" smtClean="0"/>
+              <a:t>Now if we add z-index:1 to our .headline{} it will be on top.</a:t>
+            </a:r>
+          </a:p>
+          <a:p>
+            <a:r>
+              <a:rPr lang="en-US" dirty="0" smtClean="0"/>
+              <a:t>Stacking context comes in picture when we play with the z-index of the children </a:t>
+            </a:r>
+            <a:r>
+              <a:rPr lang="en-US" dirty="0" err="1" smtClean="0"/>
+              <a:t>i.e</a:t>
+            </a:r>
+            <a:r>
+              <a:rPr lang="en-US" dirty="0" smtClean="0"/>
+              <a:t> the images in our case.</a:t>
+            </a:r>
+          </a:p>
+          <a:p>
+            <a:r>
+              <a:rPr lang="en-US" dirty="0" smtClean="0"/>
+              <a:t>Lets add a z-index:100 to our .contact-us{}.It will now again be on the top</a:t>
+            </a:r>
+          </a:p>
+          <a:p>
+            <a:r>
+              <a:rPr lang="en-US" dirty="0" smtClean="0"/>
+              <a:t>Lets add a position fixed to our .image-1{} ,image-2 and image-3 and also add a z-index more than 100 to image-2</a:t>
+            </a:r>
+          </a:p>
+          <a:p>
+            <a:r>
+              <a:rPr lang="en-US" dirty="0" smtClean="0"/>
+              <a:t>We will see that image -2 is above image-3 and image -1 but even though the z-index is far bigger than the one for contact-us ,The contact-us is still on top this is because of the stacking context.</a:t>
+            </a:r>
+          </a:p>
+          <a:p>
+            <a:r>
+              <a:rPr lang="en-US" dirty="0" smtClean="0"/>
+              <a:t>This means that the z-index for the child elements will have an impact only within the parent and the general order of contact-us above the headline element depends on the z-index of the headline element.</a:t>
+            </a:r>
+          </a:p>
+          <a:p>
+            <a:r>
+              <a:rPr lang="en-US" dirty="0" smtClean="0"/>
+              <a:t>In simple words the images are a part of the stacking context of headline</a:t>
+            </a:r>
+            <a:endParaRPr lang="en-GB" dirty="0"/>
+          </a:p>
+        </p:txBody>
+      </p:sp>
+    </p:spTree>
+    <p:extLst>
+      <p:ext uri="{BB962C8B-B14F-4D97-AF65-F5344CB8AC3E}">
+        <p14:creationId xmlns:p14="http://schemas.microsoft.com/office/powerpoint/2010/main" val="3162973148"/>
+      </p:ext>
+    </p:extLst>
+  </p:cSld>
+  <p:clrMapOvr>
+    <a:masterClrMapping/>
+  </p:clrMapOvr>
+</p:sld>
+</file>
+
+<file path=ppt/slides/slide107.xml><?xml version="1.0" encoding="utf-8"?>
 <p:sld xmlns:a="http://schemas.openxmlformats.org/drawingml/2006/main" xmlns:r="http://schemas.openxmlformats.org/officeDocument/2006/relationships" xmlns:p="http://schemas.openxmlformats.org/presentationml/2006/main" showMasterSp="0">
   <p:cSld>
     <p:spTree>

--- a/PPT/Css-v6.pptx
+++ b/PPT/Css-v6.pptx
@@ -5,7 +5,7 @@
     <p:sldMasterId id="2147483660" r:id="rId1"/>
   </p:sldMasterIdLst>
   <p:notesMasterIdLst>
-    <p:notesMasterId r:id="rId109"/>
+    <p:notesMasterId r:id="rId110"/>
   </p:notesMasterIdLst>
   <p:sldIdLst>
     <p:sldId id="256" r:id="rId2"/>
@@ -114,7 +114,8 @@
     <p:sldId id="467" r:id="rId105"/>
     <p:sldId id="468" r:id="rId106"/>
     <p:sldId id="469" r:id="rId107"/>
-    <p:sldId id="268" r:id="rId108"/>
+    <p:sldId id="470" r:id="rId108"/>
+    <p:sldId id="268" r:id="rId109"/>
   </p:sldIdLst>
   <p:sldSz cx="12192000" cy="6858000"/>
   <p:notesSz cx="6858000" cy="9144000"/>
@@ -7418,6 +7419,119 @@
     <p:extLst>
       <p:ext uri="{BB962C8B-B14F-4D97-AF65-F5344CB8AC3E}">
         <p14:creationId xmlns:p14="http://schemas.microsoft.com/office/powerpoint/2010/main" val="3069828312"/>
+      </p:ext>
+    </p:extLst>
+  </p:cSld>
+  <p:clrMapOvr>
+    <a:masterClrMapping/>
+  </p:clrMapOvr>
+</p:notes>
+</file>
+
+<file path=ppt/notesSlides/notesSlide61.xml><?xml version="1.0" encoding="utf-8"?>
+<p:notes xmlns:a="http://schemas.openxmlformats.org/drawingml/2006/main" xmlns:r="http://schemas.openxmlformats.org/officeDocument/2006/relationships" xmlns:p="http://schemas.openxmlformats.org/presentationml/2006/main">
+  <p:cSld>
+    <p:spTree>
+      <p:nvGrpSpPr>
+        <p:cNvPr id="1" name=""/>
+        <p:cNvGrpSpPr/>
+        <p:nvPr/>
+      </p:nvGrpSpPr>
+      <p:grpSpPr>
+        <a:xfrm>
+          <a:off x="0" y="0"/>
+          <a:ext cx="0" cy="0"/>
+          <a:chOff x="0" y="0"/>
+          <a:chExt cx="0" cy="0"/>
+        </a:xfrm>
+      </p:grpSpPr>
+      <p:sp>
+        <p:nvSpPr>
+          <p:cNvPr id="2" name="Slide Image Placeholder 1"/>
+          <p:cNvSpPr>
+            <a:spLocks noGrp="1" noRot="1" noChangeAspect="1"/>
+          </p:cNvSpPr>
+          <p:nvPr>
+            <p:ph type="sldImg"/>
+          </p:nvPr>
+        </p:nvSpPr>
+        <p:spPr/>
+      </p:sp>
+      <p:sp>
+        <p:nvSpPr>
+          <p:cNvPr id="3" name="Notes Placeholder 2"/>
+          <p:cNvSpPr>
+            <a:spLocks noGrp="1"/>
+          </p:cNvSpPr>
+          <p:nvPr>
+            <p:ph type="body" idx="1"/>
+          </p:nvPr>
+        </p:nvSpPr>
+        <p:spPr/>
+        <p:txBody>
+          <a:bodyPr/>
+          <a:lstStyle/>
+          <a:p>
+            <a:r>
+              <a:rPr lang="en-IN" dirty="0" smtClean="0"/>
+              <a:t>Branch :</a:t>
+            </a:r>
+            <a:r>
+              <a:rPr lang="en-IN" sz="1200" kern="1200" dirty="0" smtClean="0">
+                <a:solidFill>
+                  <a:schemeClr val="tx1"/>
+                </a:solidFill>
+                <a:latin typeface="+mn-lt"/>
+                <a:ea typeface="+mn-ea"/>
+                <a:cs typeface="+mn-cs"/>
+              </a:rPr>
+              <a:t>Positioning</a:t>
+            </a:r>
+            <a:endParaRPr lang="en-IN" dirty="0" smtClean="0"/>
+          </a:p>
+          <a:p>
+            <a:r>
+              <a:rPr lang="en-IN" dirty="0" smtClean="0"/>
+              <a:t>Commit : </a:t>
+            </a:r>
+            <a:r>
+              <a:rPr lang="en-IN" dirty="0" err="1" smtClean="0"/>
+              <a:t>AssignmentQuestions</a:t>
+            </a:r>
+            <a:endParaRPr lang="en-IN" dirty="0" smtClean="0"/>
+          </a:p>
+          <a:p>
+            <a:endParaRPr lang="en-GB" dirty="0"/>
+          </a:p>
+        </p:txBody>
+      </p:sp>
+      <p:sp>
+        <p:nvSpPr>
+          <p:cNvPr id="4" name="Slide Number Placeholder 3"/>
+          <p:cNvSpPr>
+            <a:spLocks noGrp="1"/>
+          </p:cNvSpPr>
+          <p:nvPr>
+            <p:ph type="sldNum" sz="quarter" idx="10"/>
+          </p:nvPr>
+        </p:nvSpPr>
+        <p:spPr/>
+        <p:txBody>
+          <a:bodyPr/>
+          <a:lstStyle/>
+          <a:p>
+            <a:fld id="{D3B79ED6-4970-4D84-B25C-F520A9D9210C}" type="slidenum">
+              <a:rPr lang="en-GB" smtClean="0"/>
+              <a:t>107</a:t>
+            </a:fld>
+            <a:endParaRPr lang="en-GB"/>
+          </a:p>
+        </p:txBody>
+      </p:sp>
+    </p:spTree>
+    <p:extLst>
+      <p:ext uri="{BB962C8B-B14F-4D97-AF65-F5344CB8AC3E}">
+        <p14:creationId xmlns:p14="http://schemas.microsoft.com/office/powerpoint/2010/main" val="1990443282"/>
       </p:ext>
     </p:extLst>
   </p:cSld>
@@ -15479,6 +15593,148 @@
 </file>
 
 <file path=ppt/slides/slide107.xml><?xml version="1.0" encoding="utf-8"?>
+<p:sld xmlns:a="http://schemas.openxmlformats.org/drawingml/2006/main" xmlns:r="http://schemas.openxmlformats.org/officeDocument/2006/relationships" xmlns:p="http://schemas.openxmlformats.org/presentationml/2006/main">
+  <p:cSld>
+    <p:spTree>
+      <p:nvGrpSpPr>
+        <p:cNvPr id="1" name=""/>
+        <p:cNvGrpSpPr/>
+        <p:nvPr/>
+      </p:nvGrpSpPr>
+      <p:grpSpPr>
+        <a:xfrm>
+          <a:off x="0" y="0"/>
+          <a:ext cx="0" cy="0"/>
+          <a:chOff x="0" y="0"/>
+          <a:chExt cx="0" cy="0"/>
+        </a:xfrm>
+      </p:grpSpPr>
+      <p:sp>
+        <p:nvSpPr>
+          <p:cNvPr id="2" name="Title 1"/>
+          <p:cNvSpPr>
+            <a:spLocks noGrp="1"/>
+          </p:cNvSpPr>
+          <p:nvPr>
+            <p:ph type="title"/>
+          </p:nvPr>
+        </p:nvSpPr>
+        <p:spPr>
+          <a:xfrm>
+            <a:off x="760461" y="0"/>
+            <a:ext cx="8596668" cy="460664"/>
+          </a:xfrm>
+        </p:spPr>
+        <p:txBody>
+          <a:bodyPr>
+            <a:normAutofit fontScale="90000"/>
+          </a:bodyPr>
+          <a:lstStyle/>
+          <a:p>
+            <a:r>
+              <a:rPr lang="en-US" dirty="0" smtClean="0"/>
+              <a:t>Assignment Questions</a:t>
+            </a:r>
+            <a:endParaRPr lang="en-GB" dirty="0"/>
+          </a:p>
+        </p:txBody>
+      </p:sp>
+      <p:sp>
+        <p:nvSpPr>
+          <p:cNvPr id="3" name="Content Placeholder 2"/>
+          <p:cNvSpPr>
+            <a:spLocks noGrp="1"/>
+          </p:cNvSpPr>
+          <p:nvPr>
+            <p:ph idx="1"/>
+          </p:nvPr>
+        </p:nvSpPr>
+        <p:spPr>
+          <a:xfrm>
+            <a:off x="238991" y="550719"/>
+            <a:ext cx="11804073" cy="6089072"/>
+          </a:xfrm>
+        </p:spPr>
+        <p:txBody>
+          <a:bodyPr/>
+          <a:lstStyle/>
+          <a:p>
+            <a:r>
+              <a:rPr lang="en-IN" dirty="0"/>
+              <a:t>Go to our landing page in the course project and add a “margin-top” to our image (“#product-overview”) to ensure, that both the image and the slogan („Get the freedom you deserve“) are no longer hidden below the navigation bar.</a:t>
+            </a:r>
+          </a:p>
+          <a:p>
+            <a:r>
+              <a:rPr lang="en-IN" dirty="0"/>
+              <a:t>Find a way to position the slogan in the left lower corner of the image using “</a:t>
+            </a:r>
+            <a:r>
+              <a:rPr lang="en-IN" dirty="0" err="1"/>
+              <a:t>px</a:t>
+            </a:r>
+            <a:r>
+              <a:rPr lang="en-IN" dirty="0"/>
+              <a:t>”. The slogan should have some space to the left and to the bottom but do NOT add a margin to it.</a:t>
+            </a:r>
+          </a:p>
+          <a:p>
+            <a:r>
+              <a:rPr lang="en-IN" dirty="0"/>
+              <a:t>Change the positioning context of the slogan (challenge: What was the positioning context so far? What is the new positioning context?). Remember how we created the badge on the “Packages” page…</a:t>
+            </a:r>
+          </a:p>
+          <a:p>
+            <a:r>
+              <a:rPr lang="en-IN" dirty="0"/>
+              <a:t>Adjust the position of the slogan using “%” values.</a:t>
+            </a:r>
+          </a:p>
+          <a:p>
+            <a:r>
+              <a:rPr lang="en-IN" dirty="0"/>
+              <a:t>Switch to the “Packages” page.</a:t>
+            </a:r>
+          </a:p>
+          <a:p>
+            <a:r>
+              <a:rPr lang="en-IN" dirty="0"/>
+              <a:t>Add a “z-index” of 10 to the badge (“.</a:t>
+            </a:r>
+            <a:r>
+              <a:rPr lang="en-IN" dirty="0" err="1"/>
+              <a:t>package__badge</a:t>
+            </a:r>
+            <a:r>
+              <a:rPr lang="en-IN" dirty="0"/>
+              <a:t>”). Scroll down on the webpage, what happens to the badge and what causes this issue?</a:t>
+            </a:r>
+          </a:p>
+          <a:p>
+            <a:r>
+              <a:rPr lang="en-IN" dirty="0"/>
+              <a:t>Fix the issue encountered using the “z-index”. Make sure that the highest “z-index” on the entire page is the “z-index” of the badge (hint: Maybe the Stacking Context is a helpful concept in this situation, so you might have to add the “position” property again).</a:t>
+            </a:r>
+          </a:p>
+          <a:p>
+            <a:endParaRPr lang="en-GB" dirty="0"/>
+          </a:p>
+        </p:txBody>
+      </p:sp>
+    </p:spTree>
+    <p:extLst>
+      <p:ext uri="{BB962C8B-B14F-4D97-AF65-F5344CB8AC3E}">
+        <p14:creationId xmlns:p14="http://schemas.microsoft.com/office/powerpoint/2010/main" val="1199379211"/>
+      </p:ext>
+    </p:extLst>
+  </p:cSld>
+  <p:clrMapOvr>
+    <a:masterClrMapping/>
+  </p:clrMapOvr>
+</p:sld>
+</file>
+
+<file path=ppt/slides/slide108.xml><?xml version="1.0" encoding="utf-8"?>
 <p:sld xmlns:a="http://schemas.openxmlformats.org/drawingml/2006/main" xmlns:r="http://schemas.openxmlformats.org/officeDocument/2006/relationships" xmlns:p="http://schemas.openxmlformats.org/presentationml/2006/main" showMasterSp="0">
   <p:cSld>
     <p:spTree>

--- a/PPT/Css-v6.pptx
+++ b/PPT/Css-v6.pptx
@@ -5,7 +5,7 @@
     <p:sldMasterId id="2147483660" r:id="rId1"/>
   </p:sldMasterIdLst>
   <p:notesMasterIdLst>
-    <p:notesMasterId r:id="rId110"/>
+    <p:notesMasterId r:id="rId112"/>
   </p:notesMasterIdLst>
   <p:sldIdLst>
     <p:sldId id="256" r:id="rId2"/>
@@ -115,7 +115,9 @@
     <p:sldId id="468" r:id="rId106"/>
     <p:sldId id="469" r:id="rId107"/>
     <p:sldId id="470" r:id="rId108"/>
-    <p:sldId id="268" r:id="rId109"/>
+    <p:sldId id="471" r:id="rId109"/>
+    <p:sldId id="472" r:id="rId110"/>
+    <p:sldId id="268" r:id="rId111"/>
   </p:sldIdLst>
   <p:sldSz cx="12192000" cy="6858000"/>
   <p:notesSz cx="6858000" cy="9144000"/>
@@ -7532,6 +7534,232 @@
     <p:extLst>
       <p:ext uri="{BB962C8B-B14F-4D97-AF65-F5344CB8AC3E}">
         <p14:creationId xmlns:p14="http://schemas.microsoft.com/office/powerpoint/2010/main" val="1990443282"/>
+      </p:ext>
+    </p:extLst>
+  </p:cSld>
+  <p:clrMapOvr>
+    <a:masterClrMapping/>
+  </p:clrMapOvr>
+</p:notes>
+</file>
+
+<file path=ppt/notesSlides/notesSlide62.xml><?xml version="1.0" encoding="utf-8"?>
+<p:notes xmlns:a="http://schemas.openxmlformats.org/drawingml/2006/main" xmlns:r="http://schemas.openxmlformats.org/officeDocument/2006/relationships" xmlns:p="http://schemas.openxmlformats.org/presentationml/2006/main">
+  <p:cSld>
+    <p:spTree>
+      <p:nvGrpSpPr>
+        <p:cNvPr id="1" name=""/>
+        <p:cNvGrpSpPr/>
+        <p:nvPr/>
+      </p:nvGrpSpPr>
+      <p:grpSpPr>
+        <a:xfrm>
+          <a:off x="0" y="0"/>
+          <a:ext cx="0" cy="0"/>
+          <a:chOff x="0" y="0"/>
+          <a:chExt cx="0" cy="0"/>
+        </a:xfrm>
+      </p:grpSpPr>
+      <p:sp>
+        <p:nvSpPr>
+          <p:cNvPr id="2" name="Slide Image Placeholder 1"/>
+          <p:cNvSpPr>
+            <a:spLocks noGrp="1" noRot="1" noChangeAspect="1"/>
+          </p:cNvSpPr>
+          <p:nvPr>
+            <p:ph type="sldImg"/>
+          </p:nvPr>
+        </p:nvSpPr>
+        <p:spPr/>
+      </p:sp>
+      <p:sp>
+        <p:nvSpPr>
+          <p:cNvPr id="3" name="Notes Placeholder 2"/>
+          <p:cNvSpPr>
+            <a:spLocks noGrp="1"/>
+          </p:cNvSpPr>
+          <p:nvPr>
+            <p:ph type="body" idx="1"/>
+          </p:nvPr>
+        </p:nvSpPr>
+        <p:spPr/>
+        <p:txBody>
+          <a:bodyPr/>
+          <a:lstStyle/>
+          <a:p>
+            <a:r>
+              <a:rPr lang="en-IN" dirty="0" smtClean="0"/>
+              <a:t>Branch :</a:t>
+            </a:r>
+            <a:r>
+              <a:rPr lang="en-IN" sz="1200" kern="1200" dirty="0" smtClean="0">
+                <a:solidFill>
+                  <a:schemeClr val="tx1"/>
+                </a:solidFill>
+                <a:latin typeface="+mn-lt"/>
+                <a:ea typeface="+mn-ea"/>
+                <a:cs typeface="+mn-cs"/>
+              </a:rPr>
+              <a:t>Positioning</a:t>
+            </a:r>
+            <a:endParaRPr lang="en-IN" dirty="0" smtClean="0"/>
+          </a:p>
+          <a:p>
+            <a:r>
+              <a:rPr lang="en-IN" dirty="0" smtClean="0"/>
+              <a:t>Commit : </a:t>
+            </a:r>
+            <a:r>
+              <a:rPr lang="en-IN" dirty="0" err="1" smtClean="0"/>
+              <a:t>AssignmentSolution</a:t>
+            </a:r>
+            <a:endParaRPr lang="en-IN" dirty="0" smtClean="0"/>
+          </a:p>
+          <a:p>
+            <a:endParaRPr lang="en-GB" dirty="0"/>
+          </a:p>
+        </p:txBody>
+      </p:sp>
+      <p:sp>
+        <p:nvSpPr>
+          <p:cNvPr id="4" name="Slide Number Placeholder 3"/>
+          <p:cNvSpPr>
+            <a:spLocks noGrp="1"/>
+          </p:cNvSpPr>
+          <p:nvPr>
+            <p:ph type="sldNum" sz="quarter" idx="10"/>
+          </p:nvPr>
+        </p:nvSpPr>
+        <p:spPr/>
+        <p:txBody>
+          <a:bodyPr/>
+          <a:lstStyle/>
+          <a:p>
+            <a:fld id="{D3B79ED6-4970-4D84-B25C-F520A9D9210C}" type="slidenum">
+              <a:rPr lang="en-GB" smtClean="0"/>
+              <a:t>108</a:t>
+            </a:fld>
+            <a:endParaRPr lang="en-GB"/>
+          </a:p>
+        </p:txBody>
+      </p:sp>
+    </p:spTree>
+    <p:extLst>
+      <p:ext uri="{BB962C8B-B14F-4D97-AF65-F5344CB8AC3E}">
+        <p14:creationId xmlns:p14="http://schemas.microsoft.com/office/powerpoint/2010/main" val="2021281176"/>
+      </p:ext>
+    </p:extLst>
+  </p:cSld>
+  <p:clrMapOvr>
+    <a:masterClrMapping/>
+  </p:clrMapOvr>
+</p:notes>
+</file>
+
+<file path=ppt/notesSlides/notesSlide63.xml><?xml version="1.0" encoding="utf-8"?>
+<p:notes xmlns:a="http://schemas.openxmlformats.org/drawingml/2006/main" xmlns:r="http://schemas.openxmlformats.org/officeDocument/2006/relationships" xmlns:p="http://schemas.openxmlformats.org/presentationml/2006/main">
+  <p:cSld>
+    <p:spTree>
+      <p:nvGrpSpPr>
+        <p:cNvPr id="1" name=""/>
+        <p:cNvGrpSpPr/>
+        <p:nvPr/>
+      </p:nvGrpSpPr>
+      <p:grpSpPr>
+        <a:xfrm>
+          <a:off x="0" y="0"/>
+          <a:ext cx="0" cy="0"/>
+          <a:chOff x="0" y="0"/>
+          <a:chExt cx="0" cy="0"/>
+        </a:xfrm>
+      </p:grpSpPr>
+      <p:sp>
+        <p:nvSpPr>
+          <p:cNvPr id="2" name="Slide Image Placeholder 1"/>
+          <p:cNvSpPr>
+            <a:spLocks noGrp="1" noRot="1" noChangeAspect="1"/>
+          </p:cNvSpPr>
+          <p:nvPr>
+            <p:ph type="sldImg"/>
+          </p:nvPr>
+        </p:nvSpPr>
+        <p:spPr/>
+      </p:sp>
+      <p:sp>
+        <p:nvSpPr>
+          <p:cNvPr id="3" name="Notes Placeholder 2"/>
+          <p:cNvSpPr>
+            <a:spLocks noGrp="1"/>
+          </p:cNvSpPr>
+          <p:nvPr>
+            <p:ph type="body" idx="1"/>
+          </p:nvPr>
+        </p:nvSpPr>
+        <p:spPr/>
+        <p:txBody>
+          <a:bodyPr/>
+          <a:lstStyle/>
+          <a:p>
+            <a:r>
+              <a:rPr lang="en-IN" dirty="0" smtClean="0"/>
+              <a:t>Branch :</a:t>
+            </a:r>
+            <a:r>
+              <a:rPr lang="en-IN" sz="1200" kern="1200" dirty="0" smtClean="0">
+                <a:solidFill>
+                  <a:schemeClr val="tx1"/>
+                </a:solidFill>
+                <a:latin typeface="+mn-lt"/>
+                <a:ea typeface="+mn-ea"/>
+                <a:cs typeface="+mn-cs"/>
+              </a:rPr>
+              <a:t>Positioning</a:t>
+            </a:r>
+            <a:endParaRPr lang="en-IN" dirty="0" smtClean="0"/>
+          </a:p>
+          <a:p>
+            <a:r>
+              <a:rPr lang="en-IN" dirty="0" smtClean="0"/>
+              <a:t>Commit : </a:t>
+            </a:r>
+            <a:r>
+              <a:rPr lang="en-IN" dirty="0" err="1" smtClean="0"/>
+              <a:t>AssignmentSolution</a:t>
+            </a:r>
+            <a:endParaRPr lang="en-IN" dirty="0" smtClean="0"/>
+          </a:p>
+          <a:p>
+            <a:endParaRPr lang="en-GB" dirty="0"/>
+          </a:p>
+        </p:txBody>
+      </p:sp>
+      <p:sp>
+        <p:nvSpPr>
+          <p:cNvPr id="4" name="Slide Number Placeholder 3"/>
+          <p:cNvSpPr>
+            <a:spLocks noGrp="1"/>
+          </p:cNvSpPr>
+          <p:nvPr>
+            <p:ph type="sldNum" sz="quarter" idx="10"/>
+          </p:nvPr>
+        </p:nvSpPr>
+        <p:spPr/>
+        <p:txBody>
+          <a:bodyPr/>
+          <a:lstStyle/>
+          <a:p>
+            <a:fld id="{D3B79ED6-4970-4D84-B25C-F520A9D9210C}" type="slidenum">
+              <a:rPr lang="en-GB" smtClean="0"/>
+              <a:t>109</a:t>
+            </a:fld>
+            <a:endParaRPr lang="en-GB"/>
+          </a:p>
+        </p:txBody>
+      </p:sp>
+    </p:spTree>
+    <p:extLst>
+      <p:ext uri="{BB962C8B-B14F-4D97-AF65-F5344CB8AC3E}">
+        <p14:creationId xmlns:p14="http://schemas.microsoft.com/office/powerpoint/2010/main" val="3957196093"/>
       </p:ext>
     </p:extLst>
   </p:cSld>
@@ -15480,7 +15708,9 @@
           </a:xfrm>
         </p:spPr>
         <p:txBody>
-          <a:bodyPr/>
+          <a:bodyPr>
+            <a:normAutofit lnSpcReduction="10000"/>
+          </a:bodyPr>
           <a:lstStyle/>
           <a:p>
             <a:r>
@@ -15575,6 +15805,15 @@
               <a:rPr lang="en-US" dirty="0" smtClean="0"/>
               <a:t>In simple words the images are a part of the stacking context of headline</a:t>
             </a:r>
+          </a:p>
+          <a:p>
+            <a:r>
+              <a:rPr lang="en-US" dirty="0" smtClean="0"/>
+              <a:t>Whenever we apply position fixed to our element a new stacking context is created automatically but for position relative and absolute a new stacking context is created only when we add a z-index</a:t>
+            </a:r>
+            <a:endParaRPr lang="en-US" dirty="0"/>
+          </a:p>
+          <a:p>
             <a:endParaRPr lang="en-GB" dirty="0"/>
           </a:p>
         </p:txBody>
@@ -15661,7 +15900,39 @@
           <a:p>
             <a:r>
               <a:rPr lang="en-IN" dirty="0"/>
-              <a:t>Go to our landing page in the course project and add a “margin-top” to our image (“#product-overview”) to ensure, that both the image and the slogan („Get the freedom you deserve“) are no longer hidden below the navigation bar.</a:t>
+              <a:t>Go to our landing page in the course project and add a “margin-top” to our image (“#product-overview”) to ensure, that both the image and the slogan </a:t>
+            </a:r>
+            <a:r>
+              <a:rPr lang="en-IN" dirty="0" smtClean="0"/>
+              <a:t>(„Risk </a:t>
+            </a:r>
+            <a:r>
+              <a:rPr lang="en-IN" dirty="0" err="1" smtClean="0"/>
+              <a:t>hai</a:t>
+            </a:r>
+            <a:r>
+              <a:rPr lang="en-IN" dirty="0" smtClean="0"/>
+              <a:t> to </a:t>
+            </a:r>
+            <a:r>
+              <a:rPr lang="en-IN" dirty="0" err="1" smtClean="0"/>
+              <a:t>Ishq</a:t>
+            </a:r>
+            <a:r>
+              <a:rPr lang="en-IN" dirty="0" smtClean="0"/>
+              <a:t> </a:t>
+            </a:r>
+            <a:r>
+              <a:rPr lang="en-IN" dirty="0" err="1" smtClean="0"/>
+              <a:t>hai</a:t>
+            </a:r>
+            <a:r>
+              <a:rPr lang="en-IN" dirty="0" smtClean="0"/>
+              <a:t>“) </a:t>
+            </a:r>
+            <a:r>
+              <a:rPr lang="en-IN" dirty="0"/>
+              <a:t>are no longer hidden below the navigation bar.</a:t>
             </a:r>
           </a:p>
           <a:p>
@@ -15735,7 +16006,7 @@
 </file>
 
 <file path=ppt/slides/slide108.xml><?xml version="1.0" encoding="utf-8"?>
-<p:sld xmlns:a="http://schemas.openxmlformats.org/drawingml/2006/main" xmlns:r="http://schemas.openxmlformats.org/officeDocument/2006/relationships" xmlns:p="http://schemas.openxmlformats.org/presentationml/2006/main" showMasterSp="0">
+<p:sld xmlns:a="http://schemas.openxmlformats.org/drawingml/2006/main" xmlns:r="http://schemas.openxmlformats.org/officeDocument/2006/relationships" xmlns:p="http://schemas.openxmlformats.org/presentationml/2006/main">
   <p:cSld>
     <p:spTree>
       <p:nvGrpSpPr>
@@ -15753,6 +16024,94 @@
       </p:grpSpPr>
       <p:sp>
         <p:nvSpPr>
+          <p:cNvPr id="2" name="Title 1"/>
+          <p:cNvSpPr>
+            <a:spLocks noGrp="1"/>
+          </p:cNvSpPr>
+          <p:nvPr>
+            <p:ph type="title"/>
+          </p:nvPr>
+        </p:nvSpPr>
+        <p:spPr>
+          <a:xfrm>
+            <a:off x="2589261" y="2563091"/>
+            <a:ext cx="8596668" cy="1320800"/>
+          </a:xfrm>
+        </p:spPr>
+        <p:txBody>
+          <a:bodyPr/>
+          <a:lstStyle/>
+          <a:p>
+            <a:r>
+              <a:rPr lang="en-US" dirty="0"/>
+              <a:t>Assignment Solution</a:t>
+            </a:r>
+            <a:r>
+              <a:rPr lang="en-GB" dirty="0"/>
+              <a:t/>
+            </a:r>
+            <a:br>
+              <a:rPr lang="en-GB" dirty="0"/>
+            </a:br>
+            <a:endParaRPr lang="en-GB" dirty="0"/>
+          </a:p>
+        </p:txBody>
+      </p:sp>
+    </p:spTree>
+    <p:extLst>
+      <p:ext uri="{BB962C8B-B14F-4D97-AF65-F5344CB8AC3E}">
+        <p14:creationId xmlns:p14="http://schemas.microsoft.com/office/powerpoint/2010/main" val="369020344"/>
+      </p:ext>
+    </p:extLst>
+  </p:cSld>
+  <p:clrMapOvr>
+    <a:masterClrMapping/>
+  </p:clrMapOvr>
+</p:sld>
+</file>
+
+<file path=ppt/slides/slide109.xml><?xml version="1.0" encoding="utf-8"?>
+<p:sld xmlns:a="http://schemas.openxmlformats.org/drawingml/2006/main" xmlns:r="http://schemas.openxmlformats.org/officeDocument/2006/relationships" xmlns:p="http://schemas.openxmlformats.org/presentationml/2006/main">
+  <p:cSld>
+    <p:spTree>
+      <p:nvGrpSpPr>
+        <p:cNvPr id="1" name=""/>
+        <p:cNvGrpSpPr/>
+        <p:nvPr/>
+      </p:nvGrpSpPr>
+      <p:grpSpPr>
+        <a:xfrm>
+          <a:off x="0" y="0"/>
+          <a:ext cx="0" cy="0"/>
+          <a:chOff x="0" y="0"/>
+          <a:chExt cx="0" cy="0"/>
+        </a:xfrm>
+      </p:grpSpPr>
+      <p:sp>
+        <p:nvSpPr>
+          <p:cNvPr id="2" name="Title 1"/>
+          <p:cNvSpPr>
+            <a:spLocks noGrp="1"/>
+          </p:cNvSpPr>
+          <p:nvPr>
+            <p:ph type="title"/>
+          </p:nvPr>
+        </p:nvSpPr>
+        <p:spPr/>
+        <p:txBody>
+          <a:bodyPr/>
+          <a:lstStyle/>
+          <a:p>
+            <a:r>
+              <a:rPr lang="en-US" dirty="0" smtClean="0"/>
+              <a:t>Useful Links</a:t>
+            </a:r>
+            <a:endParaRPr lang="en-GB" dirty="0"/>
+          </a:p>
+        </p:txBody>
+      </p:sp>
+      <p:sp>
+        <p:nvSpPr>
           <p:cNvPr id="3" name="Content Placeholder 2"/>
           <p:cNvSpPr>
             <a:spLocks noGrp="1"/>
@@ -15763,44 +16122,88 @@
         </p:nvSpPr>
         <p:spPr>
           <a:xfrm>
-            <a:off x="3163860" y="2754147"/>
-            <a:ext cx="8596668" cy="3880773"/>
+            <a:off x="677334" y="1371601"/>
+            <a:ext cx="8596668" cy="4669762"/>
           </a:xfrm>
         </p:spPr>
         <p:txBody>
-          <a:bodyPr>
-            <a:normAutofit/>
-          </a:bodyPr>
-          <a:lstStyle/>
-          <a:p>
-            <a:pPr marL="0" indent="0">
-              <a:buNone/>
-            </a:pPr>
-            <a:r>
-              <a:rPr lang="en-IN" sz="5400" b="1" smtClean="0"/>
-              <a:t>Thanks!!!!!</a:t>
-            </a:r>
-            <a:endParaRPr lang="en-GB" sz="5400" b="1" dirty="0"/>
+          <a:bodyPr/>
+          <a:lstStyle/>
+          <a:p>
+            <a:r>
+              <a:rPr lang="en-GB" dirty="0">
+                <a:hlinkClick r:id="rId3"/>
+              </a:rPr>
+              <a:t>https://</a:t>
+            </a:r>
+            <a:r>
+              <a:rPr lang="en-GB" dirty="0" smtClean="0">
+                <a:hlinkClick r:id="rId3"/>
+              </a:rPr>
+              <a:t>youtu.be/1OKZOV-iLj4</a:t>
+            </a:r>
+            <a:endParaRPr lang="en-GB" dirty="0"/>
+          </a:p>
+          <a:p>
+            <a:r>
+              <a:rPr lang="en-GB" dirty="0">
+                <a:hlinkClick r:id="rId4"/>
+              </a:rPr>
+              <a:t>https://medium.com/@</a:t>
+            </a:r>
+            <a:r>
+              <a:rPr lang="en-GB" dirty="0" smtClean="0">
+                <a:hlinkClick r:id="rId4"/>
+              </a:rPr>
+              <a:t>dte/understanding-css-selector-specificity-a02238a02a59</a:t>
+            </a:r>
+            <a:endParaRPr lang="en-GB" dirty="0" smtClean="0"/>
+          </a:p>
+          <a:p>
+            <a:r>
+              <a:rPr lang="en-GB" dirty="0">
+                <a:hlinkClick r:id="rId5"/>
+              </a:rPr>
+              <a:t>https://</a:t>
+            </a:r>
+            <a:r>
+              <a:rPr lang="en-GB" dirty="0" smtClean="0">
+                <a:hlinkClick r:id="rId5"/>
+              </a:rPr>
+              <a:t>www.w3schools.com/cssref/pr_class_position.asp</a:t>
+            </a:r>
+            <a:endParaRPr lang="en-GB" dirty="0" smtClean="0"/>
+          </a:p>
+          <a:p>
+            <a:r>
+              <a:rPr lang="en-GB" dirty="0">
+                <a:hlinkClick r:id="rId6"/>
+              </a:rPr>
+              <a:t>https://</a:t>
+            </a:r>
+            <a:r>
+              <a:rPr lang="en-GB" dirty="0" smtClean="0">
+                <a:hlinkClick r:id="rId6"/>
+              </a:rPr>
+              <a:t>developer.mozilla.org/en-US/docs/Web/CSS/position</a:t>
+            </a:r>
+            <a:endParaRPr lang="en-GB" dirty="0" smtClean="0"/>
+          </a:p>
+          <a:p>
+            <a:endParaRPr lang="en-GB" dirty="0"/>
           </a:p>
         </p:txBody>
       </p:sp>
     </p:spTree>
     <p:extLst>
       <p:ext uri="{BB962C8B-B14F-4D97-AF65-F5344CB8AC3E}">
-        <p14:creationId xmlns:p14="http://schemas.microsoft.com/office/powerpoint/2010/main" val="3977684842"/>
+        <p14:creationId xmlns:p14="http://schemas.microsoft.com/office/powerpoint/2010/main" val="3827948608"/>
       </p:ext>
     </p:extLst>
   </p:cSld>
   <p:clrMapOvr>
     <a:masterClrMapping/>
   </p:clrMapOvr>
-  <p:timing>
-    <p:tnLst>
-      <p:par>
-        <p:cTn id="1" dur="indefinite" restart="never" nodeType="tmRoot"/>
-      </p:par>
-    </p:tnLst>
-  </p:timing>
 </p:sld>
 </file>
 
@@ -15907,6 +16310,76 @@
     <p:extLst>
       <p:ext uri="{BB962C8B-B14F-4D97-AF65-F5344CB8AC3E}">
         <p14:creationId xmlns:p14="http://schemas.microsoft.com/office/powerpoint/2010/main" val="1554597934"/>
+      </p:ext>
+    </p:extLst>
+  </p:cSld>
+  <p:clrMapOvr>
+    <a:masterClrMapping/>
+  </p:clrMapOvr>
+  <p:timing>
+    <p:tnLst>
+      <p:par>
+        <p:cTn id="1" dur="indefinite" restart="never" nodeType="tmRoot"/>
+      </p:par>
+    </p:tnLst>
+  </p:timing>
+</p:sld>
+</file>
+
+<file path=ppt/slides/slide110.xml><?xml version="1.0" encoding="utf-8"?>
+<p:sld xmlns:a="http://schemas.openxmlformats.org/drawingml/2006/main" xmlns:r="http://schemas.openxmlformats.org/officeDocument/2006/relationships" xmlns:p="http://schemas.openxmlformats.org/presentationml/2006/main" showMasterSp="0">
+  <p:cSld>
+    <p:spTree>
+      <p:nvGrpSpPr>
+        <p:cNvPr id="1" name=""/>
+        <p:cNvGrpSpPr/>
+        <p:nvPr/>
+      </p:nvGrpSpPr>
+      <p:grpSpPr>
+        <a:xfrm>
+          <a:off x="0" y="0"/>
+          <a:ext cx="0" cy="0"/>
+          <a:chOff x="0" y="0"/>
+          <a:chExt cx="0" cy="0"/>
+        </a:xfrm>
+      </p:grpSpPr>
+      <p:sp>
+        <p:nvSpPr>
+          <p:cNvPr id="3" name="Content Placeholder 2"/>
+          <p:cNvSpPr>
+            <a:spLocks noGrp="1"/>
+          </p:cNvSpPr>
+          <p:nvPr>
+            <p:ph idx="1"/>
+          </p:nvPr>
+        </p:nvSpPr>
+        <p:spPr>
+          <a:xfrm>
+            <a:off x="3163860" y="2754147"/>
+            <a:ext cx="8596668" cy="3880773"/>
+          </a:xfrm>
+        </p:spPr>
+        <p:txBody>
+          <a:bodyPr>
+            <a:normAutofit/>
+          </a:bodyPr>
+          <a:lstStyle/>
+          <a:p>
+            <a:pPr marL="0" indent="0">
+              <a:buNone/>
+            </a:pPr>
+            <a:r>
+              <a:rPr lang="en-IN" sz="5400" b="1" smtClean="0"/>
+              <a:t>Thanks!!!!!</a:t>
+            </a:r>
+            <a:endParaRPr lang="en-GB" sz="5400" b="1" dirty="0"/>
+          </a:p>
+        </p:txBody>
+      </p:sp>
+    </p:spTree>
+    <p:extLst>
+      <p:ext uri="{BB962C8B-B14F-4D97-AF65-F5344CB8AC3E}">
+        <p14:creationId xmlns:p14="http://schemas.microsoft.com/office/powerpoint/2010/main" val="3977684842"/>
       </p:ext>
     </p:extLst>
   </p:cSld>

--- a/PPT/Css-v6.pptx
+++ b/PPT/Css-v6.pptx
@@ -5,7 +5,7 @@
     <p:sldMasterId id="2147483660" r:id="rId1"/>
   </p:sldMasterIdLst>
   <p:notesMasterIdLst>
-    <p:notesMasterId r:id="rId112"/>
+    <p:notesMasterId r:id="rId113"/>
   </p:notesMasterIdLst>
   <p:sldIdLst>
     <p:sldId id="256" r:id="rId2"/>
@@ -116,8 +116,9 @@
     <p:sldId id="469" r:id="rId107"/>
     <p:sldId id="470" r:id="rId108"/>
     <p:sldId id="471" r:id="rId109"/>
-    <p:sldId id="472" r:id="rId110"/>
-    <p:sldId id="268" r:id="rId111"/>
+    <p:sldId id="473" r:id="rId110"/>
+    <p:sldId id="472" r:id="rId111"/>
+    <p:sldId id="268" r:id="rId112"/>
   </p:sldIdLst>
   <p:sldSz cx="12192000" cy="6858000"/>
   <p:notesSz cx="6858000" cy="9144000"/>
@@ -7720,13 +7721,8 @@
           <a:p>
             <a:r>
               <a:rPr lang="en-IN" dirty="0" smtClean="0"/>
-              <a:t>Commit : </a:t>
-            </a:r>
-            <a:r>
-              <a:rPr lang="en-IN" dirty="0" err="1" smtClean="0"/>
-              <a:t>AssignmentSolution</a:t>
-            </a:r>
-            <a:endParaRPr lang="en-IN" dirty="0" smtClean="0"/>
+              <a:t>Commit : Summary</a:t>
+            </a:r>
           </a:p>
           <a:p>
             <a:endParaRPr lang="en-GB" dirty="0"/>
@@ -7751,6 +7747,123 @@
             <a:fld id="{D3B79ED6-4970-4D84-B25C-F520A9D9210C}" type="slidenum">
               <a:rPr lang="en-GB" smtClean="0"/>
               <a:t>109</a:t>
+            </a:fld>
+            <a:endParaRPr lang="en-GB"/>
+          </a:p>
+        </p:txBody>
+      </p:sp>
+    </p:spTree>
+    <p:extLst>
+      <p:ext uri="{BB962C8B-B14F-4D97-AF65-F5344CB8AC3E}">
+        <p14:creationId xmlns:p14="http://schemas.microsoft.com/office/powerpoint/2010/main" val="1790036798"/>
+      </p:ext>
+    </p:extLst>
+  </p:cSld>
+  <p:clrMapOvr>
+    <a:masterClrMapping/>
+  </p:clrMapOvr>
+</p:notes>
+</file>
+
+<file path=ppt/notesSlides/notesSlide64.xml><?xml version="1.0" encoding="utf-8"?>
+<p:notes xmlns:a="http://schemas.openxmlformats.org/drawingml/2006/main" xmlns:r="http://schemas.openxmlformats.org/officeDocument/2006/relationships" xmlns:p="http://schemas.openxmlformats.org/presentationml/2006/main">
+  <p:cSld>
+    <p:spTree>
+      <p:nvGrpSpPr>
+        <p:cNvPr id="1" name=""/>
+        <p:cNvGrpSpPr/>
+        <p:nvPr/>
+      </p:nvGrpSpPr>
+      <p:grpSpPr>
+        <a:xfrm>
+          <a:off x="0" y="0"/>
+          <a:ext cx="0" cy="0"/>
+          <a:chOff x="0" y="0"/>
+          <a:chExt cx="0" cy="0"/>
+        </a:xfrm>
+      </p:grpSpPr>
+      <p:sp>
+        <p:nvSpPr>
+          <p:cNvPr id="2" name="Slide Image Placeholder 1"/>
+          <p:cNvSpPr>
+            <a:spLocks noGrp="1" noRot="1" noChangeAspect="1"/>
+          </p:cNvSpPr>
+          <p:nvPr>
+            <p:ph type="sldImg"/>
+          </p:nvPr>
+        </p:nvSpPr>
+        <p:spPr/>
+      </p:sp>
+      <p:sp>
+        <p:nvSpPr>
+          <p:cNvPr id="3" name="Notes Placeholder 2"/>
+          <p:cNvSpPr>
+            <a:spLocks noGrp="1"/>
+          </p:cNvSpPr>
+          <p:nvPr>
+            <p:ph type="body" idx="1"/>
+          </p:nvPr>
+        </p:nvSpPr>
+        <p:spPr/>
+        <p:txBody>
+          <a:bodyPr/>
+          <a:lstStyle/>
+          <a:p>
+            <a:r>
+              <a:rPr lang="en-IN" dirty="0" smtClean="0"/>
+              <a:t>Branch :</a:t>
+            </a:r>
+            <a:r>
+              <a:rPr lang="en-IN" sz="1200" kern="1200" dirty="0" smtClean="0">
+                <a:solidFill>
+                  <a:schemeClr val="tx1"/>
+                </a:solidFill>
+                <a:latin typeface="+mn-lt"/>
+                <a:ea typeface="+mn-ea"/>
+                <a:cs typeface="+mn-cs"/>
+              </a:rPr>
+              <a:t>Positioning</a:t>
+            </a:r>
+            <a:endParaRPr lang="en-IN" dirty="0" smtClean="0"/>
+          </a:p>
+          <a:p>
+            <a:r>
+              <a:rPr lang="en-IN" dirty="0" smtClean="0"/>
+              <a:t>Commit </a:t>
+            </a:r>
+            <a:r>
+              <a:rPr lang="en-IN" smtClean="0"/>
+              <a:t>: </a:t>
+            </a:r>
+            <a:r>
+              <a:rPr lang="en-IN" smtClean="0"/>
+              <a:t>Summary</a:t>
+            </a:r>
+            <a:endParaRPr lang="en-IN" dirty="0" smtClean="0"/>
+          </a:p>
+          <a:p>
+            <a:endParaRPr lang="en-GB" dirty="0"/>
+          </a:p>
+        </p:txBody>
+      </p:sp>
+      <p:sp>
+        <p:nvSpPr>
+          <p:cNvPr id="4" name="Slide Number Placeholder 3"/>
+          <p:cNvSpPr>
+            <a:spLocks noGrp="1"/>
+          </p:cNvSpPr>
+          <p:nvPr>
+            <p:ph type="sldNum" sz="quarter" idx="10"/>
+          </p:nvPr>
+        </p:nvSpPr>
+        <p:spPr/>
+        <p:txBody>
+          <a:bodyPr/>
+          <a:lstStyle/>
+          <a:p>
+            <a:fld id="{D3B79ED6-4970-4D84-B25C-F520A9D9210C}" type="slidenum">
+              <a:rPr lang="en-GB" smtClean="0"/>
+              <a:t>110</a:t>
             </a:fld>
             <a:endParaRPr lang="en-GB"/>
           </a:p>
@@ -16087,117 +16200,34 @@
           <a:chExt cx="0" cy="0"/>
         </a:xfrm>
       </p:grpSpPr>
-      <p:sp>
-        <p:nvSpPr>
-          <p:cNvPr id="2" name="Title 1"/>
-          <p:cNvSpPr>
-            <a:spLocks noGrp="1"/>
-          </p:cNvSpPr>
-          <p:nvPr>
-            <p:ph type="title"/>
-          </p:nvPr>
-        </p:nvSpPr>
-        <p:spPr/>
-        <p:txBody>
-          <a:bodyPr/>
-          <a:lstStyle/>
-          <a:p>
-            <a:r>
-              <a:rPr lang="en-US" dirty="0" smtClean="0"/>
-              <a:t>Useful Links</a:t>
-            </a:r>
-            <a:endParaRPr lang="en-GB" dirty="0"/>
-          </a:p>
-        </p:txBody>
-      </p:sp>
-      <p:sp>
-        <p:nvSpPr>
-          <p:cNvPr id="3" name="Content Placeholder 2"/>
-          <p:cNvSpPr>
-            <a:spLocks noGrp="1"/>
-          </p:cNvSpPr>
-          <p:nvPr>
-            <p:ph idx="1"/>
-          </p:nvPr>
-        </p:nvSpPr>
+      <p:pic>
+        <p:nvPicPr>
+          <p:cNvPr id="4" name="Picture 3"/>
+          <p:cNvPicPr>
+            <a:picLocks noChangeAspect="1"/>
+          </p:cNvPicPr>
+          <p:nvPr/>
+        </p:nvPicPr>
+        <p:blipFill>
+          <a:blip r:embed="rId3"/>
+          <a:stretch>
+            <a:fillRect/>
+          </a:stretch>
+        </p:blipFill>
         <p:spPr>
           <a:xfrm>
-            <a:off x="677334" y="1371601"/>
-            <a:ext cx="8596668" cy="4669762"/>
+            <a:off x="1" y="0"/>
+            <a:ext cx="12191999" cy="6736080"/>
           </a:xfrm>
+          <a:prstGeom prst="rect">
+            <a:avLst/>
+          </a:prstGeom>
         </p:spPr>
-        <p:txBody>
-          <a:bodyPr/>
-          <a:lstStyle/>
-          <a:p>
-            <a:r>
-              <a:rPr lang="en-GB" dirty="0">
-                <a:hlinkClick r:id="rId3"/>
-              </a:rPr>
-              <a:t>https://</a:t>
-            </a:r>
-            <a:r>
-              <a:rPr lang="en-GB" dirty="0" smtClean="0">
-                <a:hlinkClick r:id="rId3"/>
-              </a:rPr>
-              <a:t>youtu.be/1OKZOV-iLj4</a:t>
-            </a:r>
-            <a:endParaRPr lang="en-GB" dirty="0"/>
-          </a:p>
-          <a:p>
-            <a:r>
-              <a:rPr lang="en-GB" dirty="0">
-                <a:hlinkClick r:id="rId4"/>
-              </a:rPr>
-              <a:t>https://medium.com/@</a:t>
-            </a:r>
-            <a:r>
-              <a:rPr lang="en-GB" dirty="0" smtClean="0">
-                <a:hlinkClick r:id="rId4"/>
-              </a:rPr>
-              <a:t>dte/understanding-css-selector-specificity-a02238a02a59</a:t>
-            </a:r>
-            <a:endParaRPr lang="en-GB" dirty="0" smtClean="0"/>
-          </a:p>
-          <a:p>
-            <a:r>
-              <a:rPr lang="en-GB" dirty="0">
-                <a:hlinkClick r:id="rId5"/>
-              </a:rPr>
-              <a:t>https://</a:t>
-            </a:r>
-            <a:r>
-              <a:rPr lang="en-GB" dirty="0" smtClean="0">
-                <a:hlinkClick r:id="rId5"/>
-              </a:rPr>
-              <a:t>www.w3schools.com/cssref/pr_class_position.asp</a:t>
-            </a:r>
-            <a:endParaRPr lang="en-GB" dirty="0" smtClean="0"/>
-          </a:p>
-          <a:p>
-            <a:r>
-              <a:rPr lang="en-GB" dirty="0">
-                <a:hlinkClick r:id="rId6"/>
-              </a:rPr>
-              <a:t>https://</a:t>
-            </a:r>
-            <a:r>
-              <a:rPr lang="en-GB" dirty="0" smtClean="0">
-                <a:hlinkClick r:id="rId6"/>
-              </a:rPr>
-              <a:t>developer.mozilla.org/en-US/docs/Web/CSS/position</a:t>
-            </a:r>
-            <a:endParaRPr lang="en-GB" dirty="0" smtClean="0"/>
-          </a:p>
-          <a:p>
-            <a:endParaRPr lang="en-GB" dirty="0"/>
-          </a:p>
-        </p:txBody>
-      </p:sp>
+      </p:pic>
     </p:spTree>
     <p:extLst>
       <p:ext uri="{BB962C8B-B14F-4D97-AF65-F5344CB8AC3E}">
-        <p14:creationId xmlns:p14="http://schemas.microsoft.com/office/powerpoint/2010/main" val="3827948608"/>
+        <p14:creationId xmlns:p14="http://schemas.microsoft.com/office/powerpoint/2010/main" val="560569094"/>
       </p:ext>
     </p:extLst>
   </p:cSld>
@@ -16327,6 +16357,213 @@
 </file>
 
 <file path=ppt/slides/slide110.xml><?xml version="1.0" encoding="utf-8"?>
+<p:sld xmlns:a="http://schemas.openxmlformats.org/drawingml/2006/main" xmlns:r="http://schemas.openxmlformats.org/officeDocument/2006/relationships" xmlns:p="http://schemas.openxmlformats.org/presentationml/2006/main">
+  <p:cSld>
+    <p:spTree>
+      <p:nvGrpSpPr>
+        <p:cNvPr id="1" name=""/>
+        <p:cNvGrpSpPr/>
+        <p:nvPr/>
+      </p:nvGrpSpPr>
+      <p:grpSpPr>
+        <a:xfrm>
+          <a:off x="0" y="0"/>
+          <a:ext cx="0" cy="0"/>
+          <a:chOff x="0" y="0"/>
+          <a:chExt cx="0" cy="0"/>
+        </a:xfrm>
+      </p:grpSpPr>
+      <p:sp>
+        <p:nvSpPr>
+          <p:cNvPr id="2" name="Title 1"/>
+          <p:cNvSpPr>
+            <a:spLocks noGrp="1"/>
+          </p:cNvSpPr>
+          <p:nvPr>
+            <p:ph type="title"/>
+          </p:nvPr>
+        </p:nvSpPr>
+        <p:spPr/>
+        <p:txBody>
+          <a:bodyPr/>
+          <a:lstStyle/>
+          <a:p>
+            <a:r>
+              <a:rPr lang="en-US" dirty="0" smtClean="0"/>
+              <a:t>Useful Links</a:t>
+            </a:r>
+            <a:endParaRPr lang="en-GB" dirty="0"/>
+          </a:p>
+        </p:txBody>
+      </p:sp>
+      <p:sp>
+        <p:nvSpPr>
+          <p:cNvPr id="3" name="Content Placeholder 2"/>
+          <p:cNvSpPr>
+            <a:spLocks noGrp="1"/>
+          </p:cNvSpPr>
+          <p:nvPr>
+            <p:ph idx="1"/>
+          </p:nvPr>
+        </p:nvSpPr>
+        <p:spPr>
+          <a:xfrm>
+            <a:off x="677334" y="1371601"/>
+            <a:ext cx="8596668" cy="4669762"/>
+          </a:xfrm>
+        </p:spPr>
+        <p:txBody>
+          <a:bodyPr>
+            <a:normAutofit fontScale="92500"/>
+          </a:bodyPr>
+          <a:lstStyle/>
+          <a:p>
+            <a:r>
+              <a:rPr lang="en-GB" dirty="0">
+                <a:hlinkClick r:id="rId3"/>
+              </a:rPr>
+              <a:t>https://</a:t>
+            </a:r>
+            <a:r>
+              <a:rPr lang="en-GB" dirty="0" smtClean="0">
+                <a:hlinkClick r:id="rId3"/>
+              </a:rPr>
+              <a:t>youtu.be/1OKZOV-iLj4</a:t>
+            </a:r>
+            <a:endParaRPr lang="en-GB" dirty="0"/>
+          </a:p>
+          <a:p>
+            <a:r>
+              <a:rPr lang="en-GB" dirty="0">
+                <a:hlinkClick r:id="rId4"/>
+              </a:rPr>
+              <a:t>https://medium.com/@</a:t>
+            </a:r>
+            <a:r>
+              <a:rPr lang="en-GB" dirty="0" smtClean="0">
+                <a:hlinkClick r:id="rId4"/>
+              </a:rPr>
+              <a:t>dte/understanding-css-selector-specificity-a02238a02a59</a:t>
+            </a:r>
+            <a:endParaRPr lang="en-GB" dirty="0" smtClean="0"/>
+          </a:p>
+          <a:p>
+            <a:r>
+              <a:rPr lang="en-GB" dirty="0">
+                <a:hlinkClick r:id="rId5"/>
+              </a:rPr>
+              <a:t>https://</a:t>
+            </a:r>
+            <a:r>
+              <a:rPr lang="en-GB" dirty="0" smtClean="0">
+                <a:hlinkClick r:id="rId5"/>
+              </a:rPr>
+              <a:t>www.w3schools.com/cssref/pr_class_position.asp</a:t>
+            </a:r>
+            <a:endParaRPr lang="en-GB" dirty="0" smtClean="0"/>
+          </a:p>
+          <a:p>
+            <a:r>
+              <a:rPr lang="en-GB" dirty="0">
+                <a:hlinkClick r:id="rId6"/>
+              </a:rPr>
+              <a:t>https://</a:t>
+            </a:r>
+            <a:r>
+              <a:rPr lang="en-GB" dirty="0" smtClean="0">
+                <a:hlinkClick r:id="rId6"/>
+              </a:rPr>
+              <a:t>developer.mozilla.org/en-US/docs/Web/CSS/position</a:t>
+            </a:r>
+            <a:endParaRPr lang="en-GB" dirty="0" smtClean="0"/>
+          </a:p>
+          <a:p>
+            <a:r>
+              <a:rPr lang="en-IN" dirty="0"/>
+              <a:t>Positioning theory: </a:t>
+            </a:r>
+            <a:r>
+              <a:rPr lang="en-IN" dirty="0">
+                <a:hlinkClick r:id="rId7"/>
+              </a:rPr>
+              <a:t>https://developer.mozilla.org/en-US/docs/Learn/CSS/CSS_layout/Positioning</a:t>
+            </a:r>
+            <a:endParaRPr lang="en-IN" dirty="0"/>
+          </a:p>
+          <a:p>
+            <a:r>
+              <a:rPr lang="en-IN" dirty="0"/>
+              <a:t>More about the "position" property: </a:t>
+            </a:r>
+            <a:r>
+              <a:rPr lang="en-IN" dirty="0">
+                <a:hlinkClick r:id="rId6"/>
+              </a:rPr>
+              <a:t>https://developer.mozilla.org/en-US/docs/Web/CSS/position</a:t>
+            </a:r>
+            <a:endParaRPr lang="en-IN" dirty="0"/>
+          </a:p>
+          <a:p>
+            <a:r>
+              <a:rPr lang="en-IN" dirty="0"/>
+              <a:t>The z-index: </a:t>
+            </a:r>
+            <a:r>
+              <a:rPr lang="en-IN" dirty="0">
+                <a:hlinkClick r:id="rId8"/>
+              </a:rPr>
+              <a:t>https://developer.mozilla.org/en-US/docs/Web/CSS/z-index</a:t>
+            </a:r>
+            <a:endParaRPr lang="en-IN" dirty="0"/>
+          </a:p>
+          <a:p>
+            <a:r>
+              <a:rPr lang="en-IN" dirty="0"/>
+              <a:t>The Stacking Context: </a:t>
+            </a:r>
+            <a:r>
+              <a:rPr lang="en-IN" dirty="0">
+                <a:hlinkClick r:id="rId9"/>
+              </a:rPr>
+              <a:t>https://developer.mozilla.org/en-US/docs/Web/CSS/CSS_Positioning/Understanding_z_index/The_stacking_context</a:t>
+            </a:r>
+            <a:endParaRPr lang="en-IN" dirty="0"/>
+          </a:p>
+          <a:p>
+            <a:r>
+              <a:rPr lang="en-IN" dirty="0"/>
+              <a:t>The "sticky" value and current browser support: </a:t>
+            </a:r>
+            <a:r>
+              <a:rPr lang="en-IN" dirty="0">
+                <a:hlinkClick r:id="rId10"/>
+              </a:rPr>
+              <a:t>https://caniuse.com/#search=sticky</a:t>
+            </a:r>
+            <a:endParaRPr lang="en-IN" dirty="0"/>
+          </a:p>
+          <a:p>
+            <a:endParaRPr lang="en-GB" dirty="0" smtClean="0"/>
+          </a:p>
+          <a:p>
+            <a:endParaRPr lang="en-GB" dirty="0"/>
+          </a:p>
+        </p:txBody>
+      </p:sp>
+    </p:spTree>
+    <p:extLst>
+      <p:ext uri="{BB962C8B-B14F-4D97-AF65-F5344CB8AC3E}">
+        <p14:creationId xmlns:p14="http://schemas.microsoft.com/office/powerpoint/2010/main" val="3827948608"/>
+      </p:ext>
+    </p:extLst>
+  </p:cSld>
+  <p:clrMapOvr>
+    <a:masterClrMapping/>
+  </p:clrMapOvr>
+</p:sld>
+</file>
+
+<file path=ppt/slides/slide111.xml><?xml version="1.0" encoding="utf-8"?>
 <p:sld xmlns:a="http://schemas.openxmlformats.org/drawingml/2006/main" xmlns:r="http://schemas.openxmlformats.org/officeDocument/2006/relationships" xmlns:p="http://schemas.openxmlformats.org/presentationml/2006/main" showMasterSp="0">
   <p:cSld>
     <p:spTree>
